--- a/docs/디자인이름짓기.pptx
+++ b/docs/디자인이름짓기.pptx
@@ -262,7 +262,7 @@
           <a:p>
             <a:fld id="{760AB4A2-2E5F-4481-AEF4-893E702E4865}" type="datetimeFigureOut">
               <a:rPr lang="ko-KR" altLang="en-US" smtClean="0"/>
-              <a:t>2019-11-20</a:t>
+              <a:t>2019-11-21</a:t>
             </a:fld>
             <a:endParaRPr lang="ko-KR" altLang="en-US"/>
           </a:p>
@@ -460,7 +460,7 @@
           <a:p>
             <a:fld id="{760AB4A2-2E5F-4481-AEF4-893E702E4865}" type="datetimeFigureOut">
               <a:rPr lang="ko-KR" altLang="en-US" smtClean="0"/>
-              <a:t>2019-11-20</a:t>
+              <a:t>2019-11-21</a:t>
             </a:fld>
             <a:endParaRPr lang="ko-KR" altLang="en-US"/>
           </a:p>
@@ -668,7 +668,7 @@
           <a:p>
             <a:fld id="{760AB4A2-2E5F-4481-AEF4-893E702E4865}" type="datetimeFigureOut">
               <a:rPr lang="ko-KR" altLang="en-US" smtClean="0"/>
-              <a:t>2019-11-20</a:t>
+              <a:t>2019-11-21</a:t>
             </a:fld>
             <a:endParaRPr lang="ko-KR" altLang="en-US"/>
           </a:p>
@@ -866,7 +866,7 @@
           <a:p>
             <a:fld id="{760AB4A2-2E5F-4481-AEF4-893E702E4865}" type="datetimeFigureOut">
               <a:rPr lang="ko-KR" altLang="en-US" smtClean="0"/>
-              <a:t>2019-11-20</a:t>
+              <a:t>2019-11-21</a:t>
             </a:fld>
             <a:endParaRPr lang="ko-KR" altLang="en-US"/>
           </a:p>
@@ -1141,7 +1141,7 @@
           <a:p>
             <a:fld id="{760AB4A2-2E5F-4481-AEF4-893E702E4865}" type="datetimeFigureOut">
               <a:rPr lang="ko-KR" altLang="en-US" smtClean="0"/>
-              <a:t>2019-11-20</a:t>
+              <a:t>2019-11-21</a:t>
             </a:fld>
             <a:endParaRPr lang="ko-KR" altLang="en-US"/>
           </a:p>
@@ -1406,7 +1406,7 @@
           <a:p>
             <a:fld id="{760AB4A2-2E5F-4481-AEF4-893E702E4865}" type="datetimeFigureOut">
               <a:rPr lang="ko-KR" altLang="en-US" smtClean="0"/>
-              <a:t>2019-11-20</a:t>
+              <a:t>2019-11-21</a:t>
             </a:fld>
             <a:endParaRPr lang="ko-KR" altLang="en-US"/>
           </a:p>
@@ -1818,7 +1818,7 @@
           <a:p>
             <a:fld id="{760AB4A2-2E5F-4481-AEF4-893E702E4865}" type="datetimeFigureOut">
               <a:rPr lang="ko-KR" altLang="en-US" smtClean="0"/>
-              <a:t>2019-11-20</a:t>
+              <a:t>2019-11-21</a:t>
             </a:fld>
             <a:endParaRPr lang="ko-KR" altLang="en-US"/>
           </a:p>
@@ -1959,7 +1959,7 @@
           <a:p>
             <a:fld id="{760AB4A2-2E5F-4481-AEF4-893E702E4865}" type="datetimeFigureOut">
               <a:rPr lang="ko-KR" altLang="en-US" smtClean="0"/>
-              <a:t>2019-11-20</a:t>
+              <a:t>2019-11-21</a:t>
             </a:fld>
             <a:endParaRPr lang="ko-KR" altLang="en-US"/>
           </a:p>
@@ -2072,7 +2072,7 @@
           <a:p>
             <a:fld id="{760AB4A2-2E5F-4481-AEF4-893E702E4865}" type="datetimeFigureOut">
               <a:rPr lang="ko-KR" altLang="en-US" smtClean="0"/>
-              <a:t>2019-11-20</a:t>
+              <a:t>2019-11-21</a:t>
             </a:fld>
             <a:endParaRPr lang="ko-KR" altLang="en-US"/>
           </a:p>
@@ -2383,7 +2383,7 @@
           <a:p>
             <a:fld id="{760AB4A2-2E5F-4481-AEF4-893E702E4865}" type="datetimeFigureOut">
               <a:rPr lang="ko-KR" altLang="en-US" smtClean="0"/>
-              <a:t>2019-11-20</a:t>
+              <a:t>2019-11-21</a:t>
             </a:fld>
             <a:endParaRPr lang="ko-KR" altLang="en-US"/>
           </a:p>
@@ -2671,7 +2671,7 @@
           <a:p>
             <a:fld id="{760AB4A2-2E5F-4481-AEF4-893E702E4865}" type="datetimeFigureOut">
               <a:rPr lang="ko-KR" altLang="en-US" smtClean="0"/>
-              <a:t>2019-11-20</a:t>
+              <a:t>2019-11-21</a:t>
             </a:fld>
             <a:endParaRPr lang="ko-KR" altLang="en-US"/>
           </a:p>
@@ -2912,7 +2912,7 @@
           <a:p>
             <a:fld id="{760AB4A2-2E5F-4481-AEF4-893E702E4865}" type="datetimeFigureOut">
               <a:rPr lang="ko-KR" altLang="en-US" smtClean="0"/>
-              <a:t>2019-11-20</a:t>
+              <a:t>2019-11-21</a:t>
             </a:fld>
             <a:endParaRPr lang="ko-KR" altLang="en-US"/>
           </a:p>
@@ -8990,6 +8990,977 @@
           </a:p>
         </p:txBody>
       </p:sp>
+      <p:sp>
+        <p:nvSpPr>
+          <p:cNvPr id="64" name="TextBox 63">
+            <a:extLst>
+              <a:ext uri="{FF2B5EF4-FFF2-40B4-BE49-F238E27FC236}">
+                <a16:creationId xmlns:a16="http://schemas.microsoft.com/office/drawing/2014/main" id="{835AFB6E-B9AF-43B9-A570-A5E6F3D7F71F}"/>
+              </a:ext>
+            </a:extLst>
+          </p:cNvPr>
+          <p:cNvSpPr txBox="1"/>
+          <p:nvPr/>
+        </p:nvSpPr>
+        <p:spPr>
+          <a:xfrm>
+            <a:off x="-846758" y="3227038"/>
+            <a:ext cx="2056658" cy="369332"/>
+          </a:xfrm>
+          <a:prstGeom prst="rect">
+            <a:avLst/>
+          </a:prstGeom>
+          <a:noFill/>
+          <a:ln>
+            <a:solidFill>
+              <a:schemeClr val="tx1"/>
+            </a:solidFill>
+          </a:ln>
+        </p:spPr>
+        <p:txBody>
+          <a:bodyPr wrap="square" rtlCol="0">
+            <a:spAutoFit/>
+          </a:bodyPr>
+          <a:lstStyle/>
+          <a:p>
+            <a:r>
+              <a:rPr lang="en-US" altLang="ko-KR" dirty="0" err="1"/>
+              <a:t>listPlayListButton</a:t>
+            </a:r>
+            <a:r>
+              <a:rPr lang="en-US" altLang="ko-KR" dirty="0"/>
+              <a:t>?</a:t>
+            </a:r>
+            <a:endParaRPr lang="ko-KR" altLang="en-US" dirty="0"/>
+          </a:p>
+        </p:txBody>
+      </p:sp>
+      <p:cxnSp>
+        <p:nvCxnSpPr>
+          <p:cNvPr id="11" name="직선 연결선 10">
+            <a:extLst>
+              <a:ext uri="{FF2B5EF4-FFF2-40B4-BE49-F238E27FC236}">
+                <a16:creationId xmlns:a16="http://schemas.microsoft.com/office/drawing/2014/main" id="{5FC76A98-6609-4A9F-ACCD-ADF688802ABD}"/>
+              </a:ext>
+            </a:extLst>
+          </p:cNvPr>
+          <p:cNvCxnSpPr>
+            <a:cxnSpLocks/>
+            <a:stCxn id="6" idx="1"/>
+            <a:endCxn id="64" idx="2"/>
+          </p:cNvCxnSpPr>
+          <p:nvPr/>
+        </p:nvCxnSpPr>
+        <p:spPr>
+          <a:xfrm flipH="1">
+            <a:off x="181571" y="2685488"/>
+            <a:ext cx="951491" cy="910882"/>
+          </a:xfrm>
+          <a:prstGeom prst="line">
+            <a:avLst/>
+          </a:prstGeom>
+        </p:spPr>
+        <p:style>
+          <a:lnRef idx="1">
+            <a:schemeClr val="accent1"/>
+          </a:lnRef>
+          <a:fillRef idx="0">
+            <a:schemeClr val="accent1"/>
+          </a:fillRef>
+          <a:effectRef idx="0">
+            <a:schemeClr val="accent1"/>
+          </a:effectRef>
+          <a:fontRef idx="minor">
+            <a:schemeClr val="tx1"/>
+          </a:fontRef>
+        </p:style>
+      </p:cxnSp>
+      <p:sp>
+        <p:nvSpPr>
+          <p:cNvPr id="68" name="TextBox 67">
+            <a:extLst>
+              <a:ext uri="{FF2B5EF4-FFF2-40B4-BE49-F238E27FC236}">
+                <a16:creationId xmlns:a16="http://schemas.microsoft.com/office/drawing/2014/main" id="{079D1017-427E-4FB4-B31C-8305F309EB14}"/>
+              </a:ext>
+            </a:extLst>
+          </p:cNvPr>
+          <p:cNvSpPr txBox="1"/>
+          <p:nvPr/>
+        </p:nvSpPr>
+        <p:spPr>
+          <a:xfrm>
+            <a:off x="2175027" y="3490794"/>
+            <a:ext cx="1729895" cy="369332"/>
+          </a:xfrm>
+          <a:prstGeom prst="rect">
+            <a:avLst/>
+          </a:prstGeom>
+          <a:noFill/>
+          <a:ln>
+            <a:solidFill>
+              <a:schemeClr val="tx1"/>
+            </a:solidFill>
+          </a:ln>
+        </p:spPr>
+        <p:txBody>
+          <a:bodyPr wrap="square" rtlCol="0">
+            <a:spAutoFit/>
+          </a:bodyPr>
+          <a:lstStyle/>
+          <a:p>
+            <a:r>
+              <a:rPr lang="en-US" altLang="ko-KR" dirty="0" err="1"/>
+              <a:t>listCloseButton</a:t>
+            </a:r>
+            <a:endParaRPr lang="ko-KR" altLang="en-US" dirty="0"/>
+          </a:p>
+        </p:txBody>
+      </p:sp>
+      <p:cxnSp>
+        <p:nvCxnSpPr>
+          <p:cNvPr id="22" name="직선 연결선 21">
+            <a:extLst>
+              <a:ext uri="{FF2B5EF4-FFF2-40B4-BE49-F238E27FC236}">
+                <a16:creationId xmlns:a16="http://schemas.microsoft.com/office/drawing/2014/main" id="{686C6CFD-1D36-4077-BF61-18C74FD06436}"/>
+              </a:ext>
+            </a:extLst>
+          </p:cNvPr>
+          <p:cNvCxnSpPr>
+            <a:cxnSpLocks/>
+            <a:stCxn id="63" idx="1"/>
+            <a:endCxn id="68" idx="2"/>
+          </p:cNvCxnSpPr>
+          <p:nvPr/>
+        </p:nvCxnSpPr>
+        <p:spPr>
+          <a:xfrm flipH="1">
+            <a:off x="3039975" y="2258361"/>
+            <a:ext cx="1847131" cy="1601765"/>
+          </a:xfrm>
+          <a:prstGeom prst="line">
+            <a:avLst/>
+          </a:prstGeom>
+        </p:spPr>
+        <p:style>
+          <a:lnRef idx="1">
+            <a:schemeClr val="accent1"/>
+          </a:lnRef>
+          <a:fillRef idx="0">
+            <a:schemeClr val="accent1"/>
+          </a:fillRef>
+          <a:effectRef idx="0">
+            <a:schemeClr val="accent1"/>
+          </a:effectRef>
+          <a:fontRef idx="minor">
+            <a:schemeClr val="tx1"/>
+          </a:fontRef>
+        </p:style>
+      </p:cxnSp>
+      <p:sp>
+        <p:nvSpPr>
+          <p:cNvPr id="75" name="TextBox 74">
+            <a:extLst>
+              <a:ext uri="{FF2B5EF4-FFF2-40B4-BE49-F238E27FC236}">
+                <a16:creationId xmlns:a16="http://schemas.microsoft.com/office/drawing/2014/main" id="{BE0BDBCE-D36B-40B5-98A6-61C92BB1EF13}"/>
+              </a:ext>
+            </a:extLst>
+          </p:cNvPr>
+          <p:cNvSpPr txBox="1"/>
+          <p:nvPr/>
+        </p:nvSpPr>
+        <p:spPr>
+          <a:xfrm>
+            <a:off x="0" y="5767812"/>
+            <a:ext cx="1449281" cy="369332"/>
+          </a:xfrm>
+          <a:prstGeom prst="rect">
+            <a:avLst/>
+          </a:prstGeom>
+          <a:noFill/>
+          <a:ln>
+            <a:solidFill>
+              <a:schemeClr val="tx1"/>
+            </a:solidFill>
+          </a:ln>
+        </p:spPr>
+        <p:txBody>
+          <a:bodyPr wrap="square" rtlCol="0">
+            <a:spAutoFit/>
+          </a:bodyPr>
+          <a:lstStyle/>
+          <a:p>
+            <a:r>
+              <a:rPr lang="en-US" altLang="ko-KR" dirty="0" err="1"/>
+              <a:t>listPlayList</a:t>
+            </a:r>
+            <a:endParaRPr lang="ko-KR" altLang="en-US" dirty="0"/>
+          </a:p>
+        </p:txBody>
+      </p:sp>
+      <p:cxnSp>
+        <p:nvCxnSpPr>
+          <p:cNvPr id="70" name="직선 연결선 69">
+            <a:extLst>
+              <a:ext uri="{FF2B5EF4-FFF2-40B4-BE49-F238E27FC236}">
+                <a16:creationId xmlns:a16="http://schemas.microsoft.com/office/drawing/2014/main" id="{806B5E05-6A2E-48A9-95EB-58D955944715}"/>
+              </a:ext>
+            </a:extLst>
+          </p:cNvPr>
+          <p:cNvCxnSpPr>
+            <a:endCxn id="75" idx="0"/>
+          </p:cNvCxnSpPr>
+          <p:nvPr/>
+        </p:nvCxnSpPr>
+        <p:spPr>
+          <a:xfrm flipH="1">
+            <a:off x="724641" y="4864963"/>
+            <a:ext cx="408421" cy="902849"/>
+          </a:xfrm>
+          <a:prstGeom prst="line">
+            <a:avLst/>
+          </a:prstGeom>
+        </p:spPr>
+        <p:style>
+          <a:lnRef idx="1">
+            <a:schemeClr val="accent1"/>
+          </a:lnRef>
+          <a:fillRef idx="0">
+            <a:schemeClr val="accent1"/>
+          </a:fillRef>
+          <a:effectRef idx="0">
+            <a:schemeClr val="accent1"/>
+          </a:effectRef>
+          <a:fontRef idx="minor">
+            <a:schemeClr val="tx1"/>
+          </a:fontRef>
+        </p:style>
+      </p:cxnSp>
+      <p:cxnSp>
+        <p:nvCxnSpPr>
+          <p:cNvPr id="77" name="직선 연결선 76">
+            <a:extLst>
+              <a:ext uri="{FF2B5EF4-FFF2-40B4-BE49-F238E27FC236}">
+                <a16:creationId xmlns:a16="http://schemas.microsoft.com/office/drawing/2014/main" id="{2C7FE593-63CF-4D89-9FE8-D208E7A1DBFA}"/>
+              </a:ext>
+            </a:extLst>
+          </p:cNvPr>
+          <p:cNvCxnSpPr>
+            <a:cxnSpLocks/>
+            <a:stCxn id="60" idx="2"/>
+            <a:endCxn id="78" idx="0"/>
+          </p:cNvCxnSpPr>
+          <p:nvPr/>
+        </p:nvCxnSpPr>
+        <p:spPr>
+          <a:xfrm>
+            <a:off x="2857168" y="4594354"/>
+            <a:ext cx="281691" cy="813911"/>
+          </a:xfrm>
+          <a:prstGeom prst="line">
+            <a:avLst/>
+          </a:prstGeom>
+        </p:spPr>
+        <p:style>
+          <a:lnRef idx="1">
+            <a:schemeClr val="accent1"/>
+          </a:lnRef>
+          <a:fillRef idx="0">
+            <a:schemeClr val="accent1"/>
+          </a:fillRef>
+          <a:effectRef idx="0">
+            <a:schemeClr val="accent1"/>
+          </a:effectRef>
+          <a:fontRef idx="minor">
+            <a:schemeClr val="tx1"/>
+          </a:fontRef>
+        </p:style>
+      </p:cxnSp>
+      <p:sp>
+        <p:nvSpPr>
+          <p:cNvPr id="78" name="TextBox 77">
+            <a:extLst>
+              <a:ext uri="{FF2B5EF4-FFF2-40B4-BE49-F238E27FC236}">
+                <a16:creationId xmlns:a16="http://schemas.microsoft.com/office/drawing/2014/main" id="{ACD7A707-4E73-403F-83E9-61F17C71B63F}"/>
+              </a:ext>
+            </a:extLst>
+          </p:cNvPr>
+          <p:cNvSpPr txBox="1"/>
+          <p:nvPr/>
+        </p:nvSpPr>
+        <p:spPr>
+          <a:xfrm>
+            <a:off x="2263821" y="5408265"/>
+            <a:ext cx="1750076" cy="369332"/>
+          </a:xfrm>
+          <a:prstGeom prst="rect">
+            <a:avLst/>
+          </a:prstGeom>
+          <a:noFill/>
+          <a:ln>
+            <a:solidFill>
+              <a:schemeClr val="tx1"/>
+            </a:solidFill>
+          </a:ln>
+        </p:spPr>
+        <p:txBody>
+          <a:bodyPr wrap="square" rtlCol="0">
+            <a:spAutoFit/>
+          </a:bodyPr>
+          <a:lstStyle/>
+          <a:p>
+            <a:r>
+              <a:rPr lang="en-US" altLang="ko-KR" dirty="0" err="1"/>
+              <a:t>addPlayButton</a:t>
+            </a:r>
+            <a:endParaRPr lang="ko-KR" altLang="en-US" dirty="0"/>
+          </a:p>
+        </p:txBody>
+      </p:sp>
+      <p:sp>
+        <p:nvSpPr>
+          <p:cNvPr id="83" name="TextBox 82">
+            <a:extLst>
+              <a:ext uri="{FF2B5EF4-FFF2-40B4-BE49-F238E27FC236}">
+                <a16:creationId xmlns:a16="http://schemas.microsoft.com/office/drawing/2014/main" id="{DC31BA80-4196-4F16-B09C-C8D40707430C}"/>
+              </a:ext>
+            </a:extLst>
+          </p:cNvPr>
+          <p:cNvSpPr txBox="1"/>
+          <p:nvPr/>
+        </p:nvSpPr>
+        <p:spPr>
+          <a:xfrm>
+            <a:off x="4583863" y="3252392"/>
+            <a:ext cx="2219393" cy="369332"/>
+          </a:xfrm>
+          <a:prstGeom prst="rect">
+            <a:avLst/>
+          </a:prstGeom>
+          <a:noFill/>
+          <a:ln>
+            <a:solidFill>
+              <a:schemeClr val="tx1"/>
+            </a:solidFill>
+          </a:ln>
+        </p:spPr>
+        <p:txBody>
+          <a:bodyPr wrap="square" rtlCol="0">
+            <a:spAutoFit/>
+          </a:bodyPr>
+          <a:lstStyle/>
+          <a:p>
+            <a:r>
+              <a:rPr lang="en-US" altLang="ko-KR" dirty="0" err="1"/>
+              <a:t>listPlayListScrollBar</a:t>
+            </a:r>
+            <a:endParaRPr lang="ko-KR" altLang="en-US" dirty="0"/>
+          </a:p>
+        </p:txBody>
+      </p:sp>
+      <p:cxnSp>
+        <p:nvCxnSpPr>
+          <p:cNvPr id="85" name="직선 연결선 84">
+            <a:extLst>
+              <a:ext uri="{FF2B5EF4-FFF2-40B4-BE49-F238E27FC236}">
+                <a16:creationId xmlns:a16="http://schemas.microsoft.com/office/drawing/2014/main" id="{776E6FE6-014E-4176-8AF2-919945E9E501}"/>
+              </a:ext>
+            </a:extLst>
+          </p:cNvPr>
+          <p:cNvCxnSpPr>
+            <a:cxnSpLocks/>
+            <a:stCxn id="50" idx="3"/>
+            <a:endCxn id="83" idx="2"/>
+          </p:cNvCxnSpPr>
+          <p:nvPr/>
+        </p:nvCxnSpPr>
+        <p:spPr>
+          <a:xfrm>
+            <a:off x="5375920" y="2681053"/>
+            <a:ext cx="317640" cy="940671"/>
+          </a:xfrm>
+          <a:prstGeom prst="line">
+            <a:avLst/>
+          </a:prstGeom>
+        </p:spPr>
+        <p:style>
+          <a:lnRef idx="1">
+            <a:schemeClr val="accent1"/>
+          </a:lnRef>
+          <a:fillRef idx="0">
+            <a:schemeClr val="accent1"/>
+          </a:fillRef>
+          <a:effectRef idx="0">
+            <a:schemeClr val="accent1"/>
+          </a:effectRef>
+          <a:fontRef idx="minor">
+            <a:schemeClr val="tx1"/>
+          </a:fontRef>
+        </p:style>
+      </p:cxnSp>
+      <p:sp>
+        <p:nvSpPr>
+          <p:cNvPr id="91" name="TextBox 90">
+            <a:extLst>
+              <a:ext uri="{FF2B5EF4-FFF2-40B4-BE49-F238E27FC236}">
+                <a16:creationId xmlns:a16="http://schemas.microsoft.com/office/drawing/2014/main" id="{2CB37690-2378-4C08-A2FF-2EC16938CADB}"/>
+              </a:ext>
+            </a:extLst>
+          </p:cNvPr>
+          <p:cNvSpPr txBox="1"/>
+          <p:nvPr/>
+        </p:nvSpPr>
+        <p:spPr>
+          <a:xfrm>
+            <a:off x="1353132" y="68872"/>
+            <a:ext cx="1449281" cy="369332"/>
+          </a:xfrm>
+          <a:prstGeom prst="rect">
+            <a:avLst/>
+          </a:prstGeom>
+          <a:noFill/>
+          <a:ln>
+            <a:solidFill>
+              <a:schemeClr val="tx1"/>
+            </a:solidFill>
+          </a:ln>
+        </p:spPr>
+        <p:txBody>
+          <a:bodyPr wrap="square" rtlCol="0">
+            <a:spAutoFit/>
+          </a:bodyPr>
+          <a:lstStyle/>
+          <a:p>
+            <a:r>
+              <a:rPr lang="en-US" altLang="ko-KR" dirty="0" err="1"/>
+              <a:t>searchInput</a:t>
+            </a:r>
+            <a:endParaRPr lang="ko-KR" altLang="en-US" dirty="0"/>
+          </a:p>
+        </p:txBody>
+      </p:sp>
+      <p:cxnSp>
+        <p:nvCxnSpPr>
+          <p:cNvPr id="93" name="직선 연결선 92">
+            <a:extLst>
+              <a:ext uri="{FF2B5EF4-FFF2-40B4-BE49-F238E27FC236}">
+                <a16:creationId xmlns:a16="http://schemas.microsoft.com/office/drawing/2014/main" id="{487BA8E6-67D8-45F9-910D-799B96F611F2}"/>
+              </a:ext>
+            </a:extLst>
+          </p:cNvPr>
+          <p:cNvCxnSpPr>
+            <a:stCxn id="27" idx="0"/>
+            <a:endCxn id="91" idx="1"/>
+          </p:cNvCxnSpPr>
+          <p:nvPr/>
+        </p:nvCxnSpPr>
+        <p:spPr>
+          <a:xfrm flipH="1" flipV="1">
+            <a:off x="1353132" y="253538"/>
+            <a:ext cx="1669715" cy="527697"/>
+          </a:xfrm>
+          <a:prstGeom prst="line">
+            <a:avLst/>
+          </a:prstGeom>
+        </p:spPr>
+        <p:style>
+          <a:lnRef idx="1">
+            <a:schemeClr val="accent1"/>
+          </a:lnRef>
+          <a:fillRef idx="0">
+            <a:schemeClr val="accent1"/>
+          </a:fillRef>
+          <a:effectRef idx="0">
+            <a:schemeClr val="accent1"/>
+          </a:effectRef>
+          <a:fontRef idx="minor">
+            <a:schemeClr val="tx1"/>
+          </a:fontRef>
+        </p:style>
+      </p:cxnSp>
+      <p:sp>
+        <p:nvSpPr>
+          <p:cNvPr id="95" name="TextBox 94">
+            <a:extLst>
+              <a:ext uri="{FF2B5EF4-FFF2-40B4-BE49-F238E27FC236}">
+                <a16:creationId xmlns:a16="http://schemas.microsoft.com/office/drawing/2014/main" id="{B759D477-9F3E-4D07-BECD-CDDF339C013F}"/>
+              </a:ext>
+            </a:extLst>
+          </p:cNvPr>
+          <p:cNvSpPr txBox="1"/>
+          <p:nvPr/>
+        </p:nvSpPr>
+        <p:spPr>
+          <a:xfrm>
+            <a:off x="5127822" y="96112"/>
+            <a:ext cx="1623245" cy="369332"/>
+          </a:xfrm>
+          <a:prstGeom prst="rect">
+            <a:avLst/>
+          </a:prstGeom>
+          <a:noFill/>
+          <a:ln>
+            <a:solidFill>
+              <a:schemeClr val="tx1"/>
+            </a:solidFill>
+          </a:ln>
+        </p:spPr>
+        <p:txBody>
+          <a:bodyPr wrap="square" rtlCol="0">
+            <a:spAutoFit/>
+          </a:bodyPr>
+          <a:lstStyle/>
+          <a:p>
+            <a:r>
+              <a:rPr lang="en-US" altLang="ko-KR" dirty="0" err="1"/>
+              <a:t>searchButton</a:t>
+            </a:r>
+            <a:endParaRPr lang="ko-KR" altLang="en-US" dirty="0"/>
+          </a:p>
+        </p:txBody>
+      </p:sp>
+      <p:cxnSp>
+        <p:nvCxnSpPr>
+          <p:cNvPr id="97" name="직선 연결선 96">
+            <a:extLst>
+              <a:ext uri="{FF2B5EF4-FFF2-40B4-BE49-F238E27FC236}">
+                <a16:creationId xmlns:a16="http://schemas.microsoft.com/office/drawing/2014/main" id="{26AC5FD0-F5F8-40AE-BBCB-5D27C810E326}"/>
+              </a:ext>
+            </a:extLst>
+          </p:cNvPr>
+          <p:cNvCxnSpPr>
+            <a:cxnSpLocks/>
+            <a:stCxn id="29" idx="0"/>
+            <a:endCxn id="95" idx="1"/>
+          </p:cNvCxnSpPr>
+          <p:nvPr/>
+        </p:nvCxnSpPr>
+        <p:spPr>
+          <a:xfrm flipV="1">
+            <a:off x="4753993" y="280778"/>
+            <a:ext cx="373829" cy="500426"/>
+          </a:xfrm>
+          <a:prstGeom prst="line">
+            <a:avLst/>
+          </a:prstGeom>
+        </p:spPr>
+        <p:style>
+          <a:lnRef idx="1">
+            <a:schemeClr val="accent1"/>
+          </a:lnRef>
+          <a:fillRef idx="0">
+            <a:schemeClr val="accent1"/>
+          </a:fillRef>
+          <a:effectRef idx="0">
+            <a:schemeClr val="accent1"/>
+          </a:effectRef>
+          <a:fontRef idx="minor">
+            <a:schemeClr val="tx1"/>
+          </a:fontRef>
+        </p:style>
+      </p:cxnSp>
+      <p:sp>
+        <p:nvSpPr>
+          <p:cNvPr id="99" name="TextBox 98">
+            <a:extLst>
+              <a:ext uri="{FF2B5EF4-FFF2-40B4-BE49-F238E27FC236}">
+                <a16:creationId xmlns:a16="http://schemas.microsoft.com/office/drawing/2014/main" id="{C7FDE66B-C010-40F5-83A8-943115D44FBA}"/>
+              </a:ext>
+            </a:extLst>
+          </p:cNvPr>
+          <p:cNvSpPr txBox="1"/>
+          <p:nvPr/>
+        </p:nvSpPr>
+        <p:spPr>
+          <a:xfrm>
+            <a:off x="7037012" y="3184426"/>
+            <a:ext cx="1819750" cy="369332"/>
+          </a:xfrm>
+          <a:prstGeom prst="rect">
+            <a:avLst/>
+          </a:prstGeom>
+          <a:noFill/>
+          <a:ln>
+            <a:solidFill>
+              <a:schemeClr val="tx1"/>
+            </a:solidFill>
+          </a:ln>
+        </p:spPr>
+        <p:txBody>
+          <a:bodyPr wrap="square" rtlCol="0">
+            <a:spAutoFit/>
+          </a:bodyPr>
+          <a:lstStyle/>
+          <a:p>
+            <a:r>
+              <a:rPr lang="en-US" altLang="ko-KR" dirty="0" err="1"/>
+              <a:t>rankComboBox</a:t>
+            </a:r>
+            <a:endParaRPr lang="ko-KR" altLang="en-US" dirty="0"/>
+          </a:p>
+        </p:txBody>
+      </p:sp>
+      <p:cxnSp>
+        <p:nvCxnSpPr>
+          <p:cNvPr id="101" name="직선 연결선 100">
+            <a:extLst>
+              <a:ext uri="{FF2B5EF4-FFF2-40B4-BE49-F238E27FC236}">
+                <a16:creationId xmlns:a16="http://schemas.microsoft.com/office/drawing/2014/main" id="{761B5713-9A1D-45BA-8879-4DAF6F6172BD}"/>
+              </a:ext>
+            </a:extLst>
+          </p:cNvPr>
+          <p:cNvCxnSpPr>
+            <a:cxnSpLocks/>
+            <a:stCxn id="67" idx="2"/>
+            <a:endCxn id="99" idx="0"/>
+          </p:cNvCxnSpPr>
+          <p:nvPr/>
+        </p:nvCxnSpPr>
+        <p:spPr>
+          <a:xfrm flipH="1">
+            <a:off x="7946887" y="2479029"/>
+            <a:ext cx="510574" cy="705397"/>
+          </a:xfrm>
+          <a:prstGeom prst="line">
+            <a:avLst/>
+          </a:prstGeom>
+        </p:spPr>
+        <p:style>
+          <a:lnRef idx="1">
+            <a:schemeClr val="accent1"/>
+          </a:lnRef>
+          <a:fillRef idx="0">
+            <a:schemeClr val="accent1"/>
+          </a:fillRef>
+          <a:effectRef idx="0">
+            <a:schemeClr val="accent1"/>
+          </a:effectRef>
+          <a:fontRef idx="minor">
+            <a:schemeClr val="tx1"/>
+          </a:fontRef>
+        </p:style>
+      </p:cxnSp>
+      <p:sp>
+        <p:nvSpPr>
+          <p:cNvPr id="103" name="TextBox 102">
+            <a:extLst>
+              <a:ext uri="{FF2B5EF4-FFF2-40B4-BE49-F238E27FC236}">
+                <a16:creationId xmlns:a16="http://schemas.microsoft.com/office/drawing/2014/main" id="{67B19D24-315E-4721-8DF3-D7D19FAEC1F2}"/>
+              </a:ext>
+            </a:extLst>
+          </p:cNvPr>
+          <p:cNvSpPr txBox="1"/>
+          <p:nvPr/>
+        </p:nvSpPr>
+        <p:spPr>
+          <a:xfrm>
+            <a:off x="8060924" y="4594354"/>
+            <a:ext cx="1961965" cy="369332"/>
+          </a:xfrm>
+          <a:prstGeom prst="rect">
+            <a:avLst/>
+          </a:prstGeom>
+          <a:noFill/>
+          <a:ln>
+            <a:solidFill>
+              <a:schemeClr val="tx1"/>
+            </a:solidFill>
+          </a:ln>
+        </p:spPr>
+        <p:txBody>
+          <a:bodyPr wrap="square" rtlCol="0">
+            <a:spAutoFit/>
+          </a:bodyPr>
+          <a:lstStyle/>
+          <a:p>
+            <a:r>
+              <a:rPr lang="en-US" altLang="ko-KR" dirty="0" err="1"/>
+              <a:t>rankCheckButton</a:t>
+            </a:r>
+            <a:endParaRPr lang="ko-KR" altLang="en-US" dirty="0"/>
+          </a:p>
+        </p:txBody>
+      </p:sp>
+      <p:cxnSp>
+        <p:nvCxnSpPr>
+          <p:cNvPr id="107" name="직선 연결선 106">
+            <a:extLst>
+              <a:ext uri="{FF2B5EF4-FFF2-40B4-BE49-F238E27FC236}">
+                <a16:creationId xmlns:a16="http://schemas.microsoft.com/office/drawing/2014/main" id="{D018423E-308D-46DD-97C8-4DD6C76329E8}"/>
+              </a:ext>
+            </a:extLst>
+          </p:cNvPr>
+          <p:cNvCxnSpPr>
+            <a:cxnSpLocks/>
+            <a:stCxn id="74" idx="2"/>
+            <a:endCxn id="103" idx="0"/>
+          </p:cNvCxnSpPr>
+          <p:nvPr/>
+        </p:nvCxnSpPr>
+        <p:spPr>
+          <a:xfrm flipH="1">
+            <a:off x="9041907" y="2496677"/>
+            <a:ext cx="1303627" cy="2097677"/>
+          </a:xfrm>
+          <a:prstGeom prst="line">
+            <a:avLst/>
+          </a:prstGeom>
+        </p:spPr>
+        <p:style>
+          <a:lnRef idx="1">
+            <a:schemeClr val="accent1"/>
+          </a:lnRef>
+          <a:fillRef idx="0">
+            <a:schemeClr val="accent1"/>
+          </a:fillRef>
+          <a:effectRef idx="0">
+            <a:schemeClr val="accent1"/>
+          </a:effectRef>
+          <a:fontRef idx="minor">
+            <a:schemeClr val="tx1"/>
+          </a:fontRef>
+        </p:style>
+      </p:cxnSp>
+      <p:sp>
+        <p:nvSpPr>
+          <p:cNvPr id="112" name="TextBox 111">
+            <a:extLst>
+              <a:ext uri="{FF2B5EF4-FFF2-40B4-BE49-F238E27FC236}">
+                <a16:creationId xmlns:a16="http://schemas.microsoft.com/office/drawing/2014/main" id="{90632AF7-7C1E-4610-A0E9-720DE8538CA3}"/>
+              </a:ext>
+            </a:extLst>
+          </p:cNvPr>
+          <p:cNvSpPr txBox="1"/>
+          <p:nvPr/>
+        </p:nvSpPr>
+        <p:spPr>
+          <a:xfrm>
+            <a:off x="-520430" y="1680066"/>
+            <a:ext cx="1449281" cy="369332"/>
+          </a:xfrm>
+          <a:prstGeom prst="rect">
+            <a:avLst/>
+          </a:prstGeom>
+          <a:noFill/>
+          <a:ln>
+            <a:solidFill>
+              <a:schemeClr val="tx1"/>
+            </a:solidFill>
+          </a:ln>
+        </p:spPr>
+        <p:txBody>
+          <a:bodyPr wrap="square" rtlCol="0">
+            <a:spAutoFit/>
+          </a:bodyPr>
+          <a:lstStyle/>
+          <a:p>
+            <a:r>
+              <a:rPr lang="en-US" altLang="ko-KR" dirty="0" err="1"/>
+              <a:t>playListTab</a:t>
+            </a:r>
+            <a:endParaRPr lang="ko-KR" altLang="en-US" dirty="0"/>
+          </a:p>
+        </p:txBody>
+      </p:sp>
+      <p:cxnSp>
+        <p:nvCxnSpPr>
+          <p:cNvPr id="114" name="직선 연결선 113">
+            <a:extLst>
+              <a:ext uri="{FF2B5EF4-FFF2-40B4-BE49-F238E27FC236}">
+                <a16:creationId xmlns:a16="http://schemas.microsoft.com/office/drawing/2014/main" id="{34402965-546C-43F6-9811-4136F6C77588}"/>
+              </a:ext>
+            </a:extLst>
+          </p:cNvPr>
+          <p:cNvCxnSpPr>
+            <a:stCxn id="31" idx="1"/>
+            <a:endCxn id="112" idx="3"/>
+          </p:cNvCxnSpPr>
+          <p:nvPr/>
+        </p:nvCxnSpPr>
+        <p:spPr>
+          <a:xfrm flipH="1">
+            <a:off x="928851" y="1633492"/>
+            <a:ext cx="256320" cy="231240"/>
+          </a:xfrm>
+          <a:prstGeom prst="line">
+            <a:avLst/>
+          </a:prstGeom>
+        </p:spPr>
+        <p:style>
+          <a:lnRef idx="1">
+            <a:schemeClr val="accent1"/>
+          </a:lnRef>
+          <a:fillRef idx="0">
+            <a:schemeClr val="accent1"/>
+          </a:fillRef>
+          <a:effectRef idx="0">
+            <a:schemeClr val="accent1"/>
+          </a:effectRef>
+          <a:fontRef idx="minor">
+            <a:schemeClr val="tx1"/>
+          </a:fontRef>
+        </p:style>
+      </p:cxnSp>
+      <p:sp>
+        <p:nvSpPr>
+          <p:cNvPr id="115" name="TextBox 114">
+            <a:extLst>
+              <a:ext uri="{FF2B5EF4-FFF2-40B4-BE49-F238E27FC236}">
+                <a16:creationId xmlns:a16="http://schemas.microsoft.com/office/drawing/2014/main" id="{26112C9A-D9CE-4B57-9C14-5229BC0C8414}"/>
+              </a:ext>
+            </a:extLst>
+          </p:cNvPr>
+          <p:cNvSpPr txBox="1"/>
+          <p:nvPr/>
+        </p:nvSpPr>
+        <p:spPr>
+          <a:xfrm>
+            <a:off x="7629234" y="85236"/>
+            <a:ext cx="1449281" cy="369332"/>
+          </a:xfrm>
+          <a:prstGeom prst="rect">
+            <a:avLst/>
+          </a:prstGeom>
+          <a:noFill/>
+          <a:ln>
+            <a:solidFill>
+              <a:schemeClr val="tx1"/>
+            </a:solidFill>
+          </a:ln>
+        </p:spPr>
+        <p:txBody>
+          <a:bodyPr wrap="square" rtlCol="0">
+            <a:spAutoFit/>
+          </a:bodyPr>
+          <a:lstStyle/>
+          <a:p>
+            <a:r>
+              <a:rPr lang="en-US" altLang="ko-KR" dirty="0" err="1"/>
+              <a:t>rankListTab</a:t>
+            </a:r>
+            <a:endParaRPr lang="ko-KR" altLang="en-US" dirty="0"/>
+          </a:p>
+        </p:txBody>
+      </p:sp>
+      <p:cxnSp>
+        <p:nvCxnSpPr>
+          <p:cNvPr id="119" name="직선 연결선 118">
+            <a:extLst>
+              <a:ext uri="{FF2B5EF4-FFF2-40B4-BE49-F238E27FC236}">
+                <a16:creationId xmlns:a16="http://schemas.microsoft.com/office/drawing/2014/main" id="{140AA000-781E-4867-95D3-892B11C1D05E}"/>
+              </a:ext>
+            </a:extLst>
+          </p:cNvPr>
+          <p:cNvCxnSpPr>
+            <a:stCxn id="25" idx="0"/>
+            <a:endCxn id="115" idx="2"/>
+          </p:cNvCxnSpPr>
+          <p:nvPr/>
+        </p:nvCxnSpPr>
+        <p:spPr>
+          <a:xfrm flipH="1" flipV="1">
+            <a:off x="8353875" y="454568"/>
+            <a:ext cx="809368" cy="997758"/>
+          </a:xfrm>
+          <a:prstGeom prst="line">
+            <a:avLst/>
+          </a:prstGeom>
+        </p:spPr>
+        <p:style>
+          <a:lnRef idx="1">
+            <a:schemeClr val="accent1"/>
+          </a:lnRef>
+          <a:fillRef idx="0">
+            <a:schemeClr val="accent1"/>
+          </a:fillRef>
+          <a:effectRef idx="0">
+            <a:schemeClr val="accent1"/>
+          </a:effectRef>
+          <a:fontRef idx="minor">
+            <a:schemeClr val="tx1"/>
+          </a:fontRef>
+        </p:style>
+      </p:cxnSp>
+      <p:sp>
+        <p:nvSpPr>
+          <p:cNvPr id="125" name="TextBox 124">
+            <a:extLst>
+              <a:ext uri="{FF2B5EF4-FFF2-40B4-BE49-F238E27FC236}">
+                <a16:creationId xmlns:a16="http://schemas.microsoft.com/office/drawing/2014/main" id="{85C63424-BBD1-4017-9996-BE0EC2709AD4}"/>
+              </a:ext>
+            </a:extLst>
+          </p:cNvPr>
+          <p:cNvSpPr txBox="1"/>
+          <p:nvPr/>
+        </p:nvSpPr>
+        <p:spPr>
+          <a:xfrm>
+            <a:off x="10693448" y="4328981"/>
+            <a:ext cx="1565134" cy="369332"/>
+          </a:xfrm>
+          <a:prstGeom prst="rect">
+            <a:avLst/>
+          </a:prstGeom>
+          <a:noFill/>
+          <a:ln>
+            <a:solidFill>
+              <a:schemeClr val="tx1"/>
+            </a:solidFill>
+          </a:ln>
+        </p:spPr>
+        <p:txBody>
+          <a:bodyPr wrap="square" rtlCol="0">
+            <a:spAutoFit/>
+          </a:bodyPr>
+          <a:lstStyle/>
+          <a:p>
+            <a:r>
+              <a:rPr lang="en-US" altLang="ko-KR" dirty="0" err="1"/>
+              <a:t>rankScrollBar</a:t>
+            </a:r>
+            <a:endParaRPr lang="ko-KR" altLang="en-US" dirty="0"/>
+          </a:p>
+        </p:txBody>
+      </p:sp>
+      <p:cxnSp>
+        <p:nvCxnSpPr>
+          <p:cNvPr id="127" name="직선 연결선 126">
+            <a:extLst>
+              <a:ext uri="{FF2B5EF4-FFF2-40B4-BE49-F238E27FC236}">
+                <a16:creationId xmlns:a16="http://schemas.microsoft.com/office/drawing/2014/main" id="{0D989C81-F517-401D-9169-B04FAE281BE1}"/>
+              </a:ext>
+            </a:extLst>
+          </p:cNvPr>
+          <p:cNvCxnSpPr>
+            <a:cxnSpLocks/>
+            <a:stCxn id="51" idx="3"/>
+            <a:endCxn id="125" idx="0"/>
+          </p:cNvCxnSpPr>
+          <p:nvPr/>
+        </p:nvCxnSpPr>
+        <p:spPr>
+          <a:xfrm>
+            <a:off x="11140980" y="3411705"/>
+            <a:ext cx="335035" cy="917276"/>
+          </a:xfrm>
+          <a:prstGeom prst="line">
+            <a:avLst/>
+          </a:prstGeom>
+        </p:spPr>
+        <p:style>
+          <a:lnRef idx="1">
+            <a:schemeClr val="accent1"/>
+          </a:lnRef>
+          <a:fillRef idx="0">
+            <a:schemeClr val="accent1"/>
+          </a:fillRef>
+          <a:effectRef idx="0">
+            <a:schemeClr val="accent1"/>
+          </a:effectRef>
+          <a:fontRef idx="minor">
+            <a:schemeClr val="tx1"/>
+          </a:fontRef>
+        </p:style>
+      </p:cxnSp>
     </p:spTree>
     <p:extLst>
       <p:ext uri="{BB962C8B-B14F-4D97-AF65-F5344CB8AC3E}">
@@ -9022,10 +9993,10 @@
       </p:grpSpPr>
       <p:sp>
         <p:nvSpPr>
-          <p:cNvPr id="52" name="직사각형 51">
-            <a:extLst>
-              <a:ext uri="{FF2B5EF4-FFF2-40B4-BE49-F238E27FC236}">
-                <a16:creationId xmlns:a16="http://schemas.microsoft.com/office/drawing/2014/main" id="{59F818D0-2607-4664-8FDB-565D31B09D7B}"/>
+          <p:cNvPr id="4" name="직사각형 3">
+            <a:extLst>
+              <a:ext uri="{FF2B5EF4-FFF2-40B4-BE49-F238E27FC236}">
+                <a16:creationId xmlns:a16="http://schemas.microsoft.com/office/drawing/2014/main" id="{631A0A63-966E-4EB6-98AD-0CA0B10F97DB}"/>
               </a:ext>
             </a:extLst>
           </p:cNvPr>
@@ -9034,8 +10005,1156 @@
         </p:nvSpPr>
         <p:spPr>
           <a:xfrm>
-            <a:off x="10342485" y="3148901"/>
-            <a:ext cx="319597" cy="292922"/>
+            <a:off x="1065320" y="541538"/>
+            <a:ext cx="4323426" cy="5752730"/>
+          </a:xfrm>
+          <a:prstGeom prst="rect">
+            <a:avLst/>
+          </a:prstGeom>
+          <a:noFill/>
+          <a:ln>
+            <a:solidFill>
+              <a:schemeClr val="accent1"/>
+            </a:solidFill>
+          </a:ln>
+        </p:spPr>
+        <p:style>
+          <a:lnRef idx="2">
+            <a:schemeClr val="accent1">
+              <a:shade val="50000"/>
+            </a:schemeClr>
+          </a:lnRef>
+          <a:fillRef idx="1">
+            <a:schemeClr val="accent1"/>
+          </a:fillRef>
+          <a:effectRef idx="0">
+            <a:schemeClr val="accent1"/>
+          </a:effectRef>
+          <a:fontRef idx="minor">
+            <a:schemeClr val="lt1"/>
+          </a:fontRef>
+        </p:style>
+        <p:txBody>
+          <a:bodyPr rtlCol="0" anchor="ctr"/>
+          <a:lstStyle/>
+          <a:p>
+            <a:pPr algn="ctr"/>
+            <a:endParaRPr lang="ko-KR" altLang="en-US"/>
+          </a:p>
+        </p:txBody>
+      </p:sp>
+      <p:cxnSp>
+        <p:nvCxnSpPr>
+          <p:cNvPr id="5" name="직선 연결선 4">
+            <a:extLst>
+              <a:ext uri="{FF2B5EF4-FFF2-40B4-BE49-F238E27FC236}">
+                <a16:creationId xmlns:a16="http://schemas.microsoft.com/office/drawing/2014/main" id="{1B52EB4A-66E8-4433-81CF-2B87CA5BEFA4}"/>
+              </a:ext>
+            </a:extLst>
+          </p:cNvPr>
+          <p:cNvCxnSpPr/>
+          <p:nvPr/>
+        </p:nvCxnSpPr>
+        <p:spPr>
+          <a:xfrm>
+            <a:off x="1065320" y="1278384"/>
+            <a:ext cx="4323426" cy="0"/>
+          </a:xfrm>
+          <a:prstGeom prst="line">
+            <a:avLst/>
+          </a:prstGeom>
+        </p:spPr>
+        <p:style>
+          <a:lnRef idx="1">
+            <a:schemeClr val="accent1"/>
+          </a:lnRef>
+          <a:fillRef idx="0">
+            <a:schemeClr val="accent1"/>
+          </a:fillRef>
+          <a:effectRef idx="0">
+            <a:schemeClr val="accent1"/>
+          </a:effectRef>
+          <a:fontRef idx="minor">
+            <a:schemeClr val="tx1"/>
+          </a:fontRef>
+        </p:style>
+      </p:cxnSp>
+      <p:cxnSp>
+        <p:nvCxnSpPr>
+          <p:cNvPr id="6" name="직선 연결선 5">
+            <a:extLst>
+              <a:ext uri="{FF2B5EF4-FFF2-40B4-BE49-F238E27FC236}">
+                <a16:creationId xmlns:a16="http://schemas.microsoft.com/office/drawing/2014/main" id="{32F960AD-BAEA-47F2-B749-D8F23ACF4A87}"/>
+              </a:ext>
+            </a:extLst>
+          </p:cNvPr>
+          <p:cNvCxnSpPr>
+            <a:cxnSpLocks/>
+          </p:cNvCxnSpPr>
+          <p:nvPr/>
+        </p:nvCxnSpPr>
+        <p:spPr>
+          <a:xfrm>
+            <a:off x="1065320" y="1988598"/>
+            <a:ext cx="2880804" cy="0"/>
+          </a:xfrm>
+          <a:prstGeom prst="line">
+            <a:avLst/>
+          </a:prstGeom>
+        </p:spPr>
+        <p:style>
+          <a:lnRef idx="1">
+            <a:schemeClr val="accent1"/>
+          </a:lnRef>
+          <a:fillRef idx="0">
+            <a:schemeClr val="accent1"/>
+          </a:fillRef>
+          <a:effectRef idx="0">
+            <a:schemeClr val="accent1"/>
+          </a:effectRef>
+          <a:fontRef idx="minor">
+            <a:schemeClr val="tx1"/>
+          </a:fontRef>
+        </p:style>
+      </p:cxnSp>
+      <p:cxnSp>
+        <p:nvCxnSpPr>
+          <p:cNvPr id="7" name="직선 연결선 6">
+            <a:extLst>
+              <a:ext uri="{FF2B5EF4-FFF2-40B4-BE49-F238E27FC236}">
+                <a16:creationId xmlns:a16="http://schemas.microsoft.com/office/drawing/2014/main" id="{9A667F42-1729-4AEC-9C6E-299EAC7624F7}"/>
+              </a:ext>
+            </a:extLst>
+          </p:cNvPr>
+          <p:cNvCxnSpPr/>
+          <p:nvPr/>
+        </p:nvCxnSpPr>
+        <p:spPr>
+          <a:xfrm>
+            <a:off x="2503503" y="1278384"/>
+            <a:ext cx="0" cy="710214"/>
+          </a:xfrm>
+          <a:prstGeom prst="line">
+            <a:avLst/>
+          </a:prstGeom>
+        </p:spPr>
+        <p:style>
+          <a:lnRef idx="1">
+            <a:schemeClr val="accent1"/>
+          </a:lnRef>
+          <a:fillRef idx="0">
+            <a:schemeClr val="accent1"/>
+          </a:fillRef>
+          <a:effectRef idx="0">
+            <a:schemeClr val="accent1"/>
+          </a:effectRef>
+          <a:fontRef idx="minor">
+            <a:schemeClr val="tx1"/>
+          </a:fontRef>
+        </p:style>
+      </p:cxnSp>
+      <p:sp>
+        <p:nvSpPr>
+          <p:cNvPr id="8" name="직사각형 7">
+            <a:extLst>
+              <a:ext uri="{FF2B5EF4-FFF2-40B4-BE49-F238E27FC236}">
+                <a16:creationId xmlns:a16="http://schemas.microsoft.com/office/drawing/2014/main" id="{C421B1DD-18A7-4D71-8D01-1B8A0DA6A676}"/>
+              </a:ext>
+            </a:extLst>
+          </p:cNvPr>
+          <p:cNvSpPr/>
+          <p:nvPr/>
+        </p:nvSpPr>
+        <p:spPr>
+          <a:xfrm>
+            <a:off x="1402672" y="781235"/>
+            <a:ext cx="3240349" cy="266302"/>
+          </a:xfrm>
+          <a:prstGeom prst="rect">
+            <a:avLst/>
+          </a:prstGeom>
+          <a:noFill/>
+          <a:ln>
+            <a:solidFill>
+              <a:schemeClr val="accent1"/>
+            </a:solidFill>
+          </a:ln>
+        </p:spPr>
+        <p:style>
+          <a:lnRef idx="2">
+            <a:schemeClr val="accent1">
+              <a:shade val="50000"/>
+            </a:schemeClr>
+          </a:lnRef>
+          <a:fillRef idx="1">
+            <a:schemeClr val="accent1"/>
+          </a:fillRef>
+          <a:effectRef idx="0">
+            <a:schemeClr val="accent1"/>
+          </a:effectRef>
+          <a:fontRef idx="minor">
+            <a:schemeClr val="lt1"/>
+          </a:fontRef>
+        </p:style>
+        <p:txBody>
+          <a:bodyPr rtlCol="0" anchor="ctr"/>
+          <a:lstStyle/>
+          <a:p>
+            <a:pPr algn="ctr"/>
+            <a:endParaRPr lang="ko-KR" altLang="en-US"/>
+          </a:p>
+        </p:txBody>
+      </p:sp>
+      <p:sp>
+        <p:nvSpPr>
+          <p:cNvPr id="9" name="직사각형 8">
+            <a:extLst>
+              <a:ext uri="{FF2B5EF4-FFF2-40B4-BE49-F238E27FC236}">
+                <a16:creationId xmlns:a16="http://schemas.microsoft.com/office/drawing/2014/main" id="{C695656A-66C7-4D08-A614-223DBD0B7EDD}"/>
+              </a:ext>
+            </a:extLst>
+          </p:cNvPr>
+          <p:cNvSpPr/>
+          <p:nvPr/>
+        </p:nvSpPr>
+        <p:spPr>
+          <a:xfrm>
+            <a:off x="4643021" y="781235"/>
+            <a:ext cx="337352" cy="266271"/>
+          </a:xfrm>
+          <a:prstGeom prst="rect">
+            <a:avLst/>
+          </a:prstGeom>
+          <a:noFill/>
+        </p:spPr>
+        <p:style>
+          <a:lnRef idx="2">
+            <a:schemeClr val="accent1">
+              <a:shade val="50000"/>
+            </a:schemeClr>
+          </a:lnRef>
+          <a:fillRef idx="1">
+            <a:schemeClr val="accent1"/>
+          </a:fillRef>
+          <a:effectRef idx="0">
+            <a:schemeClr val="accent1"/>
+          </a:effectRef>
+          <a:fontRef idx="minor">
+            <a:schemeClr val="lt1"/>
+          </a:fontRef>
+        </p:style>
+        <p:txBody>
+          <a:bodyPr rtlCol="0" anchor="ctr"/>
+          <a:lstStyle/>
+          <a:p>
+            <a:pPr algn="ctr"/>
+            <a:endParaRPr lang="ko-KR" altLang="en-US"/>
+          </a:p>
+        </p:txBody>
+      </p:sp>
+      <p:sp>
+        <p:nvSpPr>
+          <p:cNvPr id="10" name="원형: 비어 있음 9">
+            <a:extLst>
+              <a:ext uri="{FF2B5EF4-FFF2-40B4-BE49-F238E27FC236}">
+                <a16:creationId xmlns:a16="http://schemas.microsoft.com/office/drawing/2014/main" id="{A8CC298B-175E-47B7-8695-ECB87198EE87}"/>
+              </a:ext>
+            </a:extLst>
+          </p:cNvPr>
+          <p:cNvSpPr/>
+          <p:nvPr/>
+        </p:nvSpPr>
+        <p:spPr>
+          <a:xfrm>
+            <a:off x="4660777" y="781204"/>
+            <a:ext cx="186431" cy="177553"/>
+          </a:xfrm>
+          <a:prstGeom prst="donut">
+            <a:avLst/>
+          </a:prstGeom>
+          <a:noFill/>
+          <a:ln>
+            <a:solidFill>
+              <a:schemeClr val="accent1"/>
+            </a:solidFill>
+          </a:ln>
+        </p:spPr>
+        <p:style>
+          <a:lnRef idx="2">
+            <a:schemeClr val="accent1">
+              <a:shade val="50000"/>
+            </a:schemeClr>
+          </a:lnRef>
+          <a:fillRef idx="1">
+            <a:schemeClr val="accent1"/>
+          </a:fillRef>
+          <a:effectRef idx="0">
+            <a:schemeClr val="accent1"/>
+          </a:effectRef>
+          <a:fontRef idx="minor">
+            <a:schemeClr val="lt1"/>
+          </a:fontRef>
+        </p:style>
+        <p:txBody>
+          <a:bodyPr rtlCol="0" anchor="ctr"/>
+          <a:lstStyle/>
+          <a:p>
+            <a:pPr algn="ctr"/>
+            <a:endParaRPr lang="ko-KR" altLang="en-US">
+              <a:solidFill>
+                <a:schemeClr val="tx1"/>
+              </a:solidFill>
+            </a:endParaRPr>
+          </a:p>
+        </p:txBody>
+      </p:sp>
+      <p:sp>
+        <p:nvSpPr>
+          <p:cNvPr id="11" name="직사각형 10">
+            <a:extLst>
+              <a:ext uri="{FF2B5EF4-FFF2-40B4-BE49-F238E27FC236}">
+                <a16:creationId xmlns:a16="http://schemas.microsoft.com/office/drawing/2014/main" id="{B94F9088-D4A6-49CE-A7C2-32E5A8415D33}"/>
+              </a:ext>
+            </a:extLst>
+          </p:cNvPr>
+          <p:cNvSpPr/>
+          <p:nvPr/>
+        </p:nvSpPr>
+        <p:spPr>
+          <a:xfrm rot="18784169">
+            <a:off x="4861836" y="906157"/>
+            <a:ext cx="45719" cy="157111"/>
+          </a:xfrm>
+          <a:prstGeom prst="rect">
+            <a:avLst/>
+          </a:prstGeom>
+          <a:noFill/>
+          <a:ln w="6350">
+            <a:solidFill>
+              <a:schemeClr val="accent1"/>
+            </a:solidFill>
+          </a:ln>
+        </p:spPr>
+        <p:style>
+          <a:lnRef idx="2">
+            <a:schemeClr val="accent1">
+              <a:shade val="50000"/>
+            </a:schemeClr>
+          </a:lnRef>
+          <a:fillRef idx="1">
+            <a:schemeClr val="accent1"/>
+          </a:fillRef>
+          <a:effectRef idx="0">
+            <a:schemeClr val="accent1"/>
+          </a:effectRef>
+          <a:fontRef idx="minor">
+            <a:schemeClr val="lt1"/>
+          </a:fontRef>
+        </p:style>
+        <p:txBody>
+          <a:bodyPr rtlCol="0" anchor="ctr"/>
+          <a:lstStyle/>
+          <a:p>
+            <a:pPr algn="ctr"/>
+            <a:endParaRPr lang="ko-KR" altLang="en-US"/>
+          </a:p>
+        </p:txBody>
+      </p:sp>
+      <p:sp>
+        <p:nvSpPr>
+          <p:cNvPr id="12" name="TextBox 11">
+            <a:extLst>
+              <a:ext uri="{FF2B5EF4-FFF2-40B4-BE49-F238E27FC236}">
+                <a16:creationId xmlns:a16="http://schemas.microsoft.com/office/drawing/2014/main" id="{879FC2AA-118F-4AB9-B267-5FCDD7C59086}"/>
+              </a:ext>
+            </a:extLst>
+          </p:cNvPr>
+          <p:cNvSpPr txBox="1"/>
+          <p:nvPr/>
+        </p:nvSpPr>
+        <p:spPr>
+          <a:xfrm>
+            <a:off x="1185171" y="1448826"/>
+            <a:ext cx="1219197" cy="369332"/>
+          </a:xfrm>
+          <a:prstGeom prst="rect">
+            <a:avLst/>
+          </a:prstGeom>
+          <a:noFill/>
+        </p:spPr>
+        <p:txBody>
+          <a:bodyPr wrap="square" rtlCol="0">
+            <a:spAutoFit/>
+          </a:bodyPr>
+          <a:lstStyle/>
+          <a:p>
+            <a:r>
+              <a:rPr lang="ko-KR" altLang="en-US" dirty="0"/>
+              <a:t>재생 목록</a:t>
+            </a:r>
+          </a:p>
+        </p:txBody>
+      </p:sp>
+      <p:cxnSp>
+        <p:nvCxnSpPr>
+          <p:cNvPr id="13" name="직선 연결선 12">
+            <a:extLst>
+              <a:ext uri="{FF2B5EF4-FFF2-40B4-BE49-F238E27FC236}">
+                <a16:creationId xmlns:a16="http://schemas.microsoft.com/office/drawing/2014/main" id="{36CF7FD4-AA3A-4FD2-942E-1E55654CD65B}"/>
+              </a:ext>
+            </a:extLst>
+          </p:cNvPr>
+          <p:cNvCxnSpPr/>
+          <p:nvPr/>
+        </p:nvCxnSpPr>
+        <p:spPr>
+          <a:xfrm>
+            <a:off x="3946124" y="1278384"/>
+            <a:ext cx="0" cy="710214"/>
+          </a:xfrm>
+          <a:prstGeom prst="line">
+            <a:avLst/>
+          </a:prstGeom>
+        </p:spPr>
+        <p:style>
+          <a:lnRef idx="1">
+            <a:schemeClr val="accent1"/>
+          </a:lnRef>
+          <a:fillRef idx="0">
+            <a:schemeClr val="accent1"/>
+          </a:fillRef>
+          <a:effectRef idx="0">
+            <a:schemeClr val="accent1"/>
+          </a:effectRef>
+          <a:fontRef idx="minor">
+            <a:schemeClr val="tx1"/>
+          </a:fontRef>
+        </p:style>
+      </p:cxnSp>
+      <p:sp>
+        <p:nvSpPr>
+          <p:cNvPr id="14" name="TextBox 13">
+            <a:extLst>
+              <a:ext uri="{FF2B5EF4-FFF2-40B4-BE49-F238E27FC236}">
+                <a16:creationId xmlns:a16="http://schemas.microsoft.com/office/drawing/2014/main" id="{D9FF0BBF-C8E6-49A9-8948-28378B4385B1}"/>
+              </a:ext>
+            </a:extLst>
+          </p:cNvPr>
+          <p:cNvSpPr txBox="1"/>
+          <p:nvPr/>
+        </p:nvSpPr>
+        <p:spPr>
+          <a:xfrm>
+            <a:off x="2911874" y="1452326"/>
+            <a:ext cx="985407" cy="369332"/>
+          </a:xfrm>
+          <a:prstGeom prst="rect">
+            <a:avLst/>
+          </a:prstGeom>
+          <a:noFill/>
+        </p:spPr>
+        <p:txBody>
+          <a:bodyPr wrap="square" rtlCol="0">
+            <a:spAutoFit/>
+          </a:bodyPr>
+          <a:lstStyle/>
+          <a:p>
+            <a:r>
+              <a:rPr lang="ko-KR" altLang="en-US" dirty="0"/>
+              <a:t>랭킹</a:t>
+            </a:r>
+          </a:p>
+        </p:txBody>
+      </p:sp>
+      <p:sp>
+        <p:nvSpPr>
+          <p:cNvPr id="15" name="TextBox 14">
+            <a:extLst>
+              <a:ext uri="{FF2B5EF4-FFF2-40B4-BE49-F238E27FC236}">
+                <a16:creationId xmlns:a16="http://schemas.microsoft.com/office/drawing/2014/main" id="{266ED054-B7B4-47E6-9453-863D8D14DDA0}"/>
+              </a:ext>
+            </a:extLst>
+          </p:cNvPr>
+          <p:cNvSpPr txBox="1"/>
+          <p:nvPr/>
+        </p:nvSpPr>
+        <p:spPr>
+          <a:xfrm>
+            <a:off x="4191269" y="1448825"/>
+            <a:ext cx="1053467" cy="369332"/>
+          </a:xfrm>
+          <a:prstGeom prst="rect">
+            <a:avLst/>
+          </a:prstGeom>
+          <a:noFill/>
+        </p:spPr>
+        <p:txBody>
+          <a:bodyPr wrap="square" rtlCol="0">
+            <a:spAutoFit/>
+          </a:bodyPr>
+          <a:lstStyle/>
+          <a:p>
+            <a:r>
+              <a:rPr lang="ko-KR" altLang="en-US" dirty="0"/>
+              <a:t>내 파일</a:t>
+            </a:r>
+          </a:p>
+        </p:txBody>
+      </p:sp>
+      <p:cxnSp>
+        <p:nvCxnSpPr>
+          <p:cNvPr id="21" name="직선 연결선 20">
+            <a:extLst>
+              <a:ext uri="{FF2B5EF4-FFF2-40B4-BE49-F238E27FC236}">
+                <a16:creationId xmlns:a16="http://schemas.microsoft.com/office/drawing/2014/main" id="{E80BD7E6-E782-4155-8438-AFAF1865DC98}"/>
+              </a:ext>
+            </a:extLst>
+          </p:cNvPr>
+          <p:cNvCxnSpPr/>
+          <p:nvPr/>
+        </p:nvCxnSpPr>
+        <p:spPr>
+          <a:xfrm>
+            <a:off x="5060272" y="1988598"/>
+            <a:ext cx="0" cy="4305670"/>
+          </a:xfrm>
+          <a:prstGeom prst="line">
+            <a:avLst/>
+          </a:prstGeom>
+        </p:spPr>
+        <p:style>
+          <a:lnRef idx="1">
+            <a:schemeClr val="accent1"/>
+          </a:lnRef>
+          <a:fillRef idx="0">
+            <a:schemeClr val="accent1"/>
+          </a:fillRef>
+          <a:effectRef idx="0">
+            <a:schemeClr val="accent1"/>
+          </a:effectRef>
+          <a:fontRef idx="minor">
+            <a:schemeClr val="tx1"/>
+          </a:fontRef>
+        </p:style>
+      </p:cxnSp>
+      <p:cxnSp>
+        <p:nvCxnSpPr>
+          <p:cNvPr id="23" name="직선 연결선 22">
+            <a:extLst>
+              <a:ext uri="{FF2B5EF4-FFF2-40B4-BE49-F238E27FC236}">
+                <a16:creationId xmlns:a16="http://schemas.microsoft.com/office/drawing/2014/main" id="{EFB5C4A3-738C-43AA-8FED-A749A86314A4}"/>
+              </a:ext>
+            </a:extLst>
+          </p:cNvPr>
+          <p:cNvCxnSpPr/>
+          <p:nvPr/>
+        </p:nvCxnSpPr>
+        <p:spPr>
+          <a:xfrm>
+            <a:off x="5060272" y="1988598"/>
+            <a:ext cx="328474" cy="0"/>
+          </a:xfrm>
+          <a:prstGeom prst="line">
+            <a:avLst/>
+          </a:prstGeom>
+        </p:spPr>
+        <p:style>
+          <a:lnRef idx="1">
+            <a:schemeClr val="accent1"/>
+          </a:lnRef>
+          <a:fillRef idx="0">
+            <a:schemeClr val="accent1"/>
+          </a:fillRef>
+          <a:effectRef idx="0">
+            <a:schemeClr val="accent1"/>
+          </a:effectRef>
+          <a:fontRef idx="minor">
+            <a:schemeClr val="tx1"/>
+          </a:fontRef>
+        </p:style>
+      </p:cxnSp>
+      <p:cxnSp>
+        <p:nvCxnSpPr>
+          <p:cNvPr id="25" name="직선 연결선 24">
+            <a:extLst>
+              <a:ext uri="{FF2B5EF4-FFF2-40B4-BE49-F238E27FC236}">
+                <a16:creationId xmlns:a16="http://schemas.microsoft.com/office/drawing/2014/main" id="{E41FBE75-F150-4A8F-9491-4FD83B8D017E}"/>
+              </a:ext>
+            </a:extLst>
+          </p:cNvPr>
+          <p:cNvCxnSpPr/>
+          <p:nvPr/>
+        </p:nvCxnSpPr>
+        <p:spPr>
+          <a:xfrm>
+            <a:off x="5060272" y="2299317"/>
+            <a:ext cx="328474" cy="0"/>
+          </a:xfrm>
+          <a:prstGeom prst="line">
+            <a:avLst/>
+          </a:prstGeom>
+        </p:spPr>
+        <p:style>
+          <a:lnRef idx="1">
+            <a:schemeClr val="accent1"/>
+          </a:lnRef>
+          <a:fillRef idx="0">
+            <a:schemeClr val="accent1"/>
+          </a:fillRef>
+          <a:effectRef idx="0">
+            <a:schemeClr val="accent1"/>
+          </a:effectRef>
+          <a:fontRef idx="minor">
+            <a:schemeClr val="tx1"/>
+          </a:fontRef>
+        </p:style>
+      </p:cxnSp>
+      <p:cxnSp>
+        <p:nvCxnSpPr>
+          <p:cNvPr id="27" name="직선 연결선 26">
+            <a:extLst>
+              <a:ext uri="{FF2B5EF4-FFF2-40B4-BE49-F238E27FC236}">
+                <a16:creationId xmlns:a16="http://schemas.microsoft.com/office/drawing/2014/main" id="{ECBA0312-F2E3-4C31-967D-FD3AB989B0A6}"/>
+              </a:ext>
+            </a:extLst>
+          </p:cNvPr>
+          <p:cNvCxnSpPr/>
+          <p:nvPr/>
+        </p:nvCxnSpPr>
+        <p:spPr>
+          <a:xfrm>
+            <a:off x="5060272" y="5974672"/>
+            <a:ext cx="328474" cy="0"/>
+          </a:xfrm>
+          <a:prstGeom prst="line">
+            <a:avLst/>
+          </a:prstGeom>
+        </p:spPr>
+        <p:style>
+          <a:lnRef idx="1">
+            <a:schemeClr val="accent1"/>
+          </a:lnRef>
+          <a:fillRef idx="0">
+            <a:schemeClr val="accent1"/>
+          </a:fillRef>
+          <a:effectRef idx="0">
+            <a:schemeClr val="accent1"/>
+          </a:effectRef>
+          <a:fontRef idx="minor">
+            <a:schemeClr val="tx1"/>
+          </a:fontRef>
+        </p:style>
+      </p:cxnSp>
+      <p:sp>
+        <p:nvSpPr>
+          <p:cNvPr id="28" name="이등변 삼각형 27">
+            <a:extLst>
+              <a:ext uri="{FF2B5EF4-FFF2-40B4-BE49-F238E27FC236}">
+                <a16:creationId xmlns:a16="http://schemas.microsoft.com/office/drawing/2014/main" id="{D95447C6-A7BE-4577-872B-5F3906445A9A}"/>
+              </a:ext>
+            </a:extLst>
+          </p:cNvPr>
+          <p:cNvSpPr/>
+          <p:nvPr/>
+        </p:nvSpPr>
+        <p:spPr>
+          <a:xfrm>
+            <a:off x="5131864" y="2080436"/>
+            <a:ext cx="185291" cy="124272"/>
+          </a:xfrm>
+          <a:prstGeom prst="triangle">
+            <a:avLst/>
+          </a:prstGeom>
+          <a:noFill/>
+          <a:ln>
+            <a:solidFill>
+              <a:schemeClr val="accent1"/>
+            </a:solidFill>
+          </a:ln>
+        </p:spPr>
+        <p:style>
+          <a:lnRef idx="2">
+            <a:schemeClr val="accent1">
+              <a:shade val="50000"/>
+            </a:schemeClr>
+          </a:lnRef>
+          <a:fillRef idx="1">
+            <a:schemeClr val="accent1"/>
+          </a:fillRef>
+          <a:effectRef idx="0">
+            <a:schemeClr val="accent1"/>
+          </a:effectRef>
+          <a:fontRef idx="minor">
+            <a:schemeClr val="lt1"/>
+          </a:fontRef>
+        </p:style>
+        <p:txBody>
+          <a:bodyPr rtlCol="0" anchor="ctr"/>
+          <a:lstStyle/>
+          <a:p>
+            <a:pPr algn="ctr"/>
+            <a:endParaRPr lang="ko-KR" altLang="en-US"/>
+          </a:p>
+        </p:txBody>
+      </p:sp>
+      <p:sp>
+        <p:nvSpPr>
+          <p:cNvPr id="29" name="이등변 삼각형 28">
+            <a:extLst>
+              <a:ext uri="{FF2B5EF4-FFF2-40B4-BE49-F238E27FC236}">
+                <a16:creationId xmlns:a16="http://schemas.microsoft.com/office/drawing/2014/main" id="{E4D3F787-158C-4524-AEDA-83C3560F3CFD}"/>
+              </a:ext>
+            </a:extLst>
+          </p:cNvPr>
+          <p:cNvSpPr/>
+          <p:nvPr/>
+        </p:nvSpPr>
+        <p:spPr>
+          <a:xfrm rot="10800000">
+            <a:off x="5131863" y="6075008"/>
+            <a:ext cx="185291" cy="124272"/>
+          </a:xfrm>
+          <a:prstGeom prst="triangle">
+            <a:avLst/>
+          </a:prstGeom>
+          <a:noFill/>
+          <a:ln>
+            <a:solidFill>
+              <a:schemeClr val="accent1"/>
+            </a:solidFill>
+          </a:ln>
+        </p:spPr>
+        <p:style>
+          <a:lnRef idx="2">
+            <a:schemeClr val="accent1">
+              <a:shade val="50000"/>
+            </a:schemeClr>
+          </a:lnRef>
+          <a:fillRef idx="1">
+            <a:schemeClr val="accent1"/>
+          </a:fillRef>
+          <a:effectRef idx="0">
+            <a:schemeClr val="accent1"/>
+          </a:effectRef>
+          <a:fontRef idx="minor">
+            <a:schemeClr val="lt1"/>
+          </a:fontRef>
+        </p:style>
+        <p:txBody>
+          <a:bodyPr rtlCol="0" anchor="ctr"/>
+          <a:lstStyle/>
+          <a:p>
+            <a:pPr algn="ctr"/>
+            <a:endParaRPr lang="ko-KR" altLang="en-US"/>
+          </a:p>
+        </p:txBody>
+      </p:sp>
+      <p:sp>
+        <p:nvSpPr>
+          <p:cNvPr id="30" name="사각형: 둥근 모서리 29">
+            <a:extLst>
+              <a:ext uri="{FF2B5EF4-FFF2-40B4-BE49-F238E27FC236}">
+                <a16:creationId xmlns:a16="http://schemas.microsoft.com/office/drawing/2014/main" id="{D02AB29F-C8C6-4865-BD86-A13E4B1FFE89}"/>
+              </a:ext>
+            </a:extLst>
+          </p:cNvPr>
+          <p:cNvSpPr/>
+          <p:nvPr/>
+        </p:nvSpPr>
+        <p:spPr>
+          <a:xfrm>
+            <a:off x="5060273" y="3160446"/>
+            <a:ext cx="328474" cy="727963"/>
+          </a:xfrm>
+          <a:prstGeom prst="roundRect">
+            <a:avLst/>
+          </a:prstGeom>
+          <a:solidFill>
+            <a:schemeClr val="accent5"/>
+          </a:solidFill>
+        </p:spPr>
+        <p:style>
+          <a:lnRef idx="2">
+            <a:schemeClr val="accent1">
+              <a:shade val="50000"/>
+            </a:schemeClr>
+          </a:lnRef>
+          <a:fillRef idx="1">
+            <a:schemeClr val="accent1"/>
+          </a:fillRef>
+          <a:effectRef idx="0">
+            <a:schemeClr val="accent1"/>
+          </a:effectRef>
+          <a:fontRef idx="minor">
+            <a:schemeClr val="lt1"/>
+          </a:fontRef>
+        </p:style>
+        <p:txBody>
+          <a:bodyPr rtlCol="0" anchor="ctr"/>
+          <a:lstStyle/>
+          <a:p>
+            <a:pPr algn="ctr"/>
+            <a:endParaRPr lang="ko-KR" altLang="en-US"/>
+          </a:p>
+        </p:txBody>
+      </p:sp>
+      <p:cxnSp>
+        <p:nvCxnSpPr>
+          <p:cNvPr id="31" name="직선 연결선 30">
+            <a:extLst>
+              <a:ext uri="{FF2B5EF4-FFF2-40B4-BE49-F238E27FC236}">
+                <a16:creationId xmlns:a16="http://schemas.microsoft.com/office/drawing/2014/main" id="{8D93B1C2-B548-4BB8-BB69-A95EF57D2886}"/>
+              </a:ext>
+            </a:extLst>
+          </p:cNvPr>
+          <p:cNvCxnSpPr>
+            <a:cxnSpLocks/>
+          </p:cNvCxnSpPr>
+          <p:nvPr/>
+        </p:nvCxnSpPr>
+        <p:spPr>
+          <a:xfrm>
+            <a:off x="1065320" y="2707689"/>
+            <a:ext cx="3999391" cy="0"/>
+          </a:xfrm>
+          <a:prstGeom prst="line">
+            <a:avLst/>
+          </a:prstGeom>
+        </p:spPr>
+        <p:style>
+          <a:lnRef idx="1">
+            <a:schemeClr val="accent1"/>
+          </a:lnRef>
+          <a:fillRef idx="0">
+            <a:schemeClr val="accent1"/>
+          </a:fillRef>
+          <a:effectRef idx="0">
+            <a:schemeClr val="accent1"/>
+          </a:effectRef>
+          <a:fontRef idx="minor">
+            <a:schemeClr val="tx1"/>
+          </a:fontRef>
+        </p:style>
+      </p:cxnSp>
+      <p:cxnSp>
+        <p:nvCxnSpPr>
+          <p:cNvPr id="33" name="직선 연결선 32">
+            <a:extLst>
+              <a:ext uri="{FF2B5EF4-FFF2-40B4-BE49-F238E27FC236}">
+                <a16:creationId xmlns:a16="http://schemas.microsoft.com/office/drawing/2014/main" id="{2A70210C-7718-49F4-8A6D-DBCC0B590F28}"/>
+              </a:ext>
+            </a:extLst>
+          </p:cNvPr>
+          <p:cNvCxnSpPr>
+            <a:cxnSpLocks/>
+          </p:cNvCxnSpPr>
+          <p:nvPr/>
+        </p:nvCxnSpPr>
+        <p:spPr>
+          <a:xfrm>
+            <a:off x="1065320" y="4145872"/>
+            <a:ext cx="3999391" cy="0"/>
+          </a:xfrm>
+          <a:prstGeom prst="line">
+            <a:avLst/>
+          </a:prstGeom>
+        </p:spPr>
+        <p:style>
+          <a:lnRef idx="1">
+            <a:schemeClr val="accent1"/>
+          </a:lnRef>
+          <a:fillRef idx="0">
+            <a:schemeClr val="accent1"/>
+          </a:fillRef>
+          <a:effectRef idx="0">
+            <a:schemeClr val="accent1"/>
+          </a:effectRef>
+          <a:fontRef idx="minor">
+            <a:schemeClr val="tx1"/>
+          </a:fontRef>
+        </p:style>
+      </p:cxnSp>
+      <p:cxnSp>
+        <p:nvCxnSpPr>
+          <p:cNvPr id="34" name="직선 연결선 33">
+            <a:extLst>
+              <a:ext uri="{FF2B5EF4-FFF2-40B4-BE49-F238E27FC236}">
+                <a16:creationId xmlns:a16="http://schemas.microsoft.com/office/drawing/2014/main" id="{6F4DA3AE-D8E1-4832-8990-BAB57707DF6F}"/>
+              </a:ext>
+            </a:extLst>
+          </p:cNvPr>
+          <p:cNvCxnSpPr>
+            <a:cxnSpLocks/>
+          </p:cNvCxnSpPr>
+          <p:nvPr/>
+        </p:nvCxnSpPr>
+        <p:spPr>
+          <a:xfrm>
+            <a:off x="1065320" y="5592932"/>
+            <a:ext cx="3999391" cy="0"/>
+          </a:xfrm>
+          <a:prstGeom prst="line">
+            <a:avLst/>
+          </a:prstGeom>
+        </p:spPr>
+        <p:style>
+          <a:lnRef idx="1">
+            <a:schemeClr val="accent1"/>
+          </a:lnRef>
+          <a:fillRef idx="0">
+            <a:schemeClr val="accent1"/>
+          </a:fillRef>
+          <a:effectRef idx="0">
+            <a:schemeClr val="accent1"/>
+          </a:effectRef>
+          <a:fontRef idx="minor">
+            <a:schemeClr val="tx1"/>
+          </a:fontRef>
+        </p:style>
+      </p:cxnSp>
+      <p:sp>
+        <p:nvSpPr>
+          <p:cNvPr id="36" name="곱하기 기호 35">
+            <a:extLst>
+              <a:ext uri="{FF2B5EF4-FFF2-40B4-BE49-F238E27FC236}">
+                <a16:creationId xmlns:a16="http://schemas.microsoft.com/office/drawing/2014/main" id="{C2AA6900-83E4-4E94-A158-115EE494AA65}"/>
+              </a:ext>
+            </a:extLst>
+          </p:cNvPr>
+          <p:cNvSpPr/>
+          <p:nvPr/>
+        </p:nvSpPr>
+        <p:spPr>
+          <a:xfrm>
+            <a:off x="5060272" y="585895"/>
+            <a:ext cx="275377" cy="234156"/>
+          </a:xfrm>
+          <a:prstGeom prst="mathMultiply">
+            <a:avLst/>
+          </a:prstGeom>
+          <a:noFill/>
+          <a:ln>
+            <a:solidFill>
+              <a:schemeClr val="accent1"/>
+            </a:solidFill>
+          </a:ln>
+        </p:spPr>
+        <p:style>
+          <a:lnRef idx="2">
+            <a:schemeClr val="accent1">
+              <a:shade val="50000"/>
+            </a:schemeClr>
+          </a:lnRef>
+          <a:fillRef idx="1">
+            <a:schemeClr val="accent1"/>
+          </a:fillRef>
+          <a:effectRef idx="0">
+            <a:schemeClr val="accent1"/>
+          </a:effectRef>
+          <a:fontRef idx="minor">
+            <a:schemeClr val="lt1"/>
+          </a:fontRef>
+        </p:style>
+        <p:txBody>
+          <a:bodyPr rtlCol="0" anchor="ctr"/>
+          <a:lstStyle/>
+          <a:p>
+            <a:pPr algn="ctr"/>
+            <a:endParaRPr lang="ko-KR" altLang="en-US"/>
+          </a:p>
+        </p:txBody>
+      </p:sp>
+      <p:sp>
+        <p:nvSpPr>
+          <p:cNvPr id="37" name="직사각형 36">
+            <a:extLst>
+              <a:ext uri="{FF2B5EF4-FFF2-40B4-BE49-F238E27FC236}">
+                <a16:creationId xmlns:a16="http://schemas.microsoft.com/office/drawing/2014/main" id="{CDAFEB95-DA69-4707-BB94-C6154AC344E2}"/>
+              </a:ext>
+            </a:extLst>
+          </p:cNvPr>
+          <p:cNvSpPr/>
+          <p:nvPr/>
+        </p:nvSpPr>
+        <p:spPr>
+          <a:xfrm>
+            <a:off x="6826928" y="541537"/>
+            <a:ext cx="4299752" cy="2618908"/>
+          </a:xfrm>
+          <a:prstGeom prst="rect">
+            <a:avLst/>
+          </a:prstGeom>
+          <a:noFill/>
+          <a:ln>
+            <a:solidFill>
+              <a:schemeClr val="accent1"/>
+            </a:solidFill>
+          </a:ln>
+        </p:spPr>
+        <p:style>
+          <a:lnRef idx="2">
+            <a:schemeClr val="accent1">
+              <a:shade val="50000"/>
+            </a:schemeClr>
+          </a:lnRef>
+          <a:fillRef idx="1">
+            <a:schemeClr val="accent1"/>
+          </a:fillRef>
+          <a:effectRef idx="0">
+            <a:schemeClr val="accent1"/>
+          </a:effectRef>
+          <a:fontRef idx="minor">
+            <a:schemeClr val="lt1"/>
+          </a:fontRef>
+        </p:style>
+        <p:txBody>
+          <a:bodyPr rtlCol="0" anchor="ctr"/>
+          <a:lstStyle/>
+          <a:p>
+            <a:pPr algn="ctr"/>
+            <a:endParaRPr lang="ko-KR" altLang="en-US"/>
+          </a:p>
+        </p:txBody>
+      </p:sp>
+      <p:cxnSp>
+        <p:nvCxnSpPr>
+          <p:cNvPr id="39" name="직선 연결선 38">
+            <a:extLst>
+              <a:ext uri="{FF2B5EF4-FFF2-40B4-BE49-F238E27FC236}">
+                <a16:creationId xmlns:a16="http://schemas.microsoft.com/office/drawing/2014/main" id="{C983110B-38B4-444C-B455-C39B16B876E9}"/>
+              </a:ext>
+            </a:extLst>
+          </p:cNvPr>
+          <p:cNvCxnSpPr/>
+          <p:nvPr/>
+        </p:nvCxnSpPr>
+        <p:spPr>
+          <a:xfrm>
+            <a:off x="6826928" y="914368"/>
+            <a:ext cx="4299752" cy="0"/>
+          </a:xfrm>
+          <a:prstGeom prst="line">
+            <a:avLst/>
+          </a:prstGeom>
+        </p:spPr>
+        <p:style>
+          <a:lnRef idx="1">
+            <a:schemeClr val="accent1"/>
+          </a:lnRef>
+          <a:fillRef idx="0">
+            <a:schemeClr val="accent1"/>
+          </a:fillRef>
+          <a:effectRef idx="0">
+            <a:schemeClr val="accent1"/>
+          </a:effectRef>
+          <a:fontRef idx="minor">
+            <a:schemeClr val="tx1"/>
+          </a:fontRef>
+        </p:style>
+      </p:cxnSp>
+      <p:sp>
+        <p:nvSpPr>
+          <p:cNvPr id="40" name="곱하기 기호 39">
+            <a:extLst>
+              <a:ext uri="{FF2B5EF4-FFF2-40B4-BE49-F238E27FC236}">
+                <a16:creationId xmlns:a16="http://schemas.microsoft.com/office/drawing/2014/main" id="{D99DD062-F078-4836-8594-93CFDBEA59ED}"/>
+              </a:ext>
+            </a:extLst>
+          </p:cNvPr>
+          <p:cNvSpPr/>
+          <p:nvPr/>
+        </p:nvSpPr>
+        <p:spPr>
+          <a:xfrm>
+            <a:off x="10789328" y="610875"/>
+            <a:ext cx="275377" cy="234156"/>
+          </a:xfrm>
+          <a:prstGeom prst="mathMultiply">
+            <a:avLst/>
+          </a:prstGeom>
+          <a:noFill/>
+          <a:ln>
+            <a:solidFill>
+              <a:schemeClr val="accent1"/>
+            </a:solidFill>
+          </a:ln>
+        </p:spPr>
+        <p:style>
+          <a:lnRef idx="2">
+            <a:schemeClr val="accent1">
+              <a:shade val="50000"/>
+            </a:schemeClr>
+          </a:lnRef>
+          <a:fillRef idx="1">
+            <a:schemeClr val="accent1"/>
+          </a:fillRef>
+          <a:effectRef idx="0">
+            <a:schemeClr val="accent1"/>
+          </a:effectRef>
+          <a:fontRef idx="minor">
+            <a:schemeClr val="lt1"/>
+          </a:fontRef>
+        </p:style>
+        <p:txBody>
+          <a:bodyPr rtlCol="0" anchor="ctr"/>
+          <a:lstStyle/>
+          <a:p>
+            <a:pPr algn="ctr"/>
+            <a:endParaRPr lang="ko-KR" altLang="en-US"/>
+          </a:p>
+        </p:txBody>
+      </p:sp>
+      <p:sp>
+        <p:nvSpPr>
+          <p:cNvPr id="41" name="TextBox 40">
+            <a:extLst>
+              <a:ext uri="{FF2B5EF4-FFF2-40B4-BE49-F238E27FC236}">
+                <a16:creationId xmlns:a16="http://schemas.microsoft.com/office/drawing/2014/main" id="{32AAC66D-40FD-44D5-8C82-7C6EE47C7DA1}"/>
+              </a:ext>
+            </a:extLst>
+          </p:cNvPr>
+          <p:cNvSpPr txBox="1"/>
+          <p:nvPr/>
+        </p:nvSpPr>
+        <p:spPr>
+          <a:xfrm>
+            <a:off x="6915704" y="585895"/>
+            <a:ext cx="776799" cy="276999"/>
+          </a:xfrm>
+          <a:prstGeom prst="rect">
+            <a:avLst/>
+          </a:prstGeom>
+          <a:noFill/>
+        </p:spPr>
+        <p:txBody>
+          <a:bodyPr wrap="square" rtlCol="0">
+            <a:spAutoFit/>
+          </a:bodyPr>
+          <a:lstStyle/>
+          <a:p>
+            <a:r>
+              <a:rPr lang="ko-KR" altLang="en-US" sz="1200" dirty="0"/>
+              <a:t>설정</a:t>
+            </a:r>
+          </a:p>
+        </p:txBody>
+      </p:sp>
+      <p:sp>
+        <p:nvSpPr>
+          <p:cNvPr id="42" name="직사각형 41">
+            <a:extLst>
+              <a:ext uri="{FF2B5EF4-FFF2-40B4-BE49-F238E27FC236}">
+                <a16:creationId xmlns:a16="http://schemas.microsoft.com/office/drawing/2014/main" id="{1205CEFA-53FA-4498-AD3B-8FCFAF64175E}"/>
+              </a:ext>
+            </a:extLst>
+          </p:cNvPr>
+          <p:cNvSpPr/>
+          <p:nvPr/>
+        </p:nvSpPr>
+        <p:spPr>
+          <a:xfrm>
+            <a:off x="7304103" y="1278384"/>
+            <a:ext cx="2789808" cy="292934"/>
           </a:xfrm>
           <a:prstGeom prst="rect">
             <a:avLst/>
@@ -9076,10 +11195,10 @@
       </p:sp>
       <p:sp>
         <p:nvSpPr>
-          <p:cNvPr id="4" name="직사각형 3">
-            <a:extLst>
-              <a:ext uri="{FF2B5EF4-FFF2-40B4-BE49-F238E27FC236}">
-                <a16:creationId xmlns:a16="http://schemas.microsoft.com/office/drawing/2014/main" id="{631A0A63-966E-4EB6-98AD-0CA0B10F97DB}"/>
+          <p:cNvPr id="43" name="직사각형 42">
+            <a:extLst>
+              <a:ext uri="{FF2B5EF4-FFF2-40B4-BE49-F238E27FC236}">
+                <a16:creationId xmlns:a16="http://schemas.microsoft.com/office/drawing/2014/main" id="{E747C816-AC67-405A-84CB-D05AA021545A}"/>
               </a:ext>
             </a:extLst>
           </p:cNvPr>
@@ -9088,1155 +11207,7 @@
         </p:nvSpPr>
         <p:spPr>
           <a:xfrm>
-            <a:off x="1065320" y="541538"/>
-            <a:ext cx="4323426" cy="5752730"/>
-          </a:xfrm>
-          <a:prstGeom prst="rect">
-            <a:avLst/>
-          </a:prstGeom>
-          <a:noFill/>
-          <a:ln>
-            <a:solidFill>
-              <a:schemeClr val="accent1"/>
-            </a:solidFill>
-          </a:ln>
-        </p:spPr>
-        <p:style>
-          <a:lnRef idx="2">
-            <a:schemeClr val="accent1">
-              <a:shade val="50000"/>
-            </a:schemeClr>
-          </a:lnRef>
-          <a:fillRef idx="1">
-            <a:schemeClr val="accent1"/>
-          </a:fillRef>
-          <a:effectRef idx="0">
-            <a:schemeClr val="accent1"/>
-          </a:effectRef>
-          <a:fontRef idx="minor">
-            <a:schemeClr val="lt1"/>
-          </a:fontRef>
-        </p:style>
-        <p:txBody>
-          <a:bodyPr rtlCol="0" anchor="ctr"/>
-          <a:lstStyle/>
-          <a:p>
-            <a:pPr algn="ctr"/>
-            <a:endParaRPr lang="ko-KR" altLang="en-US"/>
-          </a:p>
-        </p:txBody>
-      </p:sp>
-      <p:cxnSp>
-        <p:nvCxnSpPr>
-          <p:cNvPr id="5" name="직선 연결선 4">
-            <a:extLst>
-              <a:ext uri="{FF2B5EF4-FFF2-40B4-BE49-F238E27FC236}">
-                <a16:creationId xmlns:a16="http://schemas.microsoft.com/office/drawing/2014/main" id="{1B52EB4A-66E8-4433-81CF-2B87CA5BEFA4}"/>
-              </a:ext>
-            </a:extLst>
-          </p:cNvPr>
-          <p:cNvCxnSpPr/>
-          <p:nvPr/>
-        </p:nvCxnSpPr>
-        <p:spPr>
-          <a:xfrm>
-            <a:off x="1065320" y="1278384"/>
-            <a:ext cx="4323426" cy="0"/>
-          </a:xfrm>
-          <a:prstGeom prst="line">
-            <a:avLst/>
-          </a:prstGeom>
-        </p:spPr>
-        <p:style>
-          <a:lnRef idx="1">
-            <a:schemeClr val="accent1"/>
-          </a:lnRef>
-          <a:fillRef idx="0">
-            <a:schemeClr val="accent1"/>
-          </a:fillRef>
-          <a:effectRef idx="0">
-            <a:schemeClr val="accent1"/>
-          </a:effectRef>
-          <a:fontRef idx="minor">
-            <a:schemeClr val="tx1"/>
-          </a:fontRef>
-        </p:style>
-      </p:cxnSp>
-      <p:cxnSp>
-        <p:nvCxnSpPr>
-          <p:cNvPr id="6" name="직선 연결선 5">
-            <a:extLst>
-              <a:ext uri="{FF2B5EF4-FFF2-40B4-BE49-F238E27FC236}">
-                <a16:creationId xmlns:a16="http://schemas.microsoft.com/office/drawing/2014/main" id="{32F960AD-BAEA-47F2-B749-D8F23ACF4A87}"/>
-              </a:ext>
-            </a:extLst>
-          </p:cNvPr>
-          <p:cNvCxnSpPr>
-            <a:cxnSpLocks/>
-          </p:cNvCxnSpPr>
-          <p:nvPr/>
-        </p:nvCxnSpPr>
-        <p:spPr>
-          <a:xfrm>
-            <a:off x="1065320" y="1988598"/>
-            <a:ext cx="2880804" cy="0"/>
-          </a:xfrm>
-          <a:prstGeom prst="line">
-            <a:avLst/>
-          </a:prstGeom>
-        </p:spPr>
-        <p:style>
-          <a:lnRef idx="1">
-            <a:schemeClr val="accent1"/>
-          </a:lnRef>
-          <a:fillRef idx="0">
-            <a:schemeClr val="accent1"/>
-          </a:fillRef>
-          <a:effectRef idx="0">
-            <a:schemeClr val="accent1"/>
-          </a:effectRef>
-          <a:fontRef idx="minor">
-            <a:schemeClr val="tx1"/>
-          </a:fontRef>
-        </p:style>
-      </p:cxnSp>
-      <p:cxnSp>
-        <p:nvCxnSpPr>
-          <p:cNvPr id="7" name="직선 연결선 6">
-            <a:extLst>
-              <a:ext uri="{FF2B5EF4-FFF2-40B4-BE49-F238E27FC236}">
-                <a16:creationId xmlns:a16="http://schemas.microsoft.com/office/drawing/2014/main" id="{9A667F42-1729-4AEC-9C6E-299EAC7624F7}"/>
-              </a:ext>
-            </a:extLst>
-          </p:cNvPr>
-          <p:cNvCxnSpPr/>
-          <p:nvPr/>
-        </p:nvCxnSpPr>
-        <p:spPr>
-          <a:xfrm>
-            <a:off x="2503503" y="1278384"/>
-            <a:ext cx="0" cy="710214"/>
-          </a:xfrm>
-          <a:prstGeom prst="line">
-            <a:avLst/>
-          </a:prstGeom>
-        </p:spPr>
-        <p:style>
-          <a:lnRef idx="1">
-            <a:schemeClr val="accent1"/>
-          </a:lnRef>
-          <a:fillRef idx="0">
-            <a:schemeClr val="accent1"/>
-          </a:fillRef>
-          <a:effectRef idx="0">
-            <a:schemeClr val="accent1"/>
-          </a:effectRef>
-          <a:fontRef idx="minor">
-            <a:schemeClr val="tx1"/>
-          </a:fontRef>
-        </p:style>
-      </p:cxnSp>
-      <p:sp>
-        <p:nvSpPr>
-          <p:cNvPr id="8" name="직사각형 7">
-            <a:extLst>
-              <a:ext uri="{FF2B5EF4-FFF2-40B4-BE49-F238E27FC236}">
-                <a16:creationId xmlns:a16="http://schemas.microsoft.com/office/drawing/2014/main" id="{C421B1DD-18A7-4D71-8D01-1B8A0DA6A676}"/>
-              </a:ext>
-            </a:extLst>
-          </p:cNvPr>
-          <p:cNvSpPr/>
-          <p:nvPr/>
-        </p:nvSpPr>
-        <p:spPr>
-          <a:xfrm>
-            <a:off x="1402672" y="781235"/>
-            <a:ext cx="3240349" cy="266302"/>
-          </a:xfrm>
-          <a:prstGeom prst="rect">
-            <a:avLst/>
-          </a:prstGeom>
-          <a:noFill/>
-          <a:ln>
-            <a:solidFill>
-              <a:schemeClr val="accent1"/>
-            </a:solidFill>
-          </a:ln>
-        </p:spPr>
-        <p:style>
-          <a:lnRef idx="2">
-            <a:schemeClr val="accent1">
-              <a:shade val="50000"/>
-            </a:schemeClr>
-          </a:lnRef>
-          <a:fillRef idx="1">
-            <a:schemeClr val="accent1"/>
-          </a:fillRef>
-          <a:effectRef idx="0">
-            <a:schemeClr val="accent1"/>
-          </a:effectRef>
-          <a:fontRef idx="minor">
-            <a:schemeClr val="lt1"/>
-          </a:fontRef>
-        </p:style>
-        <p:txBody>
-          <a:bodyPr rtlCol="0" anchor="ctr"/>
-          <a:lstStyle/>
-          <a:p>
-            <a:pPr algn="ctr"/>
-            <a:endParaRPr lang="ko-KR" altLang="en-US"/>
-          </a:p>
-        </p:txBody>
-      </p:sp>
-      <p:sp>
-        <p:nvSpPr>
-          <p:cNvPr id="9" name="직사각형 8">
-            <a:extLst>
-              <a:ext uri="{FF2B5EF4-FFF2-40B4-BE49-F238E27FC236}">
-                <a16:creationId xmlns:a16="http://schemas.microsoft.com/office/drawing/2014/main" id="{C695656A-66C7-4D08-A614-223DBD0B7EDD}"/>
-              </a:ext>
-            </a:extLst>
-          </p:cNvPr>
-          <p:cNvSpPr/>
-          <p:nvPr/>
-        </p:nvSpPr>
-        <p:spPr>
-          <a:xfrm>
-            <a:off x="4643021" y="781235"/>
-            <a:ext cx="337352" cy="266271"/>
-          </a:xfrm>
-          <a:prstGeom prst="rect">
-            <a:avLst/>
-          </a:prstGeom>
-          <a:noFill/>
-        </p:spPr>
-        <p:style>
-          <a:lnRef idx="2">
-            <a:schemeClr val="accent1">
-              <a:shade val="50000"/>
-            </a:schemeClr>
-          </a:lnRef>
-          <a:fillRef idx="1">
-            <a:schemeClr val="accent1"/>
-          </a:fillRef>
-          <a:effectRef idx="0">
-            <a:schemeClr val="accent1"/>
-          </a:effectRef>
-          <a:fontRef idx="minor">
-            <a:schemeClr val="lt1"/>
-          </a:fontRef>
-        </p:style>
-        <p:txBody>
-          <a:bodyPr rtlCol="0" anchor="ctr"/>
-          <a:lstStyle/>
-          <a:p>
-            <a:pPr algn="ctr"/>
-            <a:endParaRPr lang="ko-KR" altLang="en-US"/>
-          </a:p>
-        </p:txBody>
-      </p:sp>
-      <p:sp>
-        <p:nvSpPr>
-          <p:cNvPr id="10" name="원형: 비어 있음 9">
-            <a:extLst>
-              <a:ext uri="{FF2B5EF4-FFF2-40B4-BE49-F238E27FC236}">
-                <a16:creationId xmlns:a16="http://schemas.microsoft.com/office/drawing/2014/main" id="{A8CC298B-175E-47B7-8695-ECB87198EE87}"/>
-              </a:ext>
-            </a:extLst>
-          </p:cNvPr>
-          <p:cNvSpPr/>
-          <p:nvPr/>
-        </p:nvSpPr>
-        <p:spPr>
-          <a:xfrm>
-            <a:off x="4660777" y="781204"/>
-            <a:ext cx="186431" cy="177553"/>
-          </a:xfrm>
-          <a:prstGeom prst="donut">
-            <a:avLst/>
-          </a:prstGeom>
-          <a:noFill/>
-          <a:ln>
-            <a:solidFill>
-              <a:schemeClr val="accent1"/>
-            </a:solidFill>
-          </a:ln>
-        </p:spPr>
-        <p:style>
-          <a:lnRef idx="2">
-            <a:schemeClr val="accent1">
-              <a:shade val="50000"/>
-            </a:schemeClr>
-          </a:lnRef>
-          <a:fillRef idx="1">
-            <a:schemeClr val="accent1"/>
-          </a:fillRef>
-          <a:effectRef idx="0">
-            <a:schemeClr val="accent1"/>
-          </a:effectRef>
-          <a:fontRef idx="minor">
-            <a:schemeClr val="lt1"/>
-          </a:fontRef>
-        </p:style>
-        <p:txBody>
-          <a:bodyPr rtlCol="0" anchor="ctr"/>
-          <a:lstStyle/>
-          <a:p>
-            <a:pPr algn="ctr"/>
-            <a:endParaRPr lang="ko-KR" altLang="en-US">
-              <a:solidFill>
-                <a:schemeClr val="tx1"/>
-              </a:solidFill>
-            </a:endParaRPr>
-          </a:p>
-        </p:txBody>
-      </p:sp>
-      <p:sp>
-        <p:nvSpPr>
-          <p:cNvPr id="11" name="직사각형 10">
-            <a:extLst>
-              <a:ext uri="{FF2B5EF4-FFF2-40B4-BE49-F238E27FC236}">
-                <a16:creationId xmlns:a16="http://schemas.microsoft.com/office/drawing/2014/main" id="{B94F9088-D4A6-49CE-A7C2-32E5A8415D33}"/>
-              </a:ext>
-            </a:extLst>
-          </p:cNvPr>
-          <p:cNvSpPr/>
-          <p:nvPr/>
-        </p:nvSpPr>
-        <p:spPr>
-          <a:xfrm rot="18784169">
-            <a:off x="4861836" y="906157"/>
-            <a:ext cx="45719" cy="157111"/>
-          </a:xfrm>
-          <a:prstGeom prst="rect">
-            <a:avLst/>
-          </a:prstGeom>
-          <a:noFill/>
-          <a:ln w="6350">
-            <a:solidFill>
-              <a:schemeClr val="accent1"/>
-            </a:solidFill>
-          </a:ln>
-        </p:spPr>
-        <p:style>
-          <a:lnRef idx="2">
-            <a:schemeClr val="accent1">
-              <a:shade val="50000"/>
-            </a:schemeClr>
-          </a:lnRef>
-          <a:fillRef idx="1">
-            <a:schemeClr val="accent1"/>
-          </a:fillRef>
-          <a:effectRef idx="0">
-            <a:schemeClr val="accent1"/>
-          </a:effectRef>
-          <a:fontRef idx="minor">
-            <a:schemeClr val="lt1"/>
-          </a:fontRef>
-        </p:style>
-        <p:txBody>
-          <a:bodyPr rtlCol="0" anchor="ctr"/>
-          <a:lstStyle/>
-          <a:p>
-            <a:pPr algn="ctr"/>
-            <a:endParaRPr lang="ko-KR" altLang="en-US"/>
-          </a:p>
-        </p:txBody>
-      </p:sp>
-      <p:sp>
-        <p:nvSpPr>
-          <p:cNvPr id="12" name="TextBox 11">
-            <a:extLst>
-              <a:ext uri="{FF2B5EF4-FFF2-40B4-BE49-F238E27FC236}">
-                <a16:creationId xmlns:a16="http://schemas.microsoft.com/office/drawing/2014/main" id="{879FC2AA-118F-4AB9-B267-5FCDD7C59086}"/>
-              </a:ext>
-            </a:extLst>
-          </p:cNvPr>
-          <p:cNvSpPr txBox="1"/>
-          <p:nvPr/>
-        </p:nvSpPr>
-        <p:spPr>
-          <a:xfrm>
-            <a:off x="1185171" y="1448826"/>
-            <a:ext cx="1219197" cy="369332"/>
-          </a:xfrm>
-          <a:prstGeom prst="rect">
-            <a:avLst/>
-          </a:prstGeom>
-          <a:noFill/>
-        </p:spPr>
-        <p:txBody>
-          <a:bodyPr wrap="square" rtlCol="0">
-            <a:spAutoFit/>
-          </a:bodyPr>
-          <a:lstStyle/>
-          <a:p>
-            <a:r>
-              <a:rPr lang="ko-KR" altLang="en-US" dirty="0"/>
-              <a:t>재생 목록</a:t>
-            </a:r>
-          </a:p>
-        </p:txBody>
-      </p:sp>
-      <p:cxnSp>
-        <p:nvCxnSpPr>
-          <p:cNvPr id="13" name="직선 연결선 12">
-            <a:extLst>
-              <a:ext uri="{FF2B5EF4-FFF2-40B4-BE49-F238E27FC236}">
-                <a16:creationId xmlns:a16="http://schemas.microsoft.com/office/drawing/2014/main" id="{36CF7FD4-AA3A-4FD2-942E-1E55654CD65B}"/>
-              </a:ext>
-            </a:extLst>
-          </p:cNvPr>
-          <p:cNvCxnSpPr/>
-          <p:nvPr/>
-        </p:nvCxnSpPr>
-        <p:spPr>
-          <a:xfrm>
-            <a:off x="3946124" y="1278384"/>
-            <a:ext cx="0" cy="710214"/>
-          </a:xfrm>
-          <a:prstGeom prst="line">
-            <a:avLst/>
-          </a:prstGeom>
-        </p:spPr>
-        <p:style>
-          <a:lnRef idx="1">
-            <a:schemeClr val="accent1"/>
-          </a:lnRef>
-          <a:fillRef idx="0">
-            <a:schemeClr val="accent1"/>
-          </a:fillRef>
-          <a:effectRef idx="0">
-            <a:schemeClr val="accent1"/>
-          </a:effectRef>
-          <a:fontRef idx="minor">
-            <a:schemeClr val="tx1"/>
-          </a:fontRef>
-        </p:style>
-      </p:cxnSp>
-      <p:sp>
-        <p:nvSpPr>
-          <p:cNvPr id="14" name="TextBox 13">
-            <a:extLst>
-              <a:ext uri="{FF2B5EF4-FFF2-40B4-BE49-F238E27FC236}">
-                <a16:creationId xmlns:a16="http://schemas.microsoft.com/office/drawing/2014/main" id="{D9FF0BBF-C8E6-49A9-8948-28378B4385B1}"/>
-              </a:ext>
-            </a:extLst>
-          </p:cNvPr>
-          <p:cNvSpPr txBox="1"/>
-          <p:nvPr/>
-        </p:nvSpPr>
-        <p:spPr>
-          <a:xfrm>
-            <a:off x="2911874" y="1452326"/>
-            <a:ext cx="985407" cy="369332"/>
-          </a:xfrm>
-          <a:prstGeom prst="rect">
-            <a:avLst/>
-          </a:prstGeom>
-          <a:noFill/>
-        </p:spPr>
-        <p:txBody>
-          <a:bodyPr wrap="square" rtlCol="0">
-            <a:spAutoFit/>
-          </a:bodyPr>
-          <a:lstStyle/>
-          <a:p>
-            <a:r>
-              <a:rPr lang="ko-KR" altLang="en-US" dirty="0"/>
-              <a:t>랭킹</a:t>
-            </a:r>
-          </a:p>
-        </p:txBody>
-      </p:sp>
-      <p:sp>
-        <p:nvSpPr>
-          <p:cNvPr id="15" name="TextBox 14">
-            <a:extLst>
-              <a:ext uri="{FF2B5EF4-FFF2-40B4-BE49-F238E27FC236}">
-                <a16:creationId xmlns:a16="http://schemas.microsoft.com/office/drawing/2014/main" id="{266ED054-B7B4-47E6-9453-863D8D14DDA0}"/>
-              </a:ext>
-            </a:extLst>
-          </p:cNvPr>
-          <p:cNvSpPr txBox="1"/>
-          <p:nvPr/>
-        </p:nvSpPr>
-        <p:spPr>
-          <a:xfrm>
-            <a:off x="4191269" y="1448825"/>
-            <a:ext cx="1053467" cy="369332"/>
-          </a:xfrm>
-          <a:prstGeom prst="rect">
-            <a:avLst/>
-          </a:prstGeom>
-          <a:noFill/>
-        </p:spPr>
-        <p:txBody>
-          <a:bodyPr wrap="square" rtlCol="0">
-            <a:spAutoFit/>
-          </a:bodyPr>
-          <a:lstStyle/>
-          <a:p>
-            <a:r>
-              <a:rPr lang="ko-KR" altLang="en-US" dirty="0"/>
-              <a:t>내 파일</a:t>
-            </a:r>
-          </a:p>
-        </p:txBody>
-      </p:sp>
-      <p:cxnSp>
-        <p:nvCxnSpPr>
-          <p:cNvPr id="21" name="직선 연결선 20">
-            <a:extLst>
-              <a:ext uri="{FF2B5EF4-FFF2-40B4-BE49-F238E27FC236}">
-                <a16:creationId xmlns:a16="http://schemas.microsoft.com/office/drawing/2014/main" id="{E80BD7E6-E782-4155-8438-AFAF1865DC98}"/>
-              </a:ext>
-            </a:extLst>
-          </p:cNvPr>
-          <p:cNvCxnSpPr/>
-          <p:nvPr/>
-        </p:nvCxnSpPr>
-        <p:spPr>
-          <a:xfrm>
-            <a:off x="5060272" y="1988598"/>
-            <a:ext cx="0" cy="4305670"/>
-          </a:xfrm>
-          <a:prstGeom prst="line">
-            <a:avLst/>
-          </a:prstGeom>
-        </p:spPr>
-        <p:style>
-          <a:lnRef idx="1">
-            <a:schemeClr val="accent1"/>
-          </a:lnRef>
-          <a:fillRef idx="0">
-            <a:schemeClr val="accent1"/>
-          </a:fillRef>
-          <a:effectRef idx="0">
-            <a:schemeClr val="accent1"/>
-          </a:effectRef>
-          <a:fontRef idx="minor">
-            <a:schemeClr val="tx1"/>
-          </a:fontRef>
-        </p:style>
-      </p:cxnSp>
-      <p:cxnSp>
-        <p:nvCxnSpPr>
-          <p:cNvPr id="23" name="직선 연결선 22">
-            <a:extLst>
-              <a:ext uri="{FF2B5EF4-FFF2-40B4-BE49-F238E27FC236}">
-                <a16:creationId xmlns:a16="http://schemas.microsoft.com/office/drawing/2014/main" id="{EFB5C4A3-738C-43AA-8FED-A749A86314A4}"/>
-              </a:ext>
-            </a:extLst>
-          </p:cNvPr>
-          <p:cNvCxnSpPr/>
-          <p:nvPr/>
-        </p:nvCxnSpPr>
-        <p:spPr>
-          <a:xfrm>
-            <a:off x="5060272" y="1988598"/>
-            <a:ext cx="328474" cy="0"/>
-          </a:xfrm>
-          <a:prstGeom prst="line">
-            <a:avLst/>
-          </a:prstGeom>
-        </p:spPr>
-        <p:style>
-          <a:lnRef idx="1">
-            <a:schemeClr val="accent1"/>
-          </a:lnRef>
-          <a:fillRef idx="0">
-            <a:schemeClr val="accent1"/>
-          </a:fillRef>
-          <a:effectRef idx="0">
-            <a:schemeClr val="accent1"/>
-          </a:effectRef>
-          <a:fontRef idx="minor">
-            <a:schemeClr val="tx1"/>
-          </a:fontRef>
-        </p:style>
-      </p:cxnSp>
-      <p:cxnSp>
-        <p:nvCxnSpPr>
-          <p:cNvPr id="25" name="직선 연결선 24">
-            <a:extLst>
-              <a:ext uri="{FF2B5EF4-FFF2-40B4-BE49-F238E27FC236}">
-                <a16:creationId xmlns:a16="http://schemas.microsoft.com/office/drawing/2014/main" id="{E41FBE75-F150-4A8F-9491-4FD83B8D017E}"/>
-              </a:ext>
-            </a:extLst>
-          </p:cNvPr>
-          <p:cNvCxnSpPr/>
-          <p:nvPr/>
-        </p:nvCxnSpPr>
-        <p:spPr>
-          <a:xfrm>
-            <a:off x="5060272" y="2299317"/>
-            <a:ext cx="328474" cy="0"/>
-          </a:xfrm>
-          <a:prstGeom prst="line">
-            <a:avLst/>
-          </a:prstGeom>
-        </p:spPr>
-        <p:style>
-          <a:lnRef idx="1">
-            <a:schemeClr val="accent1"/>
-          </a:lnRef>
-          <a:fillRef idx="0">
-            <a:schemeClr val="accent1"/>
-          </a:fillRef>
-          <a:effectRef idx="0">
-            <a:schemeClr val="accent1"/>
-          </a:effectRef>
-          <a:fontRef idx="minor">
-            <a:schemeClr val="tx1"/>
-          </a:fontRef>
-        </p:style>
-      </p:cxnSp>
-      <p:cxnSp>
-        <p:nvCxnSpPr>
-          <p:cNvPr id="27" name="직선 연결선 26">
-            <a:extLst>
-              <a:ext uri="{FF2B5EF4-FFF2-40B4-BE49-F238E27FC236}">
-                <a16:creationId xmlns:a16="http://schemas.microsoft.com/office/drawing/2014/main" id="{ECBA0312-F2E3-4C31-967D-FD3AB989B0A6}"/>
-              </a:ext>
-            </a:extLst>
-          </p:cNvPr>
-          <p:cNvCxnSpPr/>
-          <p:nvPr/>
-        </p:nvCxnSpPr>
-        <p:spPr>
-          <a:xfrm>
-            <a:off x="5060272" y="5974672"/>
-            <a:ext cx="328474" cy="0"/>
-          </a:xfrm>
-          <a:prstGeom prst="line">
-            <a:avLst/>
-          </a:prstGeom>
-        </p:spPr>
-        <p:style>
-          <a:lnRef idx="1">
-            <a:schemeClr val="accent1"/>
-          </a:lnRef>
-          <a:fillRef idx="0">
-            <a:schemeClr val="accent1"/>
-          </a:fillRef>
-          <a:effectRef idx="0">
-            <a:schemeClr val="accent1"/>
-          </a:effectRef>
-          <a:fontRef idx="minor">
-            <a:schemeClr val="tx1"/>
-          </a:fontRef>
-        </p:style>
-      </p:cxnSp>
-      <p:sp>
-        <p:nvSpPr>
-          <p:cNvPr id="28" name="이등변 삼각형 27">
-            <a:extLst>
-              <a:ext uri="{FF2B5EF4-FFF2-40B4-BE49-F238E27FC236}">
-                <a16:creationId xmlns:a16="http://schemas.microsoft.com/office/drawing/2014/main" id="{D95447C6-A7BE-4577-872B-5F3906445A9A}"/>
-              </a:ext>
-            </a:extLst>
-          </p:cNvPr>
-          <p:cNvSpPr/>
-          <p:nvPr/>
-        </p:nvSpPr>
-        <p:spPr>
-          <a:xfrm>
-            <a:off x="5131864" y="2080436"/>
-            <a:ext cx="185291" cy="124272"/>
-          </a:xfrm>
-          <a:prstGeom prst="triangle">
-            <a:avLst/>
-          </a:prstGeom>
-          <a:noFill/>
-          <a:ln>
-            <a:solidFill>
-              <a:schemeClr val="accent1"/>
-            </a:solidFill>
-          </a:ln>
-        </p:spPr>
-        <p:style>
-          <a:lnRef idx="2">
-            <a:schemeClr val="accent1">
-              <a:shade val="50000"/>
-            </a:schemeClr>
-          </a:lnRef>
-          <a:fillRef idx="1">
-            <a:schemeClr val="accent1"/>
-          </a:fillRef>
-          <a:effectRef idx="0">
-            <a:schemeClr val="accent1"/>
-          </a:effectRef>
-          <a:fontRef idx="minor">
-            <a:schemeClr val="lt1"/>
-          </a:fontRef>
-        </p:style>
-        <p:txBody>
-          <a:bodyPr rtlCol="0" anchor="ctr"/>
-          <a:lstStyle/>
-          <a:p>
-            <a:pPr algn="ctr"/>
-            <a:endParaRPr lang="ko-KR" altLang="en-US"/>
-          </a:p>
-        </p:txBody>
-      </p:sp>
-      <p:sp>
-        <p:nvSpPr>
-          <p:cNvPr id="29" name="이등변 삼각형 28">
-            <a:extLst>
-              <a:ext uri="{FF2B5EF4-FFF2-40B4-BE49-F238E27FC236}">
-                <a16:creationId xmlns:a16="http://schemas.microsoft.com/office/drawing/2014/main" id="{E4D3F787-158C-4524-AEDA-83C3560F3CFD}"/>
-              </a:ext>
-            </a:extLst>
-          </p:cNvPr>
-          <p:cNvSpPr/>
-          <p:nvPr/>
-        </p:nvSpPr>
-        <p:spPr>
-          <a:xfrm rot="10800000">
-            <a:off x="5131863" y="6075008"/>
-            <a:ext cx="185291" cy="124272"/>
-          </a:xfrm>
-          <a:prstGeom prst="triangle">
-            <a:avLst/>
-          </a:prstGeom>
-          <a:noFill/>
-          <a:ln>
-            <a:solidFill>
-              <a:schemeClr val="accent1"/>
-            </a:solidFill>
-          </a:ln>
-        </p:spPr>
-        <p:style>
-          <a:lnRef idx="2">
-            <a:schemeClr val="accent1">
-              <a:shade val="50000"/>
-            </a:schemeClr>
-          </a:lnRef>
-          <a:fillRef idx="1">
-            <a:schemeClr val="accent1"/>
-          </a:fillRef>
-          <a:effectRef idx="0">
-            <a:schemeClr val="accent1"/>
-          </a:effectRef>
-          <a:fontRef idx="minor">
-            <a:schemeClr val="lt1"/>
-          </a:fontRef>
-        </p:style>
-        <p:txBody>
-          <a:bodyPr rtlCol="0" anchor="ctr"/>
-          <a:lstStyle/>
-          <a:p>
-            <a:pPr algn="ctr"/>
-            <a:endParaRPr lang="ko-KR" altLang="en-US"/>
-          </a:p>
-        </p:txBody>
-      </p:sp>
-      <p:sp>
-        <p:nvSpPr>
-          <p:cNvPr id="30" name="사각형: 둥근 모서리 29">
-            <a:extLst>
-              <a:ext uri="{FF2B5EF4-FFF2-40B4-BE49-F238E27FC236}">
-                <a16:creationId xmlns:a16="http://schemas.microsoft.com/office/drawing/2014/main" id="{D02AB29F-C8C6-4865-BD86-A13E4B1FFE89}"/>
-              </a:ext>
-            </a:extLst>
-          </p:cNvPr>
-          <p:cNvSpPr/>
-          <p:nvPr/>
-        </p:nvSpPr>
-        <p:spPr>
-          <a:xfrm>
-            <a:off x="5060273" y="3160446"/>
-            <a:ext cx="328474" cy="727963"/>
-          </a:xfrm>
-          <a:prstGeom prst="roundRect">
-            <a:avLst/>
-          </a:prstGeom>
-          <a:solidFill>
-            <a:schemeClr val="accent5"/>
-          </a:solidFill>
-        </p:spPr>
-        <p:style>
-          <a:lnRef idx="2">
-            <a:schemeClr val="accent1">
-              <a:shade val="50000"/>
-            </a:schemeClr>
-          </a:lnRef>
-          <a:fillRef idx="1">
-            <a:schemeClr val="accent1"/>
-          </a:fillRef>
-          <a:effectRef idx="0">
-            <a:schemeClr val="accent1"/>
-          </a:effectRef>
-          <a:fontRef idx="minor">
-            <a:schemeClr val="lt1"/>
-          </a:fontRef>
-        </p:style>
-        <p:txBody>
-          <a:bodyPr rtlCol="0" anchor="ctr"/>
-          <a:lstStyle/>
-          <a:p>
-            <a:pPr algn="ctr"/>
-            <a:endParaRPr lang="ko-KR" altLang="en-US"/>
-          </a:p>
-        </p:txBody>
-      </p:sp>
-      <p:cxnSp>
-        <p:nvCxnSpPr>
-          <p:cNvPr id="31" name="직선 연결선 30">
-            <a:extLst>
-              <a:ext uri="{FF2B5EF4-FFF2-40B4-BE49-F238E27FC236}">
-                <a16:creationId xmlns:a16="http://schemas.microsoft.com/office/drawing/2014/main" id="{8D93B1C2-B548-4BB8-BB69-A95EF57D2886}"/>
-              </a:ext>
-            </a:extLst>
-          </p:cNvPr>
-          <p:cNvCxnSpPr>
-            <a:cxnSpLocks/>
-          </p:cNvCxnSpPr>
-          <p:nvPr/>
-        </p:nvCxnSpPr>
-        <p:spPr>
-          <a:xfrm>
-            <a:off x="1065320" y="2707689"/>
-            <a:ext cx="3999391" cy="0"/>
-          </a:xfrm>
-          <a:prstGeom prst="line">
-            <a:avLst/>
-          </a:prstGeom>
-        </p:spPr>
-        <p:style>
-          <a:lnRef idx="1">
-            <a:schemeClr val="accent1"/>
-          </a:lnRef>
-          <a:fillRef idx="0">
-            <a:schemeClr val="accent1"/>
-          </a:fillRef>
-          <a:effectRef idx="0">
-            <a:schemeClr val="accent1"/>
-          </a:effectRef>
-          <a:fontRef idx="minor">
-            <a:schemeClr val="tx1"/>
-          </a:fontRef>
-        </p:style>
-      </p:cxnSp>
-      <p:cxnSp>
-        <p:nvCxnSpPr>
-          <p:cNvPr id="33" name="직선 연결선 32">
-            <a:extLst>
-              <a:ext uri="{FF2B5EF4-FFF2-40B4-BE49-F238E27FC236}">
-                <a16:creationId xmlns:a16="http://schemas.microsoft.com/office/drawing/2014/main" id="{2A70210C-7718-49F4-8A6D-DBCC0B590F28}"/>
-              </a:ext>
-            </a:extLst>
-          </p:cNvPr>
-          <p:cNvCxnSpPr>
-            <a:cxnSpLocks/>
-          </p:cNvCxnSpPr>
-          <p:nvPr/>
-        </p:nvCxnSpPr>
-        <p:spPr>
-          <a:xfrm>
-            <a:off x="1065320" y="4145872"/>
-            <a:ext cx="3999391" cy="0"/>
-          </a:xfrm>
-          <a:prstGeom prst="line">
-            <a:avLst/>
-          </a:prstGeom>
-        </p:spPr>
-        <p:style>
-          <a:lnRef idx="1">
-            <a:schemeClr val="accent1"/>
-          </a:lnRef>
-          <a:fillRef idx="0">
-            <a:schemeClr val="accent1"/>
-          </a:fillRef>
-          <a:effectRef idx="0">
-            <a:schemeClr val="accent1"/>
-          </a:effectRef>
-          <a:fontRef idx="minor">
-            <a:schemeClr val="tx1"/>
-          </a:fontRef>
-        </p:style>
-      </p:cxnSp>
-      <p:cxnSp>
-        <p:nvCxnSpPr>
-          <p:cNvPr id="34" name="직선 연결선 33">
-            <a:extLst>
-              <a:ext uri="{FF2B5EF4-FFF2-40B4-BE49-F238E27FC236}">
-                <a16:creationId xmlns:a16="http://schemas.microsoft.com/office/drawing/2014/main" id="{6F4DA3AE-D8E1-4832-8990-BAB57707DF6F}"/>
-              </a:ext>
-            </a:extLst>
-          </p:cNvPr>
-          <p:cNvCxnSpPr>
-            <a:cxnSpLocks/>
-          </p:cNvCxnSpPr>
-          <p:nvPr/>
-        </p:nvCxnSpPr>
-        <p:spPr>
-          <a:xfrm>
-            <a:off x="1065320" y="5592932"/>
-            <a:ext cx="3999391" cy="0"/>
-          </a:xfrm>
-          <a:prstGeom prst="line">
-            <a:avLst/>
-          </a:prstGeom>
-        </p:spPr>
-        <p:style>
-          <a:lnRef idx="1">
-            <a:schemeClr val="accent1"/>
-          </a:lnRef>
-          <a:fillRef idx="0">
-            <a:schemeClr val="accent1"/>
-          </a:fillRef>
-          <a:effectRef idx="0">
-            <a:schemeClr val="accent1"/>
-          </a:effectRef>
-          <a:fontRef idx="minor">
-            <a:schemeClr val="tx1"/>
-          </a:fontRef>
-        </p:style>
-      </p:cxnSp>
-      <p:sp>
-        <p:nvSpPr>
-          <p:cNvPr id="36" name="곱하기 기호 35">
-            <a:extLst>
-              <a:ext uri="{FF2B5EF4-FFF2-40B4-BE49-F238E27FC236}">
-                <a16:creationId xmlns:a16="http://schemas.microsoft.com/office/drawing/2014/main" id="{C2AA6900-83E4-4E94-A158-115EE494AA65}"/>
-              </a:ext>
-            </a:extLst>
-          </p:cNvPr>
-          <p:cNvSpPr/>
-          <p:nvPr/>
-        </p:nvSpPr>
-        <p:spPr>
-          <a:xfrm>
-            <a:off x="5060272" y="585895"/>
-            <a:ext cx="275377" cy="234156"/>
-          </a:xfrm>
-          <a:prstGeom prst="mathMultiply">
-            <a:avLst/>
-          </a:prstGeom>
-          <a:noFill/>
-          <a:ln>
-            <a:solidFill>
-              <a:schemeClr val="accent1"/>
-            </a:solidFill>
-          </a:ln>
-        </p:spPr>
-        <p:style>
-          <a:lnRef idx="2">
-            <a:schemeClr val="accent1">
-              <a:shade val="50000"/>
-            </a:schemeClr>
-          </a:lnRef>
-          <a:fillRef idx="1">
-            <a:schemeClr val="accent1"/>
-          </a:fillRef>
-          <a:effectRef idx="0">
-            <a:schemeClr val="accent1"/>
-          </a:effectRef>
-          <a:fontRef idx="minor">
-            <a:schemeClr val="lt1"/>
-          </a:fontRef>
-        </p:style>
-        <p:txBody>
-          <a:bodyPr rtlCol="0" anchor="ctr"/>
-          <a:lstStyle/>
-          <a:p>
-            <a:pPr algn="ctr"/>
-            <a:endParaRPr lang="ko-KR" altLang="en-US"/>
-          </a:p>
-        </p:txBody>
-      </p:sp>
-      <p:sp>
-        <p:nvSpPr>
-          <p:cNvPr id="37" name="직사각형 36">
-            <a:extLst>
-              <a:ext uri="{FF2B5EF4-FFF2-40B4-BE49-F238E27FC236}">
-                <a16:creationId xmlns:a16="http://schemas.microsoft.com/office/drawing/2014/main" id="{CDAFEB95-DA69-4707-BB94-C6154AC344E2}"/>
-              </a:ext>
-            </a:extLst>
-          </p:cNvPr>
-          <p:cNvSpPr/>
-          <p:nvPr/>
-        </p:nvSpPr>
-        <p:spPr>
-          <a:xfrm>
-            <a:off x="6826928" y="541537"/>
-            <a:ext cx="4299752" cy="3222594"/>
-          </a:xfrm>
-          <a:prstGeom prst="rect">
-            <a:avLst/>
-          </a:prstGeom>
-          <a:noFill/>
-          <a:ln>
-            <a:solidFill>
-              <a:schemeClr val="accent1"/>
-            </a:solidFill>
-          </a:ln>
-        </p:spPr>
-        <p:style>
-          <a:lnRef idx="2">
-            <a:schemeClr val="accent1">
-              <a:shade val="50000"/>
-            </a:schemeClr>
-          </a:lnRef>
-          <a:fillRef idx="1">
-            <a:schemeClr val="accent1"/>
-          </a:fillRef>
-          <a:effectRef idx="0">
-            <a:schemeClr val="accent1"/>
-          </a:effectRef>
-          <a:fontRef idx="minor">
-            <a:schemeClr val="lt1"/>
-          </a:fontRef>
-        </p:style>
-        <p:txBody>
-          <a:bodyPr rtlCol="0" anchor="ctr"/>
-          <a:lstStyle/>
-          <a:p>
-            <a:pPr algn="ctr"/>
-            <a:endParaRPr lang="ko-KR" altLang="en-US"/>
-          </a:p>
-        </p:txBody>
-      </p:sp>
-      <p:cxnSp>
-        <p:nvCxnSpPr>
-          <p:cNvPr id="39" name="직선 연결선 38">
-            <a:extLst>
-              <a:ext uri="{FF2B5EF4-FFF2-40B4-BE49-F238E27FC236}">
-                <a16:creationId xmlns:a16="http://schemas.microsoft.com/office/drawing/2014/main" id="{C983110B-38B4-444C-B455-C39B16B876E9}"/>
-              </a:ext>
-            </a:extLst>
-          </p:cNvPr>
-          <p:cNvCxnSpPr/>
-          <p:nvPr/>
-        </p:nvCxnSpPr>
-        <p:spPr>
-          <a:xfrm>
-            <a:off x="6826928" y="914368"/>
-            <a:ext cx="4299752" cy="0"/>
-          </a:xfrm>
-          <a:prstGeom prst="line">
-            <a:avLst/>
-          </a:prstGeom>
-        </p:spPr>
-        <p:style>
-          <a:lnRef idx="1">
-            <a:schemeClr val="accent1"/>
-          </a:lnRef>
-          <a:fillRef idx="0">
-            <a:schemeClr val="accent1"/>
-          </a:fillRef>
-          <a:effectRef idx="0">
-            <a:schemeClr val="accent1"/>
-          </a:effectRef>
-          <a:fontRef idx="minor">
-            <a:schemeClr val="tx1"/>
-          </a:fontRef>
-        </p:style>
-      </p:cxnSp>
-      <p:sp>
-        <p:nvSpPr>
-          <p:cNvPr id="40" name="곱하기 기호 39">
-            <a:extLst>
-              <a:ext uri="{FF2B5EF4-FFF2-40B4-BE49-F238E27FC236}">
-                <a16:creationId xmlns:a16="http://schemas.microsoft.com/office/drawing/2014/main" id="{D99DD062-F078-4836-8594-93CFDBEA59ED}"/>
-              </a:ext>
-            </a:extLst>
-          </p:cNvPr>
-          <p:cNvSpPr/>
-          <p:nvPr/>
-        </p:nvSpPr>
-        <p:spPr>
-          <a:xfrm>
-            <a:off x="10789328" y="610875"/>
-            <a:ext cx="275377" cy="234156"/>
-          </a:xfrm>
-          <a:prstGeom prst="mathMultiply">
-            <a:avLst/>
-          </a:prstGeom>
-          <a:noFill/>
-          <a:ln>
-            <a:solidFill>
-              <a:schemeClr val="accent1"/>
-            </a:solidFill>
-          </a:ln>
-        </p:spPr>
-        <p:style>
-          <a:lnRef idx="2">
-            <a:schemeClr val="accent1">
-              <a:shade val="50000"/>
-            </a:schemeClr>
-          </a:lnRef>
-          <a:fillRef idx="1">
-            <a:schemeClr val="accent1"/>
-          </a:fillRef>
-          <a:effectRef idx="0">
-            <a:schemeClr val="accent1"/>
-          </a:effectRef>
-          <a:fontRef idx="minor">
-            <a:schemeClr val="lt1"/>
-          </a:fontRef>
-        </p:style>
-        <p:txBody>
-          <a:bodyPr rtlCol="0" anchor="ctr"/>
-          <a:lstStyle/>
-          <a:p>
-            <a:pPr algn="ctr"/>
-            <a:endParaRPr lang="ko-KR" altLang="en-US"/>
-          </a:p>
-        </p:txBody>
-      </p:sp>
-      <p:sp>
-        <p:nvSpPr>
-          <p:cNvPr id="41" name="TextBox 40">
-            <a:extLst>
-              <a:ext uri="{FF2B5EF4-FFF2-40B4-BE49-F238E27FC236}">
-                <a16:creationId xmlns:a16="http://schemas.microsoft.com/office/drawing/2014/main" id="{32AAC66D-40FD-44D5-8C82-7C6EE47C7DA1}"/>
-              </a:ext>
-            </a:extLst>
-          </p:cNvPr>
-          <p:cNvSpPr txBox="1"/>
-          <p:nvPr/>
-        </p:nvSpPr>
-        <p:spPr>
-          <a:xfrm>
-            <a:off x="6915704" y="585895"/>
-            <a:ext cx="776799" cy="276999"/>
-          </a:xfrm>
-          <a:prstGeom prst="rect">
-            <a:avLst/>
-          </a:prstGeom>
-          <a:noFill/>
-        </p:spPr>
-        <p:txBody>
-          <a:bodyPr wrap="square" rtlCol="0">
-            <a:spAutoFit/>
-          </a:bodyPr>
-          <a:lstStyle/>
-          <a:p>
-            <a:r>
-              <a:rPr lang="ko-KR" altLang="en-US" sz="1200" dirty="0"/>
-              <a:t>설정</a:t>
-            </a:r>
-          </a:p>
-        </p:txBody>
-      </p:sp>
-      <p:sp>
-        <p:nvSpPr>
-          <p:cNvPr id="42" name="직사각형 41">
-            <a:extLst>
-              <a:ext uri="{FF2B5EF4-FFF2-40B4-BE49-F238E27FC236}">
-                <a16:creationId xmlns:a16="http://schemas.microsoft.com/office/drawing/2014/main" id="{1205CEFA-53FA-4498-AD3B-8FCFAF64175E}"/>
-              </a:ext>
-            </a:extLst>
-          </p:cNvPr>
-          <p:cNvSpPr/>
-          <p:nvPr/>
-        </p:nvSpPr>
-        <p:spPr>
-          <a:xfrm>
-            <a:off x="7304103" y="1278384"/>
+            <a:off x="7304103" y="1911774"/>
             <a:ext cx="2789808" cy="292934"/>
           </a:xfrm>
           <a:prstGeom prst="rect">
@@ -10278,10 +11249,10 @@
       </p:sp>
       <p:sp>
         <p:nvSpPr>
-          <p:cNvPr id="43" name="직사각형 42">
-            <a:extLst>
-              <a:ext uri="{FF2B5EF4-FFF2-40B4-BE49-F238E27FC236}">
-                <a16:creationId xmlns:a16="http://schemas.microsoft.com/office/drawing/2014/main" id="{E747C816-AC67-405A-84CB-D05AA021545A}"/>
+          <p:cNvPr id="44" name="직사각형 43">
+            <a:extLst>
+              <a:ext uri="{FF2B5EF4-FFF2-40B4-BE49-F238E27FC236}">
+                <a16:creationId xmlns:a16="http://schemas.microsoft.com/office/drawing/2014/main" id="{541FE4C6-9A4C-40EF-96BD-B3229A8EA8FE}"/>
               </a:ext>
             </a:extLst>
           </p:cNvPr>
@@ -10290,7 +11261,7 @@
         </p:nvSpPr>
         <p:spPr>
           <a:xfrm>
-            <a:off x="7304103" y="1911774"/>
+            <a:off x="7304103" y="2532937"/>
             <a:ext cx="2789808" cy="292934"/>
           </a:xfrm>
           <a:prstGeom prst="rect">
@@ -10332,10 +11303,10 @@
       </p:sp>
       <p:sp>
         <p:nvSpPr>
-          <p:cNvPr id="44" name="직사각형 43">
-            <a:extLst>
-              <a:ext uri="{FF2B5EF4-FFF2-40B4-BE49-F238E27FC236}">
-                <a16:creationId xmlns:a16="http://schemas.microsoft.com/office/drawing/2014/main" id="{541FE4C6-9A4C-40EF-96BD-B3229A8EA8FE}"/>
+          <p:cNvPr id="45" name="직사각형 44">
+            <a:extLst>
+              <a:ext uri="{FF2B5EF4-FFF2-40B4-BE49-F238E27FC236}">
+                <a16:creationId xmlns:a16="http://schemas.microsoft.com/office/drawing/2014/main" id="{D4B96D0C-EC20-4F04-8AA4-560B95773546}"/>
               </a:ext>
             </a:extLst>
           </p:cNvPr>
@@ -10344,8 +11315,8 @@
         </p:nvSpPr>
         <p:spPr>
           <a:xfrm>
-            <a:off x="7304103" y="2532937"/>
-            <a:ext cx="2789808" cy="292934"/>
+            <a:off x="10342485" y="1278384"/>
+            <a:ext cx="319597" cy="292922"/>
           </a:xfrm>
           <a:prstGeom prst="rect">
             <a:avLst/>
@@ -10386,10 +11357,10 @@
       </p:sp>
       <p:sp>
         <p:nvSpPr>
-          <p:cNvPr id="45" name="직사각형 44">
-            <a:extLst>
-              <a:ext uri="{FF2B5EF4-FFF2-40B4-BE49-F238E27FC236}">
-                <a16:creationId xmlns:a16="http://schemas.microsoft.com/office/drawing/2014/main" id="{D4B96D0C-EC20-4F04-8AA4-560B95773546}"/>
+          <p:cNvPr id="46" name="직사각형 45">
+            <a:extLst>
+              <a:ext uri="{FF2B5EF4-FFF2-40B4-BE49-F238E27FC236}">
+                <a16:creationId xmlns:a16="http://schemas.microsoft.com/office/drawing/2014/main" id="{42F38707-C98F-423D-88A9-EFA95B62ED4A}"/>
               </a:ext>
             </a:extLst>
           </p:cNvPr>
@@ -10398,7 +11369,61 @@
         </p:nvSpPr>
         <p:spPr>
           <a:xfrm>
-            <a:off x="10342485" y="1278384"/>
+            <a:off x="10342485" y="1911786"/>
+            <a:ext cx="319597" cy="292922"/>
+          </a:xfrm>
+          <a:prstGeom prst="rect">
+            <a:avLst/>
+          </a:prstGeom>
+          <a:solidFill>
+            <a:srgbClr val="FFFF00"/>
+          </a:solidFill>
+          <a:ln>
+            <a:solidFill>
+              <a:schemeClr val="bg1"/>
+            </a:solidFill>
+          </a:ln>
+        </p:spPr>
+        <p:style>
+          <a:lnRef idx="2">
+            <a:schemeClr val="accent1">
+              <a:shade val="50000"/>
+            </a:schemeClr>
+          </a:lnRef>
+          <a:fillRef idx="1">
+            <a:schemeClr val="accent1"/>
+          </a:fillRef>
+          <a:effectRef idx="0">
+            <a:schemeClr val="accent1"/>
+          </a:effectRef>
+          <a:fontRef idx="minor">
+            <a:schemeClr val="lt1"/>
+          </a:fontRef>
+        </p:style>
+        <p:txBody>
+          <a:bodyPr rtlCol="0" anchor="ctr"/>
+          <a:lstStyle/>
+          <a:p>
+            <a:pPr algn="ctr"/>
+            <a:endParaRPr lang="ko-KR" altLang="en-US"/>
+          </a:p>
+        </p:txBody>
+      </p:sp>
+      <p:sp>
+        <p:nvSpPr>
+          <p:cNvPr id="47" name="직사각형 46">
+            <a:extLst>
+              <a:ext uri="{FF2B5EF4-FFF2-40B4-BE49-F238E27FC236}">
+                <a16:creationId xmlns:a16="http://schemas.microsoft.com/office/drawing/2014/main" id="{6152DF49-78CF-4330-AC30-DEAFC486ABCB}"/>
+              </a:ext>
+            </a:extLst>
+          </p:cNvPr>
+          <p:cNvSpPr/>
+          <p:nvPr/>
+        </p:nvSpPr>
+        <p:spPr>
+          <a:xfrm>
+            <a:off x="10342485" y="2523912"/>
             <a:ext cx="319597" cy="292922"/>
           </a:xfrm>
           <a:prstGeom prst="rect">
@@ -10440,10 +11465,10 @@
       </p:sp>
       <p:sp>
         <p:nvSpPr>
-          <p:cNvPr id="46" name="직사각형 45">
-            <a:extLst>
-              <a:ext uri="{FF2B5EF4-FFF2-40B4-BE49-F238E27FC236}">
-                <a16:creationId xmlns:a16="http://schemas.microsoft.com/office/drawing/2014/main" id="{42F38707-C98F-423D-88A9-EFA95B62ED4A}"/>
+          <p:cNvPr id="50" name="화살표: 원형 49">
+            <a:extLst>
+              <a:ext uri="{FF2B5EF4-FFF2-40B4-BE49-F238E27FC236}">
+                <a16:creationId xmlns:a16="http://schemas.microsoft.com/office/drawing/2014/main" id="{69D6A301-88F0-4214-9CA8-6BED56593788}"/>
               </a:ext>
             </a:extLst>
           </p:cNvPr>
@@ -10451,170 +11476,8 @@
           <p:nvPr/>
         </p:nvSpPr>
         <p:spPr>
-          <a:xfrm>
-            <a:off x="10342485" y="1911786"/>
-            <a:ext cx="319597" cy="292922"/>
-          </a:xfrm>
-          <a:prstGeom prst="rect">
-            <a:avLst/>
-          </a:prstGeom>
-          <a:solidFill>
-            <a:srgbClr val="FFFF00"/>
-          </a:solidFill>
-          <a:ln>
-            <a:solidFill>
-              <a:schemeClr val="bg1"/>
-            </a:solidFill>
-          </a:ln>
-        </p:spPr>
-        <p:style>
-          <a:lnRef idx="2">
-            <a:schemeClr val="accent1">
-              <a:shade val="50000"/>
-            </a:schemeClr>
-          </a:lnRef>
-          <a:fillRef idx="1">
-            <a:schemeClr val="accent1"/>
-          </a:fillRef>
-          <a:effectRef idx="0">
-            <a:schemeClr val="accent1"/>
-          </a:effectRef>
-          <a:fontRef idx="minor">
-            <a:schemeClr val="lt1"/>
-          </a:fontRef>
-        </p:style>
-        <p:txBody>
-          <a:bodyPr rtlCol="0" anchor="ctr"/>
-          <a:lstStyle/>
-          <a:p>
-            <a:pPr algn="ctr"/>
-            <a:endParaRPr lang="ko-KR" altLang="en-US"/>
-          </a:p>
-        </p:txBody>
-      </p:sp>
-      <p:sp>
-        <p:nvSpPr>
-          <p:cNvPr id="47" name="직사각형 46">
-            <a:extLst>
-              <a:ext uri="{FF2B5EF4-FFF2-40B4-BE49-F238E27FC236}">
-                <a16:creationId xmlns:a16="http://schemas.microsoft.com/office/drawing/2014/main" id="{6152DF49-78CF-4330-AC30-DEAFC486ABCB}"/>
-              </a:ext>
-            </a:extLst>
-          </p:cNvPr>
-          <p:cNvSpPr/>
-          <p:nvPr/>
-        </p:nvSpPr>
-        <p:spPr>
-          <a:xfrm>
-            <a:off x="10342485" y="2523912"/>
-            <a:ext cx="319597" cy="292922"/>
-          </a:xfrm>
-          <a:prstGeom prst="rect">
-            <a:avLst/>
-          </a:prstGeom>
-          <a:solidFill>
-            <a:srgbClr val="FFE9D7"/>
-          </a:solidFill>
-          <a:ln>
-            <a:solidFill>
-              <a:schemeClr val="bg1"/>
-            </a:solidFill>
-          </a:ln>
-        </p:spPr>
-        <p:style>
-          <a:lnRef idx="2">
-            <a:schemeClr val="accent1">
-              <a:shade val="50000"/>
-            </a:schemeClr>
-          </a:lnRef>
-          <a:fillRef idx="1">
-            <a:schemeClr val="accent1"/>
-          </a:fillRef>
-          <a:effectRef idx="0">
-            <a:schemeClr val="accent1"/>
-          </a:effectRef>
-          <a:fontRef idx="minor">
-            <a:schemeClr val="lt1"/>
-          </a:fontRef>
-        </p:style>
-        <p:txBody>
-          <a:bodyPr rtlCol="0" anchor="ctr"/>
-          <a:lstStyle/>
-          <a:p>
-            <a:pPr algn="ctr"/>
-            <a:endParaRPr lang="ko-KR" altLang="en-US"/>
-          </a:p>
-        </p:txBody>
-      </p:sp>
-      <p:sp>
-        <p:nvSpPr>
-          <p:cNvPr id="49" name="직사각형 48">
-            <a:extLst>
-              <a:ext uri="{FF2B5EF4-FFF2-40B4-BE49-F238E27FC236}">
-                <a16:creationId xmlns:a16="http://schemas.microsoft.com/office/drawing/2014/main" id="{B2B6CA31-F57A-4707-B52B-EDD549867AFE}"/>
-              </a:ext>
-            </a:extLst>
-          </p:cNvPr>
-          <p:cNvSpPr/>
-          <p:nvPr/>
-        </p:nvSpPr>
-        <p:spPr>
-          <a:xfrm>
-            <a:off x="7304103" y="3161764"/>
-            <a:ext cx="2789808" cy="292922"/>
-          </a:xfrm>
-          <a:prstGeom prst="rect">
-            <a:avLst/>
-          </a:prstGeom>
-          <a:solidFill>
-            <a:srgbClr val="FFE9D7"/>
-          </a:solidFill>
-          <a:ln>
-            <a:solidFill>
-              <a:schemeClr val="bg1"/>
-            </a:solidFill>
-          </a:ln>
-        </p:spPr>
-        <p:style>
-          <a:lnRef idx="2">
-            <a:schemeClr val="accent1">
-              <a:shade val="50000"/>
-            </a:schemeClr>
-          </a:lnRef>
-          <a:fillRef idx="1">
-            <a:schemeClr val="accent1"/>
-          </a:fillRef>
-          <a:effectRef idx="0">
-            <a:schemeClr val="accent1"/>
-          </a:effectRef>
-          <a:fontRef idx="minor">
-            <a:schemeClr val="lt1"/>
-          </a:fontRef>
-        </p:style>
-        <p:txBody>
-          <a:bodyPr rtlCol="0" anchor="ctr"/>
-          <a:lstStyle/>
-          <a:p>
-            <a:pPr algn="ctr"/>
-            <a:endParaRPr lang="ko-KR" altLang="en-US"/>
-          </a:p>
-        </p:txBody>
-      </p:sp>
-      <p:sp>
-        <p:nvSpPr>
-          <p:cNvPr id="50" name="화살표: 원형 49">
-            <a:extLst>
-              <a:ext uri="{FF2B5EF4-FFF2-40B4-BE49-F238E27FC236}">
-                <a16:creationId xmlns:a16="http://schemas.microsoft.com/office/drawing/2014/main" id="{69D6A301-88F0-4214-9CA8-6BED56593788}"/>
-              </a:ext>
-            </a:extLst>
-          </p:cNvPr>
-          <p:cNvSpPr/>
-          <p:nvPr/>
-        </p:nvSpPr>
-        <p:spPr>
           <a:xfrm rot="6214104">
-            <a:off x="10389646" y="3183727"/>
+            <a:off x="10391146" y="2556218"/>
             <a:ext cx="225273" cy="225273"/>
           </a:xfrm>
           <a:prstGeom prst="circularArrow">
@@ -10992,6 +11855,895 @@
           </a:p>
         </p:txBody>
       </p:sp>
+      <p:sp>
+        <p:nvSpPr>
+          <p:cNvPr id="57" name="TextBox 56">
+            <a:extLst>
+              <a:ext uri="{FF2B5EF4-FFF2-40B4-BE49-F238E27FC236}">
+                <a16:creationId xmlns:a16="http://schemas.microsoft.com/office/drawing/2014/main" id="{192F1175-C6AE-436B-A8B7-2BAE856F3D81}"/>
+              </a:ext>
+            </a:extLst>
+          </p:cNvPr>
+          <p:cNvSpPr txBox="1"/>
+          <p:nvPr/>
+        </p:nvSpPr>
+        <p:spPr>
+          <a:xfrm>
+            <a:off x="5688366" y="4199570"/>
+            <a:ext cx="1449281" cy="369332"/>
+          </a:xfrm>
+          <a:prstGeom prst="rect">
+            <a:avLst/>
+          </a:prstGeom>
+          <a:noFill/>
+          <a:ln>
+            <a:solidFill>
+              <a:schemeClr val="tx1"/>
+            </a:solidFill>
+          </a:ln>
+        </p:spPr>
+        <p:txBody>
+          <a:bodyPr wrap="square" rtlCol="0">
+            <a:spAutoFit/>
+          </a:bodyPr>
+          <a:lstStyle/>
+          <a:p>
+            <a:r>
+              <a:rPr lang="en-US" altLang="ko-KR" dirty="0" err="1"/>
+              <a:t>sakeLLabel</a:t>
+            </a:r>
+            <a:endParaRPr lang="ko-KR" altLang="en-US" dirty="0"/>
+          </a:p>
+        </p:txBody>
+      </p:sp>
+      <p:cxnSp>
+        <p:nvCxnSpPr>
+          <p:cNvPr id="20" name="직선 연결선 19">
+            <a:extLst>
+              <a:ext uri="{FF2B5EF4-FFF2-40B4-BE49-F238E27FC236}">
+                <a16:creationId xmlns:a16="http://schemas.microsoft.com/office/drawing/2014/main" id="{316E4C56-D5D9-444B-A446-F9CD076CAC78}"/>
+              </a:ext>
+            </a:extLst>
+          </p:cNvPr>
+          <p:cNvCxnSpPr>
+            <a:cxnSpLocks/>
+            <a:stCxn id="57" idx="0"/>
+            <a:endCxn id="42" idx="1"/>
+          </p:cNvCxnSpPr>
+          <p:nvPr/>
+        </p:nvCxnSpPr>
+        <p:spPr>
+          <a:xfrm flipV="1">
+            <a:off x="6413007" y="1424851"/>
+            <a:ext cx="891096" cy="2774719"/>
+          </a:xfrm>
+          <a:prstGeom prst="line">
+            <a:avLst/>
+          </a:prstGeom>
+        </p:spPr>
+        <p:style>
+          <a:lnRef idx="1">
+            <a:schemeClr val="accent1"/>
+          </a:lnRef>
+          <a:fillRef idx="0">
+            <a:schemeClr val="accent1"/>
+          </a:fillRef>
+          <a:effectRef idx="0">
+            <a:schemeClr val="accent1"/>
+          </a:effectRef>
+          <a:fontRef idx="minor">
+            <a:schemeClr val="tx1"/>
+          </a:fontRef>
+        </p:style>
+      </p:cxnSp>
+      <p:sp>
+        <p:nvSpPr>
+          <p:cNvPr id="59" name="TextBox 58">
+            <a:extLst>
+              <a:ext uri="{FF2B5EF4-FFF2-40B4-BE49-F238E27FC236}">
+                <a16:creationId xmlns:a16="http://schemas.microsoft.com/office/drawing/2014/main" id="{73C8F8EE-B418-46F3-997B-D6BC04290BDF}"/>
+              </a:ext>
+            </a:extLst>
+          </p:cNvPr>
+          <p:cNvSpPr txBox="1"/>
+          <p:nvPr/>
+        </p:nvSpPr>
+        <p:spPr>
+          <a:xfrm>
+            <a:off x="10310300" y="4384236"/>
+            <a:ext cx="1881700" cy="369332"/>
+          </a:xfrm>
+          <a:prstGeom prst="rect">
+            <a:avLst/>
+          </a:prstGeom>
+          <a:noFill/>
+          <a:ln>
+            <a:solidFill>
+              <a:schemeClr val="tx1"/>
+            </a:solidFill>
+          </a:ln>
+        </p:spPr>
+        <p:txBody>
+          <a:bodyPr wrap="square" rtlCol="0">
+            <a:spAutoFit/>
+          </a:bodyPr>
+          <a:lstStyle/>
+          <a:p>
+            <a:r>
+              <a:rPr lang="en-US" altLang="ko-KR" dirty="0" err="1"/>
+              <a:t>sakeLCheckbox</a:t>
+            </a:r>
+            <a:endParaRPr lang="ko-KR" altLang="en-US" dirty="0"/>
+          </a:p>
+        </p:txBody>
+      </p:sp>
+      <p:cxnSp>
+        <p:nvCxnSpPr>
+          <p:cNvPr id="32" name="직선 연결선 31">
+            <a:extLst>
+              <a:ext uri="{FF2B5EF4-FFF2-40B4-BE49-F238E27FC236}">
+                <a16:creationId xmlns:a16="http://schemas.microsoft.com/office/drawing/2014/main" id="{1D2457CD-DBBD-4480-BA5D-48B3EF4A2FBB}"/>
+              </a:ext>
+            </a:extLst>
+          </p:cNvPr>
+          <p:cNvCxnSpPr>
+            <a:cxnSpLocks/>
+            <a:stCxn id="45" idx="3"/>
+            <a:endCxn id="59" idx="0"/>
+          </p:cNvCxnSpPr>
+          <p:nvPr/>
+        </p:nvCxnSpPr>
+        <p:spPr>
+          <a:xfrm>
+            <a:off x="10662082" y="1424845"/>
+            <a:ext cx="589068" cy="2959391"/>
+          </a:xfrm>
+          <a:prstGeom prst="line">
+            <a:avLst/>
+          </a:prstGeom>
+        </p:spPr>
+        <p:style>
+          <a:lnRef idx="1">
+            <a:schemeClr val="accent1"/>
+          </a:lnRef>
+          <a:fillRef idx="0">
+            <a:schemeClr val="accent1"/>
+          </a:fillRef>
+          <a:effectRef idx="0">
+            <a:schemeClr val="accent1"/>
+          </a:effectRef>
+          <a:fontRef idx="minor">
+            <a:schemeClr val="tx1"/>
+          </a:fontRef>
+        </p:style>
+      </p:cxnSp>
+      <p:sp>
+        <p:nvSpPr>
+          <p:cNvPr id="63" name="TextBox 62">
+            <a:extLst>
+              <a:ext uri="{FF2B5EF4-FFF2-40B4-BE49-F238E27FC236}">
+                <a16:creationId xmlns:a16="http://schemas.microsoft.com/office/drawing/2014/main" id="{BA4E7597-3D94-442C-A1D4-250024578D0E}"/>
+              </a:ext>
+            </a:extLst>
+          </p:cNvPr>
+          <p:cNvSpPr txBox="1"/>
+          <p:nvPr/>
+        </p:nvSpPr>
+        <p:spPr>
+          <a:xfrm>
+            <a:off x="5583314" y="4707393"/>
+            <a:ext cx="1839158" cy="376990"/>
+          </a:xfrm>
+          <a:prstGeom prst="rect">
+            <a:avLst/>
+          </a:prstGeom>
+          <a:noFill/>
+          <a:ln>
+            <a:solidFill>
+              <a:schemeClr val="tx1"/>
+            </a:solidFill>
+          </a:ln>
+        </p:spPr>
+        <p:txBody>
+          <a:bodyPr wrap="square" rtlCol="0">
+            <a:spAutoFit/>
+          </a:bodyPr>
+          <a:lstStyle/>
+          <a:p>
+            <a:r>
+              <a:rPr lang="en-US" altLang="ko-KR" dirty="0" err="1"/>
+              <a:t>darkmodeLabel</a:t>
+            </a:r>
+            <a:endParaRPr lang="ko-KR" altLang="en-US" dirty="0"/>
+          </a:p>
+        </p:txBody>
+      </p:sp>
+      <p:cxnSp>
+        <p:nvCxnSpPr>
+          <p:cNvPr id="65" name="직선 연결선 64">
+            <a:extLst>
+              <a:ext uri="{FF2B5EF4-FFF2-40B4-BE49-F238E27FC236}">
+                <a16:creationId xmlns:a16="http://schemas.microsoft.com/office/drawing/2014/main" id="{89214A64-1BD0-4992-AD42-640458CC67CE}"/>
+              </a:ext>
+            </a:extLst>
+          </p:cNvPr>
+          <p:cNvCxnSpPr>
+            <a:cxnSpLocks/>
+            <a:stCxn id="43" idx="1"/>
+            <a:endCxn id="63" idx="0"/>
+          </p:cNvCxnSpPr>
+          <p:nvPr/>
+        </p:nvCxnSpPr>
+        <p:spPr>
+          <a:xfrm flipH="1">
+            <a:off x="6502893" y="2058241"/>
+            <a:ext cx="801210" cy="2649152"/>
+          </a:xfrm>
+          <a:prstGeom prst="line">
+            <a:avLst/>
+          </a:prstGeom>
+        </p:spPr>
+        <p:style>
+          <a:lnRef idx="1">
+            <a:schemeClr val="accent1"/>
+          </a:lnRef>
+          <a:fillRef idx="0">
+            <a:schemeClr val="accent1"/>
+          </a:fillRef>
+          <a:effectRef idx="0">
+            <a:schemeClr val="accent1"/>
+          </a:effectRef>
+          <a:fontRef idx="minor">
+            <a:schemeClr val="tx1"/>
+          </a:fontRef>
+        </p:style>
+      </p:cxnSp>
+      <p:cxnSp>
+        <p:nvCxnSpPr>
+          <p:cNvPr id="70" name="직선 연결선 69">
+            <a:extLst>
+              <a:ext uri="{FF2B5EF4-FFF2-40B4-BE49-F238E27FC236}">
+                <a16:creationId xmlns:a16="http://schemas.microsoft.com/office/drawing/2014/main" id="{D29CED30-D7F6-461D-B259-439F814DD3E5}"/>
+              </a:ext>
+            </a:extLst>
+          </p:cNvPr>
+          <p:cNvCxnSpPr>
+            <a:cxnSpLocks/>
+            <a:stCxn id="46" idx="3"/>
+            <a:endCxn id="71" idx="0"/>
+          </p:cNvCxnSpPr>
+          <p:nvPr/>
+        </p:nvCxnSpPr>
+        <p:spPr>
+          <a:xfrm>
+            <a:off x="10662082" y="2058247"/>
+            <a:ext cx="599611" cy="3017570"/>
+          </a:xfrm>
+          <a:prstGeom prst="line">
+            <a:avLst/>
+          </a:prstGeom>
+        </p:spPr>
+        <p:style>
+          <a:lnRef idx="1">
+            <a:schemeClr val="accent1"/>
+          </a:lnRef>
+          <a:fillRef idx="0">
+            <a:schemeClr val="accent1"/>
+          </a:fillRef>
+          <a:effectRef idx="0">
+            <a:schemeClr val="accent1"/>
+          </a:effectRef>
+          <a:fontRef idx="minor">
+            <a:schemeClr val="tx1"/>
+          </a:fontRef>
+        </p:style>
+      </p:cxnSp>
+      <p:sp>
+        <p:nvSpPr>
+          <p:cNvPr id="71" name="TextBox 70">
+            <a:extLst>
+              <a:ext uri="{FF2B5EF4-FFF2-40B4-BE49-F238E27FC236}">
+                <a16:creationId xmlns:a16="http://schemas.microsoft.com/office/drawing/2014/main" id="{FA5A6F49-537A-4484-AADE-A87410CDEBEC}"/>
+              </a:ext>
+            </a:extLst>
+          </p:cNvPr>
+          <p:cNvSpPr txBox="1"/>
+          <p:nvPr/>
+        </p:nvSpPr>
+        <p:spPr>
+          <a:xfrm>
+            <a:off x="10111576" y="5075817"/>
+            <a:ext cx="2300233" cy="369332"/>
+          </a:xfrm>
+          <a:prstGeom prst="rect">
+            <a:avLst/>
+          </a:prstGeom>
+          <a:noFill/>
+          <a:ln>
+            <a:solidFill>
+              <a:schemeClr val="tx1"/>
+            </a:solidFill>
+          </a:ln>
+        </p:spPr>
+        <p:txBody>
+          <a:bodyPr wrap="square" rtlCol="0">
+            <a:spAutoFit/>
+          </a:bodyPr>
+          <a:lstStyle/>
+          <a:p>
+            <a:r>
+              <a:rPr lang="en-US" altLang="ko-KR" dirty="0" err="1"/>
+              <a:t>darkmodeCheckbox</a:t>
+            </a:r>
+            <a:endParaRPr lang="ko-KR" altLang="en-US" dirty="0"/>
+          </a:p>
+        </p:txBody>
+      </p:sp>
+      <p:sp>
+        <p:nvSpPr>
+          <p:cNvPr id="84" name="TextBox 83">
+            <a:extLst>
+              <a:ext uri="{FF2B5EF4-FFF2-40B4-BE49-F238E27FC236}">
+                <a16:creationId xmlns:a16="http://schemas.microsoft.com/office/drawing/2014/main" id="{6074C2A9-EC45-4A23-8FD6-77716FB55366}"/>
+              </a:ext>
+            </a:extLst>
+          </p:cNvPr>
+          <p:cNvSpPr txBox="1"/>
+          <p:nvPr/>
+        </p:nvSpPr>
+        <p:spPr>
+          <a:xfrm>
+            <a:off x="5660623" y="5445149"/>
+            <a:ext cx="2160604" cy="369332"/>
+          </a:xfrm>
+          <a:prstGeom prst="rect">
+            <a:avLst/>
+          </a:prstGeom>
+          <a:noFill/>
+          <a:ln>
+            <a:solidFill>
+              <a:schemeClr val="tx1"/>
+            </a:solidFill>
+          </a:ln>
+        </p:spPr>
+        <p:txBody>
+          <a:bodyPr wrap="square" rtlCol="0">
+            <a:spAutoFit/>
+          </a:bodyPr>
+          <a:lstStyle/>
+          <a:p>
+            <a:r>
+              <a:rPr lang="en-US" altLang="ko-KR" dirty="0" err="1"/>
+              <a:t>serverRefreshLabel</a:t>
+            </a:r>
+            <a:endParaRPr lang="ko-KR" altLang="en-US" dirty="0"/>
+          </a:p>
+        </p:txBody>
+      </p:sp>
+      <p:cxnSp>
+        <p:nvCxnSpPr>
+          <p:cNvPr id="86" name="직선 연결선 85">
+            <a:extLst>
+              <a:ext uri="{FF2B5EF4-FFF2-40B4-BE49-F238E27FC236}">
+                <a16:creationId xmlns:a16="http://schemas.microsoft.com/office/drawing/2014/main" id="{85DDCDD6-D605-48E9-AC3E-6AFEBEC5584F}"/>
+              </a:ext>
+            </a:extLst>
+          </p:cNvPr>
+          <p:cNvCxnSpPr>
+            <a:cxnSpLocks/>
+            <a:stCxn id="44" idx="1"/>
+            <a:endCxn id="84" idx="0"/>
+          </p:cNvCxnSpPr>
+          <p:nvPr/>
+        </p:nvCxnSpPr>
+        <p:spPr>
+          <a:xfrm flipH="1">
+            <a:off x="6740925" y="2679404"/>
+            <a:ext cx="563178" cy="2765745"/>
+          </a:xfrm>
+          <a:prstGeom prst="line">
+            <a:avLst/>
+          </a:prstGeom>
+        </p:spPr>
+        <p:style>
+          <a:lnRef idx="1">
+            <a:schemeClr val="accent1"/>
+          </a:lnRef>
+          <a:fillRef idx="0">
+            <a:schemeClr val="accent1"/>
+          </a:fillRef>
+          <a:effectRef idx="0">
+            <a:schemeClr val="accent1"/>
+          </a:effectRef>
+          <a:fontRef idx="minor">
+            <a:schemeClr val="tx1"/>
+          </a:fontRef>
+        </p:style>
+      </p:cxnSp>
+      <p:sp>
+        <p:nvSpPr>
+          <p:cNvPr id="89" name="TextBox 88">
+            <a:extLst>
+              <a:ext uri="{FF2B5EF4-FFF2-40B4-BE49-F238E27FC236}">
+                <a16:creationId xmlns:a16="http://schemas.microsoft.com/office/drawing/2014/main" id="{755B04CC-4763-4121-AE9A-B8260B058F9E}"/>
+              </a:ext>
+            </a:extLst>
+          </p:cNvPr>
+          <p:cNvSpPr txBox="1"/>
+          <p:nvPr/>
+        </p:nvSpPr>
+        <p:spPr>
+          <a:xfrm>
+            <a:off x="9891768" y="5767398"/>
+            <a:ext cx="2300232" cy="369332"/>
+          </a:xfrm>
+          <a:prstGeom prst="rect">
+            <a:avLst/>
+          </a:prstGeom>
+          <a:noFill/>
+          <a:ln>
+            <a:solidFill>
+              <a:schemeClr val="tx1"/>
+            </a:solidFill>
+          </a:ln>
+        </p:spPr>
+        <p:txBody>
+          <a:bodyPr wrap="square" rtlCol="0">
+            <a:spAutoFit/>
+          </a:bodyPr>
+          <a:lstStyle/>
+          <a:p>
+            <a:r>
+              <a:rPr lang="en-US" altLang="ko-KR" dirty="0" err="1"/>
+              <a:t>serverRefreshButton</a:t>
+            </a:r>
+            <a:endParaRPr lang="ko-KR" altLang="en-US" dirty="0"/>
+          </a:p>
+        </p:txBody>
+      </p:sp>
+      <p:cxnSp>
+        <p:nvCxnSpPr>
+          <p:cNvPr id="91" name="직선 연결선 90">
+            <a:extLst>
+              <a:ext uri="{FF2B5EF4-FFF2-40B4-BE49-F238E27FC236}">
+                <a16:creationId xmlns:a16="http://schemas.microsoft.com/office/drawing/2014/main" id="{7075FE8F-33F0-45FA-97EF-386BA9AC774B}"/>
+              </a:ext>
+            </a:extLst>
+          </p:cNvPr>
+          <p:cNvCxnSpPr>
+            <a:cxnSpLocks/>
+            <a:stCxn id="47" idx="3"/>
+            <a:endCxn id="89" idx="0"/>
+          </p:cNvCxnSpPr>
+          <p:nvPr/>
+        </p:nvCxnSpPr>
+        <p:spPr>
+          <a:xfrm>
+            <a:off x="10662082" y="2670373"/>
+            <a:ext cx="379802" cy="3097025"/>
+          </a:xfrm>
+          <a:prstGeom prst="line">
+            <a:avLst/>
+          </a:prstGeom>
+        </p:spPr>
+        <p:style>
+          <a:lnRef idx="1">
+            <a:schemeClr val="accent1"/>
+          </a:lnRef>
+          <a:fillRef idx="0">
+            <a:schemeClr val="accent1"/>
+          </a:fillRef>
+          <a:effectRef idx="0">
+            <a:schemeClr val="accent1"/>
+          </a:effectRef>
+          <a:fontRef idx="minor">
+            <a:schemeClr val="tx1"/>
+          </a:fontRef>
+        </p:style>
+      </p:cxnSp>
+      <p:sp>
+        <p:nvSpPr>
+          <p:cNvPr id="94" name="TextBox 93">
+            <a:extLst>
+              <a:ext uri="{FF2B5EF4-FFF2-40B4-BE49-F238E27FC236}">
+                <a16:creationId xmlns:a16="http://schemas.microsoft.com/office/drawing/2014/main" id="{B47DAC13-1C80-4D6A-A6A9-F88A8138D7BD}"/>
+              </a:ext>
+            </a:extLst>
+          </p:cNvPr>
+          <p:cNvSpPr txBox="1"/>
+          <p:nvPr/>
+        </p:nvSpPr>
+        <p:spPr>
+          <a:xfrm>
+            <a:off x="9854382" y="91635"/>
+            <a:ext cx="2145268" cy="369332"/>
+          </a:xfrm>
+          <a:prstGeom prst="rect">
+            <a:avLst/>
+          </a:prstGeom>
+          <a:noFill/>
+          <a:ln>
+            <a:solidFill>
+              <a:schemeClr val="tx1"/>
+            </a:solidFill>
+          </a:ln>
+        </p:spPr>
+        <p:txBody>
+          <a:bodyPr wrap="square" rtlCol="0">
+            <a:spAutoFit/>
+          </a:bodyPr>
+          <a:lstStyle/>
+          <a:p>
+            <a:r>
+              <a:rPr lang="en-US" altLang="ko-KR" dirty="0" err="1"/>
+              <a:t>settingCloseButton</a:t>
+            </a:r>
+            <a:endParaRPr lang="ko-KR" altLang="en-US" dirty="0"/>
+          </a:p>
+        </p:txBody>
+      </p:sp>
+      <p:cxnSp>
+        <p:nvCxnSpPr>
+          <p:cNvPr id="96" name="직선 연결선 95">
+            <a:extLst>
+              <a:ext uri="{FF2B5EF4-FFF2-40B4-BE49-F238E27FC236}">
+                <a16:creationId xmlns:a16="http://schemas.microsoft.com/office/drawing/2014/main" id="{D2A56413-D1D9-409E-9159-BF03940D7D13}"/>
+              </a:ext>
+            </a:extLst>
+          </p:cNvPr>
+          <p:cNvCxnSpPr>
+            <a:cxnSpLocks/>
+            <a:stCxn id="40" idx="0"/>
+            <a:endCxn id="94" idx="1"/>
+          </p:cNvCxnSpPr>
+          <p:nvPr/>
+        </p:nvCxnSpPr>
+        <p:spPr>
+          <a:xfrm flipH="1" flipV="1">
+            <a:off x="9854382" y="276301"/>
+            <a:ext cx="1001085" cy="390812"/>
+          </a:xfrm>
+          <a:prstGeom prst="line">
+            <a:avLst/>
+          </a:prstGeom>
+        </p:spPr>
+        <p:style>
+          <a:lnRef idx="1">
+            <a:schemeClr val="accent1"/>
+          </a:lnRef>
+          <a:fillRef idx="0">
+            <a:schemeClr val="accent1"/>
+          </a:fillRef>
+          <a:effectRef idx="0">
+            <a:schemeClr val="accent1"/>
+          </a:effectRef>
+          <a:fontRef idx="minor">
+            <a:schemeClr val="tx1"/>
+          </a:fontRef>
+        </p:style>
+      </p:cxnSp>
+      <p:sp>
+        <p:nvSpPr>
+          <p:cNvPr id="99" name="TextBox 98">
+            <a:extLst>
+              <a:ext uri="{FF2B5EF4-FFF2-40B4-BE49-F238E27FC236}">
+                <a16:creationId xmlns:a16="http://schemas.microsoft.com/office/drawing/2014/main" id="{EEE753AE-24A3-4BE8-9850-27F5A2A9622B}"/>
+              </a:ext>
+            </a:extLst>
+          </p:cNvPr>
+          <p:cNvSpPr txBox="1"/>
+          <p:nvPr/>
+        </p:nvSpPr>
+        <p:spPr>
+          <a:xfrm>
+            <a:off x="2424343" y="105623"/>
+            <a:ext cx="1449281" cy="369332"/>
+          </a:xfrm>
+          <a:prstGeom prst="rect">
+            <a:avLst/>
+          </a:prstGeom>
+          <a:noFill/>
+          <a:ln>
+            <a:solidFill>
+              <a:schemeClr val="tx1"/>
+            </a:solidFill>
+          </a:ln>
+        </p:spPr>
+        <p:txBody>
+          <a:bodyPr wrap="square" rtlCol="0">
+            <a:spAutoFit/>
+          </a:bodyPr>
+          <a:lstStyle/>
+          <a:p>
+            <a:r>
+              <a:rPr lang="en-US" altLang="ko-KR" dirty="0" err="1"/>
+              <a:t>myFileTab</a:t>
+            </a:r>
+            <a:endParaRPr lang="ko-KR" altLang="en-US" dirty="0"/>
+          </a:p>
+        </p:txBody>
+      </p:sp>
+      <p:cxnSp>
+        <p:nvCxnSpPr>
+          <p:cNvPr id="104" name="직선 연결선 103">
+            <a:extLst>
+              <a:ext uri="{FF2B5EF4-FFF2-40B4-BE49-F238E27FC236}">
+                <a16:creationId xmlns:a16="http://schemas.microsoft.com/office/drawing/2014/main" id="{62072CDE-1546-41CD-9602-24EDB1E7B39B}"/>
+              </a:ext>
+            </a:extLst>
+          </p:cNvPr>
+          <p:cNvCxnSpPr>
+            <a:stCxn id="15" idx="0"/>
+            <a:endCxn id="99" idx="2"/>
+          </p:cNvCxnSpPr>
+          <p:nvPr/>
+        </p:nvCxnSpPr>
+        <p:spPr>
+          <a:xfrm flipH="1" flipV="1">
+            <a:off x="3148984" y="474955"/>
+            <a:ext cx="1569019" cy="973870"/>
+          </a:xfrm>
+          <a:prstGeom prst="line">
+            <a:avLst/>
+          </a:prstGeom>
+        </p:spPr>
+        <p:style>
+          <a:lnRef idx="1">
+            <a:schemeClr val="accent1"/>
+          </a:lnRef>
+          <a:fillRef idx="0">
+            <a:schemeClr val="accent1"/>
+          </a:fillRef>
+          <a:effectRef idx="0">
+            <a:schemeClr val="accent1"/>
+          </a:effectRef>
+          <a:fontRef idx="minor">
+            <a:schemeClr val="tx1"/>
+          </a:fontRef>
+        </p:style>
+      </p:cxnSp>
+      <p:sp>
+        <p:nvSpPr>
+          <p:cNvPr id="105" name="TextBox 104">
+            <a:extLst>
+              <a:ext uri="{FF2B5EF4-FFF2-40B4-BE49-F238E27FC236}">
+                <a16:creationId xmlns:a16="http://schemas.microsoft.com/office/drawing/2014/main" id="{13AFBB92-72B5-4B85-998D-16BB341FAC22}"/>
+              </a:ext>
+            </a:extLst>
+          </p:cNvPr>
+          <p:cNvSpPr txBox="1"/>
+          <p:nvPr/>
+        </p:nvSpPr>
+        <p:spPr>
+          <a:xfrm>
+            <a:off x="221664" y="3371238"/>
+            <a:ext cx="1305291" cy="369332"/>
+          </a:xfrm>
+          <a:prstGeom prst="rect">
+            <a:avLst/>
+          </a:prstGeom>
+          <a:noFill/>
+          <a:ln>
+            <a:solidFill>
+              <a:schemeClr val="tx1"/>
+            </a:solidFill>
+          </a:ln>
+        </p:spPr>
+        <p:txBody>
+          <a:bodyPr wrap="square" rtlCol="0">
+            <a:spAutoFit/>
+          </a:bodyPr>
+          <a:lstStyle/>
+          <a:p>
+            <a:r>
+              <a:rPr lang="en-US" altLang="ko-KR" dirty="0" err="1"/>
+              <a:t>pathLabel</a:t>
+            </a:r>
+            <a:endParaRPr lang="ko-KR" altLang="en-US" dirty="0"/>
+          </a:p>
+        </p:txBody>
+      </p:sp>
+      <p:cxnSp>
+        <p:nvCxnSpPr>
+          <p:cNvPr id="109" name="직선 연결선 108">
+            <a:extLst>
+              <a:ext uri="{FF2B5EF4-FFF2-40B4-BE49-F238E27FC236}">
+                <a16:creationId xmlns:a16="http://schemas.microsoft.com/office/drawing/2014/main" id="{3ADB6A87-13E7-41FB-A87B-DD907F3C71C5}"/>
+              </a:ext>
+            </a:extLst>
+          </p:cNvPr>
+          <p:cNvCxnSpPr>
+            <a:cxnSpLocks/>
+            <a:stCxn id="55" idx="1"/>
+            <a:endCxn id="105" idx="0"/>
+          </p:cNvCxnSpPr>
+          <p:nvPr/>
+        </p:nvCxnSpPr>
+        <p:spPr>
+          <a:xfrm flipH="1">
+            <a:off x="874310" y="2343207"/>
+            <a:ext cx="338053" cy="1028031"/>
+          </a:xfrm>
+          <a:prstGeom prst="line">
+            <a:avLst/>
+          </a:prstGeom>
+        </p:spPr>
+        <p:style>
+          <a:lnRef idx="1">
+            <a:schemeClr val="accent1"/>
+          </a:lnRef>
+          <a:fillRef idx="0">
+            <a:schemeClr val="accent1"/>
+          </a:fillRef>
+          <a:effectRef idx="0">
+            <a:schemeClr val="accent1"/>
+          </a:effectRef>
+          <a:fontRef idx="minor">
+            <a:schemeClr val="tx1"/>
+          </a:fontRef>
+        </p:style>
+      </p:cxnSp>
+      <p:sp>
+        <p:nvSpPr>
+          <p:cNvPr id="112" name="TextBox 111">
+            <a:extLst>
+              <a:ext uri="{FF2B5EF4-FFF2-40B4-BE49-F238E27FC236}">
+                <a16:creationId xmlns:a16="http://schemas.microsoft.com/office/drawing/2014/main" id="{BB2BE79E-4A20-46B9-B283-3804D8F6ABCA}"/>
+              </a:ext>
+            </a:extLst>
+          </p:cNvPr>
+          <p:cNvSpPr txBox="1"/>
+          <p:nvPr/>
+        </p:nvSpPr>
+        <p:spPr>
+          <a:xfrm>
+            <a:off x="2481304" y="3470226"/>
+            <a:ext cx="1449281" cy="369332"/>
+          </a:xfrm>
+          <a:prstGeom prst="rect">
+            <a:avLst/>
+          </a:prstGeom>
+          <a:noFill/>
+          <a:ln>
+            <a:solidFill>
+              <a:schemeClr val="tx1"/>
+            </a:solidFill>
+          </a:ln>
+        </p:spPr>
+        <p:txBody>
+          <a:bodyPr wrap="square" rtlCol="0">
+            <a:spAutoFit/>
+          </a:bodyPr>
+          <a:lstStyle/>
+          <a:p>
+            <a:r>
+              <a:rPr lang="en-US" altLang="ko-KR" dirty="0" err="1"/>
+              <a:t>pathButton</a:t>
+            </a:r>
+            <a:endParaRPr lang="ko-KR" altLang="en-US" dirty="0"/>
+          </a:p>
+        </p:txBody>
+      </p:sp>
+      <p:cxnSp>
+        <p:nvCxnSpPr>
+          <p:cNvPr id="114" name="직선 연결선 113">
+            <a:extLst>
+              <a:ext uri="{FF2B5EF4-FFF2-40B4-BE49-F238E27FC236}">
+                <a16:creationId xmlns:a16="http://schemas.microsoft.com/office/drawing/2014/main" id="{855C412B-093B-4337-8887-FA58642E8A20}"/>
+              </a:ext>
+            </a:extLst>
+          </p:cNvPr>
+          <p:cNvCxnSpPr>
+            <a:stCxn id="54" idx="2"/>
+            <a:endCxn id="112" idx="0"/>
+          </p:cNvCxnSpPr>
+          <p:nvPr/>
+        </p:nvCxnSpPr>
+        <p:spPr>
+          <a:xfrm flipH="1">
+            <a:off x="3205945" y="2476810"/>
+            <a:ext cx="1322446" cy="993416"/>
+          </a:xfrm>
+          <a:prstGeom prst="line">
+            <a:avLst/>
+          </a:prstGeom>
+        </p:spPr>
+        <p:style>
+          <a:lnRef idx="1">
+            <a:schemeClr val="accent1"/>
+          </a:lnRef>
+          <a:fillRef idx="0">
+            <a:schemeClr val="accent1"/>
+          </a:fillRef>
+          <a:effectRef idx="0">
+            <a:schemeClr val="accent1"/>
+          </a:effectRef>
+          <a:fontRef idx="minor">
+            <a:schemeClr val="tx1"/>
+          </a:fontRef>
+        </p:style>
+      </p:cxnSp>
+      <p:sp>
+        <p:nvSpPr>
+          <p:cNvPr id="116" name="TextBox 115">
+            <a:extLst>
+              <a:ext uri="{FF2B5EF4-FFF2-40B4-BE49-F238E27FC236}">
+                <a16:creationId xmlns:a16="http://schemas.microsoft.com/office/drawing/2014/main" id="{0499EB61-D7FB-44D6-ACA1-DA2068267067}"/>
+              </a:ext>
+            </a:extLst>
+          </p:cNvPr>
+          <p:cNvSpPr txBox="1"/>
+          <p:nvPr/>
+        </p:nvSpPr>
+        <p:spPr>
+          <a:xfrm>
+            <a:off x="2761578" y="4707393"/>
+            <a:ext cx="1789915" cy="369332"/>
+          </a:xfrm>
+          <a:prstGeom prst="rect">
+            <a:avLst/>
+          </a:prstGeom>
+          <a:noFill/>
+          <a:ln>
+            <a:solidFill>
+              <a:schemeClr val="tx1"/>
+            </a:solidFill>
+          </a:ln>
+        </p:spPr>
+        <p:txBody>
+          <a:bodyPr wrap="square" rtlCol="0">
+            <a:spAutoFit/>
+          </a:bodyPr>
+          <a:lstStyle/>
+          <a:p>
+            <a:r>
+              <a:rPr lang="en-US" altLang="ko-KR" dirty="0" err="1"/>
+              <a:t>myFileScrollBar</a:t>
+            </a:r>
+            <a:endParaRPr lang="ko-KR" altLang="en-US" dirty="0"/>
+          </a:p>
+        </p:txBody>
+      </p:sp>
+      <p:cxnSp>
+        <p:nvCxnSpPr>
+          <p:cNvPr id="120" name="직선 연결선 119">
+            <a:extLst>
+              <a:ext uri="{FF2B5EF4-FFF2-40B4-BE49-F238E27FC236}">
+                <a16:creationId xmlns:a16="http://schemas.microsoft.com/office/drawing/2014/main" id="{85D66D72-E747-4603-9421-D35BEEE10F75}"/>
+              </a:ext>
+            </a:extLst>
+          </p:cNvPr>
+          <p:cNvCxnSpPr>
+            <a:cxnSpLocks/>
+            <a:stCxn id="30" idx="1"/>
+            <a:endCxn id="116" idx="0"/>
+          </p:cNvCxnSpPr>
+          <p:nvPr/>
+        </p:nvCxnSpPr>
+        <p:spPr>
+          <a:xfrm flipH="1">
+            <a:off x="3656536" y="3524428"/>
+            <a:ext cx="1403737" cy="1182965"/>
+          </a:xfrm>
+          <a:prstGeom prst="line">
+            <a:avLst/>
+          </a:prstGeom>
+        </p:spPr>
+        <p:style>
+          <a:lnRef idx="1">
+            <a:schemeClr val="accent1"/>
+          </a:lnRef>
+          <a:fillRef idx="0">
+            <a:schemeClr val="accent1"/>
+          </a:fillRef>
+          <a:effectRef idx="0">
+            <a:schemeClr val="accent1"/>
+          </a:effectRef>
+          <a:fontRef idx="minor">
+            <a:schemeClr val="tx1"/>
+          </a:fontRef>
+        </p:style>
+      </p:cxnSp>
     </p:spTree>
     <p:extLst>
       <p:ext uri="{BB962C8B-B14F-4D97-AF65-F5344CB8AC3E}">
@@ -12025,6 +13777,127 @@
           </a:p>
         </p:txBody>
       </p:sp>
+      <p:sp>
+        <p:nvSpPr>
+          <p:cNvPr id="28" name="TextBox 27">
+            <a:extLst>
+              <a:ext uri="{FF2B5EF4-FFF2-40B4-BE49-F238E27FC236}">
+                <a16:creationId xmlns:a16="http://schemas.microsoft.com/office/drawing/2014/main" id="{575854DD-D8C2-4A1C-9670-0B6A6A67CCA0}"/>
+              </a:ext>
+            </a:extLst>
+          </p:cNvPr>
+          <p:cNvSpPr txBox="1"/>
+          <p:nvPr/>
+        </p:nvSpPr>
+        <p:spPr>
+          <a:xfrm>
+            <a:off x="6235083" y="781204"/>
+            <a:ext cx="2207582" cy="369332"/>
+          </a:xfrm>
+          <a:prstGeom prst="rect">
+            <a:avLst/>
+          </a:prstGeom>
+          <a:noFill/>
+          <a:ln>
+            <a:solidFill>
+              <a:schemeClr val="tx1"/>
+            </a:solidFill>
+          </a:ln>
+        </p:spPr>
+        <p:txBody>
+          <a:bodyPr wrap="square" rtlCol="0">
+            <a:spAutoFit/>
+          </a:bodyPr>
+          <a:lstStyle/>
+          <a:p>
+            <a:r>
+              <a:rPr lang="ko-KR" altLang="en-US" dirty="0"/>
+              <a:t>재생목록 누른 화면</a:t>
+            </a:r>
+          </a:p>
+        </p:txBody>
+      </p:sp>
+      <p:sp>
+        <p:nvSpPr>
+          <p:cNvPr id="29" name="TextBox 28">
+            <a:extLst>
+              <a:ext uri="{FF2B5EF4-FFF2-40B4-BE49-F238E27FC236}">
+                <a16:creationId xmlns:a16="http://schemas.microsoft.com/office/drawing/2014/main" id="{73461655-D904-4C76-92B4-6CCE2614A01D}"/>
+              </a:ext>
+            </a:extLst>
+          </p:cNvPr>
+          <p:cNvSpPr txBox="1"/>
+          <p:nvPr/>
+        </p:nvSpPr>
+        <p:spPr>
+          <a:xfrm>
+            <a:off x="6872869" y="3417903"/>
+            <a:ext cx="1969290" cy="369332"/>
+          </a:xfrm>
+          <a:prstGeom prst="rect">
+            <a:avLst/>
+          </a:prstGeom>
+          <a:noFill/>
+          <a:ln>
+            <a:solidFill>
+              <a:schemeClr val="tx1"/>
+            </a:solidFill>
+          </a:ln>
+        </p:spPr>
+        <p:txBody>
+          <a:bodyPr wrap="square" rtlCol="0">
+            <a:spAutoFit/>
+          </a:bodyPr>
+          <a:lstStyle/>
+          <a:p>
+            <a:r>
+              <a:rPr lang="en-US" altLang="ko-KR" dirty="0" err="1"/>
+              <a:t>playListScrollBar</a:t>
+            </a:r>
+            <a:endParaRPr lang="ko-KR" altLang="en-US" dirty="0"/>
+          </a:p>
+        </p:txBody>
+      </p:sp>
+      <p:cxnSp>
+        <p:nvCxnSpPr>
+          <p:cNvPr id="3" name="직선 연결선 2">
+            <a:extLst>
+              <a:ext uri="{FF2B5EF4-FFF2-40B4-BE49-F238E27FC236}">
+                <a16:creationId xmlns:a16="http://schemas.microsoft.com/office/drawing/2014/main" id="{561302A8-C9A7-44C2-ADC0-EBFF06CDB271}"/>
+              </a:ext>
+            </a:extLst>
+          </p:cNvPr>
+          <p:cNvCxnSpPr>
+            <a:cxnSpLocks/>
+            <a:stCxn id="22" idx="3"/>
+            <a:endCxn id="29" idx="1"/>
+          </p:cNvCxnSpPr>
+          <p:nvPr/>
+        </p:nvCxnSpPr>
+        <p:spPr>
+          <a:xfrm>
+            <a:off x="5375920" y="2681053"/>
+            <a:ext cx="1496949" cy="921516"/>
+          </a:xfrm>
+          <a:prstGeom prst="line">
+            <a:avLst/>
+          </a:prstGeom>
+        </p:spPr>
+        <p:style>
+          <a:lnRef idx="1">
+            <a:schemeClr val="accent1"/>
+          </a:lnRef>
+          <a:fillRef idx="0">
+            <a:schemeClr val="accent1"/>
+          </a:fillRef>
+          <a:effectRef idx="0">
+            <a:schemeClr val="accent1"/>
+          </a:effectRef>
+          <a:fontRef idx="minor">
+            <a:schemeClr val="tx1"/>
+          </a:fontRef>
+        </p:style>
+      </p:cxnSp>
     </p:spTree>
     <p:extLst>
       <p:ext uri="{BB962C8B-B14F-4D97-AF65-F5344CB8AC3E}">

--- a/docs/디자인이름짓기.pptx
+++ b/docs/디자인이름짓기.pptx
@@ -9,6 +9,7 @@
     <p:sldId id="257" r:id="rId3"/>
     <p:sldId id="258" r:id="rId4"/>
     <p:sldId id="259" r:id="rId5"/>
+    <p:sldId id="261" r:id="rId6"/>
   </p:sldIdLst>
   <p:sldSz cx="12192000" cy="6858000"/>
   <p:notesSz cx="6858000" cy="9144000"/>
@@ -262,7 +263,7 @@
           <a:p>
             <a:fld id="{760AB4A2-2E5F-4481-AEF4-893E702E4865}" type="datetimeFigureOut">
               <a:rPr lang="ko-KR" altLang="en-US" smtClean="0"/>
-              <a:t>2019-11-21</a:t>
+              <a:t>2019-11-26</a:t>
             </a:fld>
             <a:endParaRPr lang="ko-KR" altLang="en-US"/>
           </a:p>
@@ -460,7 +461,7 @@
           <a:p>
             <a:fld id="{760AB4A2-2E5F-4481-AEF4-893E702E4865}" type="datetimeFigureOut">
               <a:rPr lang="ko-KR" altLang="en-US" smtClean="0"/>
-              <a:t>2019-11-21</a:t>
+              <a:t>2019-11-26</a:t>
             </a:fld>
             <a:endParaRPr lang="ko-KR" altLang="en-US"/>
           </a:p>
@@ -668,7 +669,7 @@
           <a:p>
             <a:fld id="{760AB4A2-2E5F-4481-AEF4-893E702E4865}" type="datetimeFigureOut">
               <a:rPr lang="ko-KR" altLang="en-US" smtClean="0"/>
-              <a:t>2019-11-21</a:t>
+              <a:t>2019-11-26</a:t>
             </a:fld>
             <a:endParaRPr lang="ko-KR" altLang="en-US"/>
           </a:p>
@@ -866,7 +867,7 @@
           <a:p>
             <a:fld id="{760AB4A2-2E5F-4481-AEF4-893E702E4865}" type="datetimeFigureOut">
               <a:rPr lang="ko-KR" altLang="en-US" smtClean="0"/>
-              <a:t>2019-11-21</a:t>
+              <a:t>2019-11-26</a:t>
             </a:fld>
             <a:endParaRPr lang="ko-KR" altLang="en-US"/>
           </a:p>
@@ -1141,7 +1142,7 @@
           <a:p>
             <a:fld id="{760AB4A2-2E5F-4481-AEF4-893E702E4865}" type="datetimeFigureOut">
               <a:rPr lang="ko-KR" altLang="en-US" smtClean="0"/>
-              <a:t>2019-11-21</a:t>
+              <a:t>2019-11-26</a:t>
             </a:fld>
             <a:endParaRPr lang="ko-KR" altLang="en-US"/>
           </a:p>
@@ -1406,7 +1407,7 @@
           <a:p>
             <a:fld id="{760AB4A2-2E5F-4481-AEF4-893E702E4865}" type="datetimeFigureOut">
               <a:rPr lang="ko-KR" altLang="en-US" smtClean="0"/>
-              <a:t>2019-11-21</a:t>
+              <a:t>2019-11-26</a:t>
             </a:fld>
             <a:endParaRPr lang="ko-KR" altLang="en-US"/>
           </a:p>
@@ -1818,7 +1819,7 @@
           <a:p>
             <a:fld id="{760AB4A2-2E5F-4481-AEF4-893E702E4865}" type="datetimeFigureOut">
               <a:rPr lang="ko-KR" altLang="en-US" smtClean="0"/>
-              <a:t>2019-11-21</a:t>
+              <a:t>2019-11-26</a:t>
             </a:fld>
             <a:endParaRPr lang="ko-KR" altLang="en-US"/>
           </a:p>
@@ -1959,7 +1960,7 @@
           <a:p>
             <a:fld id="{760AB4A2-2E5F-4481-AEF4-893E702E4865}" type="datetimeFigureOut">
               <a:rPr lang="ko-KR" altLang="en-US" smtClean="0"/>
-              <a:t>2019-11-21</a:t>
+              <a:t>2019-11-26</a:t>
             </a:fld>
             <a:endParaRPr lang="ko-KR" altLang="en-US"/>
           </a:p>
@@ -2072,7 +2073,7 @@
           <a:p>
             <a:fld id="{760AB4A2-2E5F-4481-AEF4-893E702E4865}" type="datetimeFigureOut">
               <a:rPr lang="ko-KR" altLang="en-US" smtClean="0"/>
-              <a:t>2019-11-21</a:t>
+              <a:t>2019-11-26</a:t>
             </a:fld>
             <a:endParaRPr lang="ko-KR" altLang="en-US"/>
           </a:p>
@@ -2383,7 +2384,7 @@
           <a:p>
             <a:fld id="{760AB4A2-2E5F-4481-AEF4-893E702E4865}" type="datetimeFigureOut">
               <a:rPr lang="ko-KR" altLang="en-US" smtClean="0"/>
-              <a:t>2019-11-21</a:t>
+              <a:t>2019-11-26</a:t>
             </a:fld>
             <a:endParaRPr lang="ko-KR" altLang="en-US"/>
           </a:p>
@@ -2671,7 +2672,7 @@
           <a:p>
             <a:fld id="{760AB4A2-2E5F-4481-AEF4-893E702E4865}" type="datetimeFigureOut">
               <a:rPr lang="ko-KR" altLang="en-US" smtClean="0"/>
-              <a:t>2019-11-21</a:t>
+              <a:t>2019-11-26</a:t>
             </a:fld>
             <a:endParaRPr lang="ko-KR" altLang="en-US"/>
           </a:p>
@@ -2912,7 +2913,7 @@
           <a:p>
             <a:fld id="{760AB4A2-2E5F-4481-AEF4-893E702E4865}" type="datetimeFigureOut">
               <a:rPr lang="ko-KR" altLang="en-US" smtClean="0"/>
-              <a:t>2019-11-21</a:t>
+              <a:t>2019-11-26</a:t>
             </a:fld>
             <a:endParaRPr lang="ko-KR" altLang="en-US"/>
           </a:p>
@@ -6357,6 +6358,86 @@
           </a:p>
         </p:txBody>
       </p:sp>
+      <p:sp>
+        <p:nvSpPr>
+          <p:cNvPr id="76" name="TextBox 75">
+            <a:extLst>
+              <a:ext uri="{FF2B5EF4-FFF2-40B4-BE49-F238E27FC236}">
+                <a16:creationId xmlns:a16="http://schemas.microsoft.com/office/drawing/2014/main" id="{ED445CA8-8956-4EFC-A28F-AE9CE7BA5A1F}"/>
+              </a:ext>
+            </a:extLst>
+          </p:cNvPr>
+          <p:cNvSpPr txBox="1"/>
+          <p:nvPr/>
+        </p:nvSpPr>
+        <p:spPr>
+          <a:xfrm>
+            <a:off x="-42908" y="2007061"/>
+            <a:ext cx="1651247" cy="369332"/>
+          </a:xfrm>
+          <a:prstGeom prst="rect">
+            <a:avLst/>
+          </a:prstGeom>
+          <a:noFill/>
+          <a:ln>
+            <a:solidFill>
+              <a:schemeClr val="tx1"/>
+            </a:solidFill>
+          </a:ln>
+        </p:spPr>
+        <p:txBody>
+          <a:bodyPr wrap="square" rtlCol="0">
+            <a:spAutoFit/>
+          </a:bodyPr>
+          <a:lstStyle/>
+          <a:p>
+            <a:r>
+              <a:rPr lang="en-US" altLang="ko-KR" dirty="0" err="1"/>
+              <a:t>musicImage</a:t>
+            </a:r>
+            <a:endParaRPr lang="ko-KR" altLang="en-US" dirty="0"/>
+          </a:p>
+        </p:txBody>
+      </p:sp>
+      <p:cxnSp>
+        <p:nvCxnSpPr>
+          <p:cNvPr id="7" name="직선 연결선 6">
+            <a:extLst>
+              <a:ext uri="{FF2B5EF4-FFF2-40B4-BE49-F238E27FC236}">
+                <a16:creationId xmlns:a16="http://schemas.microsoft.com/office/drawing/2014/main" id="{1504C5EF-BBA5-46E5-96A8-72647BB000DA}"/>
+              </a:ext>
+            </a:extLst>
+          </p:cNvPr>
+          <p:cNvCxnSpPr>
+            <a:stCxn id="19" idx="1"/>
+            <a:endCxn id="76" idx="2"/>
+          </p:cNvCxnSpPr>
+          <p:nvPr/>
+        </p:nvCxnSpPr>
+        <p:spPr>
+          <a:xfrm flipH="1" flipV="1">
+            <a:off x="782716" y="2376393"/>
+            <a:ext cx="985420" cy="326824"/>
+          </a:xfrm>
+          <a:prstGeom prst="line">
+            <a:avLst/>
+          </a:prstGeom>
+        </p:spPr>
+        <p:style>
+          <a:lnRef idx="1">
+            <a:schemeClr val="accent1"/>
+          </a:lnRef>
+          <a:fillRef idx="0">
+            <a:schemeClr val="accent1"/>
+          </a:fillRef>
+          <a:effectRef idx="0">
+            <a:schemeClr val="accent1"/>
+          </a:effectRef>
+          <a:fontRef idx="minor">
+            <a:schemeClr val="tx1"/>
+          </a:fontRef>
+        </p:style>
+      </p:cxnSp>
     </p:spTree>
     <p:extLst>
       <p:ext uri="{BB962C8B-B14F-4D97-AF65-F5344CB8AC3E}">
@@ -13902,6 +13983,2855 @@
     <p:extLst>
       <p:ext uri="{BB962C8B-B14F-4D97-AF65-F5344CB8AC3E}">
         <p14:creationId xmlns:p14="http://schemas.microsoft.com/office/powerpoint/2010/main" val="909815734"/>
+      </p:ext>
+    </p:extLst>
+  </p:cSld>
+  <p:clrMapOvr>
+    <a:masterClrMapping/>
+  </p:clrMapOvr>
+</p:sld>
+</file>
+
+<file path=ppt/slides/slide5.xml><?xml version="1.0" encoding="utf-8"?>
+<p:sld xmlns:a="http://schemas.openxmlformats.org/drawingml/2006/main" xmlns:r="http://schemas.openxmlformats.org/officeDocument/2006/relationships" xmlns:p="http://schemas.openxmlformats.org/presentationml/2006/main">
+  <p:cSld>
+    <p:spTree>
+      <p:nvGrpSpPr>
+        <p:cNvPr id="1" name=""/>
+        <p:cNvGrpSpPr/>
+        <p:nvPr/>
+      </p:nvGrpSpPr>
+      <p:grpSpPr>
+        <a:xfrm>
+          <a:off x="0" y="0"/>
+          <a:ext cx="0" cy="0"/>
+          <a:chOff x="0" y="0"/>
+          <a:chExt cx="0" cy="0"/>
+        </a:xfrm>
+      </p:grpSpPr>
+      <p:grpSp>
+        <p:nvGrpSpPr>
+          <p:cNvPr id="7" name="그룹 6">
+            <a:extLst>
+              <a:ext uri="{FF2B5EF4-FFF2-40B4-BE49-F238E27FC236}">
+                <a16:creationId xmlns:a16="http://schemas.microsoft.com/office/drawing/2014/main" id="{886DD2F6-8926-4C5C-A66B-457154EA12D4}"/>
+              </a:ext>
+            </a:extLst>
+          </p:cNvPr>
+          <p:cNvGrpSpPr/>
+          <p:nvPr/>
+        </p:nvGrpSpPr>
+        <p:grpSpPr>
+          <a:xfrm>
+            <a:off x="479394" y="754602"/>
+            <a:ext cx="11101369" cy="4961739"/>
+            <a:chOff x="-393762" y="244356"/>
+            <a:chExt cx="12986580" cy="5782703"/>
+          </a:xfrm>
+        </p:grpSpPr>
+        <p:grpSp>
+          <p:nvGrpSpPr>
+            <p:cNvPr id="5" name="그룹 4">
+              <a:extLst>
+                <a:ext uri="{FF2B5EF4-FFF2-40B4-BE49-F238E27FC236}">
+                  <a16:creationId xmlns:a16="http://schemas.microsoft.com/office/drawing/2014/main" id="{091EAF45-0D4F-462D-88FE-5AB78DDC8183}"/>
+                </a:ext>
+              </a:extLst>
+            </p:cNvPr>
+            <p:cNvGrpSpPr/>
+            <p:nvPr/>
+          </p:nvGrpSpPr>
+          <p:grpSpPr>
+            <a:xfrm>
+              <a:off x="-393762" y="244356"/>
+              <a:ext cx="8655728" cy="5782703"/>
+              <a:chOff x="1768136" y="520443"/>
+              <a:chExt cx="8655728" cy="5782703"/>
+            </a:xfrm>
+          </p:grpSpPr>
+          <p:sp>
+            <p:nvSpPr>
+              <p:cNvPr id="43" name="직사각형 42">
+                <a:extLst>
+                  <a:ext uri="{FF2B5EF4-FFF2-40B4-BE49-F238E27FC236}">
+                    <a16:creationId xmlns:a16="http://schemas.microsoft.com/office/drawing/2014/main" id="{9199660F-430F-4761-9AE5-0E815CDD1875}"/>
+                  </a:ext>
+                </a:extLst>
+              </p:cNvPr>
+              <p:cNvSpPr/>
+              <p:nvPr/>
+            </p:nvSpPr>
+            <p:spPr>
+              <a:xfrm>
+                <a:off x="1768136" y="541538"/>
+                <a:ext cx="8655728" cy="5761608"/>
+              </a:xfrm>
+              <a:prstGeom prst="rect">
+                <a:avLst/>
+              </a:prstGeom>
+              <a:noFill/>
+              <a:ln>
+                <a:solidFill>
+                  <a:schemeClr val="accent1"/>
+                </a:solidFill>
+              </a:ln>
+            </p:spPr>
+            <p:style>
+              <a:lnRef idx="2">
+                <a:schemeClr val="accent1">
+                  <a:shade val="50000"/>
+                </a:schemeClr>
+              </a:lnRef>
+              <a:fillRef idx="1">
+                <a:schemeClr val="accent1"/>
+              </a:fillRef>
+              <a:effectRef idx="0">
+                <a:schemeClr val="accent1"/>
+              </a:effectRef>
+              <a:fontRef idx="minor">
+                <a:schemeClr val="lt1"/>
+              </a:fontRef>
+            </p:style>
+            <p:txBody>
+              <a:bodyPr rtlCol="0" anchor="ctr"/>
+              <a:lstStyle/>
+              <a:p>
+                <a:pPr algn="ctr"/>
+                <a:endParaRPr lang="ko-KR" altLang="en-US"/>
+              </a:p>
+            </p:txBody>
+          </p:sp>
+          <p:cxnSp>
+            <p:nvCxnSpPr>
+              <p:cNvPr id="45" name="직선 연결선 44">
+                <a:extLst>
+                  <a:ext uri="{FF2B5EF4-FFF2-40B4-BE49-F238E27FC236}">
+                    <a16:creationId xmlns:a16="http://schemas.microsoft.com/office/drawing/2014/main" id="{080472D4-C30B-4F77-8CA5-FA933665BF9F}"/>
+                  </a:ext>
+                </a:extLst>
+              </p:cNvPr>
+              <p:cNvCxnSpPr/>
+              <p:nvPr/>
+            </p:nvCxnSpPr>
+            <p:spPr>
+              <a:xfrm>
+                <a:off x="1768136" y="905522"/>
+                <a:ext cx="8655728" cy="0"/>
+              </a:xfrm>
+              <a:prstGeom prst="line">
+                <a:avLst/>
+              </a:prstGeom>
+            </p:spPr>
+            <p:style>
+              <a:lnRef idx="1">
+                <a:schemeClr val="accent1"/>
+              </a:lnRef>
+              <a:fillRef idx="0">
+                <a:schemeClr val="accent1"/>
+              </a:fillRef>
+              <a:effectRef idx="0">
+                <a:schemeClr val="accent1"/>
+              </a:effectRef>
+              <a:fontRef idx="minor">
+                <a:schemeClr val="tx1"/>
+              </a:fontRef>
+            </p:style>
+          </p:cxnSp>
+          <p:cxnSp>
+            <p:nvCxnSpPr>
+              <p:cNvPr id="47" name="직선 연결선 46">
+                <a:extLst>
+                  <a:ext uri="{FF2B5EF4-FFF2-40B4-BE49-F238E27FC236}">
+                    <a16:creationId xmlns:a16="http://schemas.microsoft.com/office/drawing/2014/main" id="{D03EA6E5-8CDD-4021-971A-91179E9B25AF}"/>
+                  </a:ext>
+                </a:extLst>
+              </p:cNvPr>
+              <p:cNvCxnSpPr/>
+              <p:nvPr/>
+            </p:nvCxnSpPr>
+            <p:spPr>
+              <a:xfrm>
+                <a:off x="8256233" y="905522"/>
+                <a:ext cx="0" cy="5397624"/>
+              </a:xfrm>
+              <a:prstGeom prst="line">
+                <a:avLst/>
+              </a:prstGeom>
+            </p:spPr>
+            <p:style>
+              <a:lnRef idx="1">
+                <a:schemeClr val="accent1"/>
+              </a:lnRef>
+              <a:fillRef idx="0">
+                <a:schemeClr val="accent1"/>
+              </a:fillRef>
+              <a:effectRef idx="0">
+                <a:schemeClr val="accent1"/>
+              </a:effectRef>
+              <a:fontRef idx="minor">
+                <a:schemeClr val="tx1"/>
+              </a:fontRef>
+            </p:style>
+          </p:cxnSp>
+          <p:cxnSp>
+            <p:nvCxnSpPr>
+              <p:cNvPr id="49" name="직선 연결선 48">
+                <a:extLst>
+                  <a:ext uri="{FF2B5EF4-FFF2-40B4-BE49-F238E27FC236}">
+                    <a16:creationId xmlns:a16="http://schemas.microsoft.com/office/drawing/2014/main" id="{91294A85-3E3B-442C-BFE7-7BAC4BF11C53}"/>
+                  </a:ext>
+                </a:extLst>
+              </p:cNvPr>
+              <p:cNvCxnSpPr/>
+              <p:nvPr/>
+            </p:nvCxnSpPr>
+            <p:spPr>
+              <a:xfrm>
+                <a:off x="1768136" y="4500979"/>
+                <a:ext cx="6488097" cy="0"/>
+              </a:xfrm>
+              <a:prstGeom prst="line">
+                <a:avLst/>
+              </a:prstGeom>
+            </p:spPr>
+            <p:style>
+              <a:lnRef idx="1">
+                <a:schemeClr val="accent1"/>
+              </a:lnRef>
+              <a:fillRef idx="0">
+                <a:schemeClr val="accent1"/>
+              </a:fillRef>
+              <a:effectRef idx="0">
+                <a:schemeClr val="accent1"/>
+              </a:effectRef>
+              <a:fontRef idx="minor">
+                <a:schemeClr val="tx1"/>
+              </a:fontRef>
+            </p:style>
+          </p:cxnSp>
+          <p:cxnSp>
+            <p:nvCxnSpPr>
+              <p:cNvPr id="51" name="직선 연결선 50">
+                <a:extLst>
+                  <a:ext uri="{FF2B5EF4-FFF2-40B4-BE49-F238E27FC236}">
+                    <a16:creationId xmlns:a16="http://schemas.microsoft.com/office/drawing/2014/main" id="{1A681AD0-C8A7-49E4-9754-764C709CDB89}"/>
+                  </a:ext>
+                </a:extLst>
+              </p:cNvPr>
+              <p:cNvCxnSpPr/>
+              <p:nvPr/>
+            </p:nvCxnSpPr>
+            <p:spPr>
+              <a:xfrm>
+                <a:off x="1768136" y="4864963"/>
+                <a:ext cx="6488097" cy="0"/>
+              </a:xfrm>
+              <a:prstGeom prst="line">
+                <a:avLst/>
+              </a:prstGeom>
+            </p:spPr>
+            <p:style>
+              <a:lnRef idx="1">
+                <a:schemeClr val="accent1"/>
+              </a:lnRef>
+              <a:fillRef idx="0">
+                <a:schemeClr val="accent1"/>
+              </a:fillRef>
+              <a:effectRef idx="0">
+                <a:schemeClr val="accent1"/>
+              </a:effectRef>
+              <a:fontRef idx="minor">
+                <a:schemeClr val="tx1"/>
+              </a:fontRef>
+            </p:style>
+          </p:cxnSp>
+          <p:cxnSp>
+            <p:nvCxnSpPr>
+              <p:cNvPr id="53" name="직선 연결선 52">
+                <a:extLst>
+                  <a:ext uri="{FF2B5EF4-FFF2-40B4-BE49-F238E27FC236}">
+                    <a16:creationId xmlns:a16="http://schemas.microsoft.com/office/drawing/2014/main" id="{2BE53243-1795-4D83-893A-F267D64F04A4}"/>
+                  </a:ext>
+                </a:extLst>
+              </p:cNvPr>
+              <p:cNvCxnSpPr/>
+              <p:nvPr/>
+            </p:nvCxnSpPr>
+            <p:spPr>
+              <a:xfrm>
+                <a:off x="3213716" y="4864963"/>
+                <a:ext cx="0" cy="1438183"/>
+              </a:xfrm>
+              <a:prstGeom prst="line">
+                <a:avLst/>
+              </a:prstGeom>
+            </p:spPr>
+            <p:style>
+              <a:lnRef idx="1">
+                <a:schemeClr val="accent1"/>
+              </a:lnRef>
+              <a:fillRef idx="0">
+                <a:schemeClr val="accent1"/>
+              </a:fillRef>
+              <a:effectRef idx="0">
+                <a:schemeClr val="accent1"/>
+              </a:effectRef>
+              <a:fontRef idx="minor">
+                <a:schemeClr val="tx1"/>
+              </a:fontRef>
+            </p:style>
+          </p:cxnSp>
+          <p:cxnSp>
+            <p:nvCxnSpPr>
+              <p:cNvPr id="55" name="직선 연결선 54">
+                <a:extLst>
+                  <a:ext uri="{FF2B5EF4-FFF2-40B4-BE49-F238E27FC236}">
+                    <a16:creationId xmlns:a16="http://schemas.microsoft.com/office/drawing/2014/main" id="{17693C0B-EAAF-43D1-AB73-E99AA4DC603F}"/>
+                  </a:ext>
+                </a:extLst>
+              </p:cNvPr>
+              <p:cNvCxnSpPr/>
+              <p:nvPr/>
+            </p:nvCxnSpPr>
+            <p:spPr>
+              <a:xfrm>
+                <a:off x="4651899" y="4864963"/>
+                <a:ext cx="0" cy="1438183"/>
+              </a:xfrm>
+              <a:prstGeom prst="line">
+                <a:avLst/>
+              </a:prstGeom>
+            </p:spPr>
+            <p:style>
+              <a:lnRef idx="1">
+                <a:schemeClr val="accent1"/>
+              </a:lnRef>
+              <a:fillRef idx="0">
+                <a:schemeClr val="accent1"/>
+              </a:fillRef>
+              <a:effectRef idx="0">
+                <a:schemeClr val="accent1"/>
+              </a:effectRef>
+              <a:fontRef idx="minor">
+                <a:schemeClr val="tx1"/>
+              </a:fontRef>
+            </p:style>
+          </p:cxnSp>
+          <p:cxnSp>
+            <p:nvCxnSpPr>
+              <p:cNvPr id="57" name="직선 연결선 56">
+                <a:extLst>
+                  <a:ext uri="{FF2B5EF4-FFF2-40B4-BE49-F238E27FC236}">
+                    <a16:creationId xmlns:a16="http://schemas.microsoft.com/office/drawing/2014/main" id="{DABE7759-8C1E-482A-9252-15B40F29878A}"/>
+                  </a:ext>
+                </a:extLst>
+              </p:cNvPr>
+              <p:cNvCxnSpPr>
+                <a:endCxn id="43" idx="2"/>
+              </p:cNvCxnSpPr>
+              <p:nvPr/>
+            </p:nvCxnSpPr>
+            <p:spPr>
+              <a:xfrm>
+                <a:off x="6096000" y="4864963"/>
+                <a:ext cx="0" cy="1438183"/>
+              </a:xfrm>
+              <a:prstGeom prst="line">
+                <a:avLst/>
+              </a:prstGeom>
+            </p:spPr>
+            <p:style>
+              <a:lnRef idx="1">
+                <a:schemeClr val="accent1"/>
+              </a:lnRef>
+              <a:fillRef idx="0">
+                <a:schemeClr val="accent1"/>
+              </a:fillRef>
+              <a:effectRef idx="0">
+                <a:schemeClr val="accent1"/>
+              </a:effectRef>
+              <a:fontRef idx="minor">
+                <a:schemeClr val="tx1"/>
+              </a:fontRef>
+            </p:style>
+          </p:cxnSp>
+          <p:cxnSp>
+            <p:nvCxnSpPr>
+              <p:cNvPr id="59" name="직선 연결선 58">
+                <a:extLst>
+                  <a:ext uri="{FF2B5EF4-FFF2-40B4-BE49-F238E27FC236}">
+                    <a16:creationId xmlns:a16="http://schemas.microsoft.com/office/drawing/2014/main" id="{38D9C3FB-2448-483F-A07E-310080DA8BBB}"/>
+                  </a:ext>
+                </a:extLst>
+              </p:cNvPr>
+              <p:cNvCxnSpPr/>
+              <p:nvPr/>
+            </p:nvCxnSpPr>
+            <p:spPr>
+              <a:xfrm>
+                <a:off x="6096000" y="5584054"/>
+                <a:ext cx="2160233" cy="0"/>
+              </a:xfrm>
+              <a:prstGeom prst="line">
+                <a:avLst/>
+              </a:prstGeom>
+            </p:spPr>
+            <p:style>
+              <a:lnRef idx="1">
+                <a:schemeClr val="accent1"/>
+              </a:lnRef>
+              <a:fillRef idx="0">
+                <a:schemeClr val="accent1"/>
+              </a:fillRef>
+              <a:effectRef idx="0">
+                <a:schemeClr val="accent1"/>
+              </a:effectRef>
+              <a:fontRef idx="minor">
+                <a:schemeClr val="tx1"/>
+              </a:fontRef>
+            </p:style>
+          </p:cxnSp>
+          <p:cxnSp>
+            <p:nvCxnSpPr>
+              <p:cNvPr id="61" name="직선 연결선 60">
+                <a:extLst>
+                  <a:ext uri="{FF2B5EF4-FFF2-40B4-BE49-F238E27FC236}">
+                    <a16:creationId xmlns:a16="http://schemas.microsoft.com/office/drawing/2014/main" id="{EEDB6AE1-E128-4467-8B78-3469F3E7A480}"/>
+                  </a:ext>
+                </a:extLst>
+              </p:cNvPr>
+              <p:cNvCxnSpPr/>
+              <p:nvPr/>
+            </p:nvCxnSpPr>
+            <p:spPr>
+              <a:xfrm>
+                <a:off x="8256233" y="5584054"/>
+                <a:ext cx="2167631" cy="0"/>
+              </a:xfrm>
+              <a:prstGeom prst="line">
+                <a:avLst/>
+              </a:prstGeom>
+            </p:spPr>
+            <p:style>
+              <a:lnRef idx="1">
+                <a:schemeClr val="accent1"/>
+              </a:lnRef>
+              <a:fillRef idx="0">
+                <a:schemeClr val="accent1"/>
+              </a:fillRef>
+              <a:effectRef idx="0">
+                <a:schemeClr val="accent1"/>
+              </a:effectRef>
+              <a:fontRef idx="minor">
+                <a:schemeClr val="tx1"/>
+              </a:fontRef>
+            </p:style>
+          </p:cxnSp>
+          <p:cxnSp>
+            <p:nvCxnSpPr>
+              <p:cNvPr id="63" name="직선 연결선 62">
+                <a:extLst>
+                  <a:ext uri="{FF2B5EF4-FFF2-40B4-BE49-F238E27FC236}">
+                    <a16:creationId xmlns:a16="http://schemas.microsoft.com/office/drawing/2014/main" id="{99F72A09-0CE2-4876-A706-F4FF428ED955}"/>
+                  </a:ext>
+                </a:extLst>
+              </p:cNvPr>
+              <p:cNvCxnSpPr/>
+              <p:nvPr/>
+            </p:nvCxnSpPr>
+            <p:spPr>
+              <a:xfrm>
+                <a:off x="10058400" y="905522"/>
+                <a:ext cx="0" cy="4678532"/>
+              </a:xfrm>
+              <a:prstGeom prst="line">
+                <a:avLst/>
+              </a:prstGeom>
+            </p:spPr>
+            <p:style>
+              <a:lnRef idx="1">
+                <a:schemeClr val="accent1"/>
+              </a:lnRef>
+              <a:fillRef idx="0">
+                <a:schemeClr val="accent1"/>
+              </a:fillRef>
+              <a:effectRef idx="0">
+                <a:schemeClr val="accent1"/>
+              </a:effectRef>
+              <a:fontRef idx="minor">
+                <a:schemeClr val="tx1"/>
+              </a:fontRef>
+            </p:style>
+          </p:cxnSp>
+          <p:cxnSp>
+            <p:nvCxnSpPr>
+              <p:cNvPr id="65" name="직선 연결선 64">
+                <a:extLst>
+                  <a:ext uri="{FF2B5EF4-FFF2-40B4-BE49-F238E27FC236}">
+                    <a16:creationId xmlns:a16="http://schemas.microsoft.com/office/drawing/2014/main" id="{B6CCE607-196D-4BBD-822B-38C3DEB853D7}"/>
+                  </a:ext>
+                </a:extLst>
+              </p:cNvPr>
+              <p:cNvCxnSpPr/>
+              <p:nvPr/>
+            </p:nvCxnSpPr>
+            <p:spPr>
+              <a:xfrm>
+                <a:off x="10058400" y="1278384"/>
+                <a:ext cx="365464" cy="0"/>
+              </a:xfrm>
+              <a:prstGeom prst="line">
+                <a:avLst/>
+              </a:prstGeom>
+            </p:spPr>
+            <p:style>
+              <a:lnRef idx="1">
+                <a:schemeClr val="accent1"/>
+              </a:lnRef>
+              <a:fillRef idx="0">
+                <a:schemeClr val="accent1"/>
+              </a:fillRef>
+              <a:effectRef idx="0">
+                <a:schemeClr val="accent1"/>
+              </a:effectRef>
+              <a:fontRef idx="minor">
+                <a:schemeClr val="tx1"/>
+              </a:fontRef>
+            </p:style>
+          </p:cxnSp>
+          <p:cxnSp>
+            <p:nvCxnSpPr>
+              <p:cNvPr id="67" name="직선 연결선 66">
+                <a:extLst>
+                  <a:ext uri="{FF2B5EF4-FFF2-40B4-BE49-F238E27FC236}">
+                    <a16:creationId xmlns:a16="http://schemas.microsoft.com/office/drawing/2014/main" id="{75B28C72-A357-4887-BBF5-DE388BCBDA0F}"/>
+                  </a:ext>
+                </a:extLst>
+              </p:cNvPr>
+              <p:cNvCxnSpPr/>
+              <p:nvPr/>
+            </p:nvCxnSpPr>
+            <p:spPr>
+              <a:xfrm>
+                <a:off x="10058400" y="5211192"/>
+                <a:ext cx="365464" cy="0"/>
+              </a:xfrm>
+              <a:prstGeom prst="line">
+                <a:avLst/>
+              </a:prstGeom>
+            </p:spPr>
+            <p:style>
+              <a:lnRef idx="1">
+                <a:schemeClr val="accent1"/>
+              </a:lnRef>
+              <a:fillRef idx="0">
+                <a:schemeClr val="accent1"/>
+              </a:fillRef>
+              <a:effectRef idx="0">
+                <a:schemeClr val="accent1"/>
+              </a:effectRef>
+              <a:fontRef idx="minor">
+                <a:schemeClr val="tx1"/>
+              </a:fontRef>
+            </p:style>
+          </p:cxnSp>
+          <p:sp>
+            <p:nvSpPr>
+              <p:cNvPr id="68" name="이등변 삼각형 67">
+                <a:extLst>
+                  <a:ext uri="{FF2B5EF4-FFF2-40B4-BE49-F238E27FC236}">
+                    <a16:creationId xmlns:a16="http://schemas.microsoft.com/office/drawing/2014/main" id="{A3CCAF05-94E3-49A0-BB41-304667AFB458}"/>
+                  </a:ext>
+                </a:extLst>
+              </p:cNvPr>
+              <p:cNvSpPr/>
+              <p:nvPr/>
+            </p:nvSpPr>
+            <p:spPr>
+              <a:xfrm>
+                <a:off x="10148487" y="1029817"/>
+                <a:ext cx="185291" cy="124272"/>
+              </a:xfrm>
+              <a:prstGeom prst="triangle">
+                <a:avLst/>
+              </a:prstGeom>
+              <a:noFill/>
+              <a:ln>
+                <a:solidFill>
+                  <a:schemeClr val="accent1"/>
+                </a:solidFill>
+              </a:ln>
+            </p:spPr>
+            <p:style>
+              <a:lnRef idx="2">
+                <a:schemeClr val="accent1">
+                  <a:shade val="50000"/>
+                </a:schemeClr>
+              </a:lnRef>
+              <a:fillRef idx="1">
+                <a:schemeClr val="accent1"/>
+              </a:fillRef>
+              <a:effectRef idx="0">
+                <a:schemeClr val="accent1"/>
+              </a:effectRef>
+              <a:fontRef idx="minor">
+                <a:schemeClr val="lt1"/>
+              </a:fontRef>
+            </p:style>
+            <p:txBody>
+              <a:bodyPr rtlCol="0" anchor="ctr"/>
+              <a:lstStyle/>
+              <a:p>
+                <a:pPr algn="ctr"/>
+                <a:endParaRPr lang="ko-KR" altLang="en-US"/>
+              </a:p>
+            </p:txBody>
+          </p:sp>
+          <p:sp>
+            <p:nvSpPr>
+              <p:cNvPr id="70" name="이등변 삼각형 69">
+                <a:extLst>
+                  <a:ext uri="{FF2B5EF4-FFF2-40B4-BE49-F238E27FC236}">
+                    <a16:creationId xmlns:a16="http://schemas.microsoft.com/office/drawing/2014/main" id="{37F7D3C1-54EB-456A-8F26-970992D869E4}"/>
+                  </a:ext>
+                </a:extLst>
+              </p:cNvPr>
+              <p:cNvSpPr/>
+              <p:nvPr/>
+            </p:nvSpPr>
+            <p:spPr>
+              <a:xfrm rot="10800000">
+                <a:off x="10148486" y="5335486"/>
+                <a:ext cx="185291" cy="124272"/>
+              </a:xfrm>
+              <a:prstGeom prst="triangle">
+                <a:avLst/>
+              </a:prstGeom>
+              <a:noFill/>
+              <a:ln>
+                <a:solidFill>
+                  <a:schemeClr val="accent1"/>
+                </a:solidFill>
+              </a:ln>
+            </p:spPr>
+            <p:style>
+              <a:lnRef idx="2">
+                <a:schemeClr val="accent1">
+                  <a:shade val="50000"/>
+                </a:schemeClr>
+              </a:lnRef>
+              <a:fillRef idx="1">
+                <a:schemeClr val="accent1"/>
+              </a:fillRef>
+              <a:effectRef idx="0">
+                <a:schemeClr val="accent1"/>
+              </a:effectRef>
+              <a:fontRef idx="minor">
+                <a:schemeClr val="lt1"/>
+              </a:fontRef>
+            </p:style>
+            <p:txBody>
+              <a:bodyPr rtlCol="0" anchor="ctr"/>
+              <a:lstStyle/>
+              <a:p>
+                <a:pPr algn="ctr"/>
+                <a:endParaRPr lang="ko-KR" altLang="en-US"/>
+              </a:p>
+            </p:txBody>
+          </p:sp>
+          <p:sp>
+            <p:nvSpPr>
+              <p:cNvPr id="71" name="사각형: 둥근 모서리 70">
+                <a:extLst>
+                  <a:ext uri="{FF2B5EF4-FFF2-40B4-BE49-F238E27FC236}">
+                    <a16:creationId xmlns:a16="http://schemas.microsoft.com/office/drawing/2014/main" id="{054832CF-3144-426E-B834-C1A2E498CA5B}"/>
+                  </a:ext>
+                </a:extLst>
+              </p:cNvPr>
+              <p:cNvSpPr/>
+              <p:nvPr/>
+            </p:nvSpPr>
+            <p:spPr>
+              <a:xfrm>
+                <a:off x="10065827" y="2494621"/>
+                <a:ext cx="358037" cy="727963"/>
+              </a:xfrm>
+              <a:prstGeom prst="roundRect">
+                <a:avLst/>
+              </a:prstGeom>
+              <a:solidFill>
+                <a:schemeClr val="accent5"/>
+              </a:solidFill>
+            </p:spPr>
+            <p:style>
+              <a:lnRef idx="2">
+                <a:schemeClr val="accent1">
+                  <a:shade val="50000"/>
+                </a:schemeClr>
+              </a:lnRef>
+              <a:fillRef idx="1">
+                <a:schemeClr val="accent1"/>
+              </a:fillRef>
+              <a:effectRef idx="0">
+                <a:schemeClr val="accent1"/>
+              </a:effectRef>
+              <a:fontRef idx="minor">
+                <a:schemeClr val="lt1"/>
+              </a:fontRef>
+            </p:style>
+            <p:txBody>
+              <a:bodyPr rtlCol="0" anchor="ctr"/>
+              <a:lstStyle/>
+              <a:p>
+                <a:pPr algn="ctr"/>
+                <a:endParaRPr lang="ko-KR" altLang="en-US"/>
+              </a:p>
+            </p:txBody>
+          </p:sp>
+          <p:cxnSp>
+            <p:nvCxnSpPr>
+              <p:cNvPr id="73" name="직선 연결선 72">
+                <a:extLst>
+                  <a:ext uri="{FF2B5EF4-FFF2-40B4-BE49-F238E27FC236}">
+                    <a16:creationId xmlns:a16="http://schemas.microsoft.com/office/drawing/2014/main" id="{6D336C04-4B40-4FB1-826D-BBBA3F19CCB6}"/>
+                  </a:ext>
+                </a:extLst>
+              </p:cNvPr>
+              <p:cNvCxnSpPr/>
+              <p:nvPr/>
+            </p:nvCxnSpPr>
+            <p:spPr>
+              <a:xfrm>
+                <a:off x="8256233" y="1997476"/>
+                <a:ext cx="1802167" cy="0"/>
+              </a:xfrm>
+              <a:prstGeom prst="line">
+                <a:avLst/>
+              </a:prstGeom>
+            </p:spPr>
+            <p:style>
+              <a:lnRef idx="1">
+                <a:schemeClr val="accent1"/>
+              </a:lnRef>
+              <a:fillRef idx="0">
+                <a:schemeClr val="accent1"/>
+              </a:fillRef>
+              <a:effectRef idx="0">
+                <a:schemeClr val="accent1"/>
+              </a:effectRef>
+              <a:fontRef idx="minor">
+                <a:schemeClr val="tx1"/>
+              </a:fontRef>
+            </p:style>
+          </p:cxnSp>
+          <p:cxnSp>
+            <p:nvCxnSpPr>
+              <p:cNvPr id="75" name="직선 연결선 74">
+                <a:extLst>
+                  <a:ext uri="{FF2B5EF4-FFF2-40B4-BE49-F238E27FC236}">
+                    <a16:creationId xmlns:a16="http://schemas.microsoft.com/office/drawing/2014/main" id="{58926CD9-7513-442B-A907-93F1E398BC2C}"/>
+                  </a:ext>
+                </a:extLst>
+              </p:cNvPr>
+              <p:cNvCxnSpPr/>
+              <p:nvPr/>
+            </p:nvCxnSpPr>
+            <p:spPr>
+              <a:xfrm>
+                <a:off x="8256233" y="3429000"/>
+                <a:ext cx="1809594" cy="0"/>
+              </a:xfrm>
+              <a:prstGeom prst="line">
+                <a:avLst/>
+              </a:prstGeom>
+            </p:spPr>
+            <p:style>
+              <a:lnRef idx="1">
+                <a:schemeClr val="accent1"/>
+              </a:lnRef>
+              <a:fillRef idx="0">
+                <a:schemeClr val="accent1"/>
+              </a:fillRef>
+              <a:effectRef idx="0">
+                <a:schemeClr val="accent1"/>
+              </a:effectRef>
+              <a:fontRef idx="minor">
+                <a:schemeClr val="tx1"/>
+              </a:fontRef>
+            </p:style>
+          </p:cxnSp>
+          <p:cxnSp>
+            <p:nvCxnSpPr>
+              <p:cNvPr id="77" name="직선 연결선 76">
+                <a:extLst>
+                  <a:ext uri="{FF2B5EF4-FFF2-40B4-BE49-F238E27FC236}">
+                    <a16:creationId xmlns:a16="http://schemas.microsoft.com/office/drawing/2014/main" id="{E3EB8B93-5E28-4206-B90D-FD6643E9D65E}"/>
+                  </a:ext>
+                </a:extLst>
+              </p:cNvPr>
+              <p:cNvCxnSpPr/>
+              <p:nvPr/>
+            </p:nvCxnSpPr>
+            <p:spPr>
+              <a:xfrm>
+                <a:off x="8256233" y="4864963"/>
+                <a:ext cx="1809594" cy="0"/>
+              </a:xfrm>
+              <a:prstGeom prst="line">
+                <a:avLst/>
+              </a:prstGeom>
+            </p:spPr>
+            <p:style>
+              <a:lnRef idx="1">
+                <a:schemeClr val="accent1"/>
+              </a:lnRef>
+              <a:fillRef idx="0">
+                <a:schemeClr val="accent1"/>
+              </a:fillRef>
+              <a:effectRef idx="0">
+                <a:schemeClr val="accent1"/>
+              </a:effectRef>
+              <a:fontRef idx="minor">
+                <a:schemeClr val="tx1"/>
+              </a:fontRef>
+            </p:style>
+          </p:cxnSp>
+          <p:sp>
+            <p:nvSpPr>
+              <p:cNvPr id="78" name="직사각형 77">
+                <a:extLst>
+                  <a:ext uri="{FF2B5EF4-FFF2-40B4-BE49-F238E27FC236}">
+                    <a16:creationId xmlns:a16="http://schemas.microsoft.com/office/drawing/2014/main" id="{2547F9D8-F5FA-46C3-9D6A-4648706DCC1B}"/>
+                  </a:ext>
+                </a:extLst>
+              </p:cNvPr>
+              <p:cNvSpPr/>
+              <p:nvPr/>
+            </p:nvSpPr>
+            <p:spPr>
+              <a:xfrm>
+                <a:off x="1768136" y="4500979"/>
+                <a:ext cx="2518295" cy="363918"/>
+              </a:xfrm>
+              <a:prstGeom prst="rect">
+                <a:avLst/>
+              </a:prstGeom>
+              <a:solidFill>
+                <a:schemeClr val="accent6">
+                  <a:lumMod val="60000"/>
+                  <a:lumOff val="40000"/>
+                </a:schemeClr>
+              </a:solidFill>
+              <a:ln>
+                <a:noFill/>
+              </a:ln>
+            </p:spPr>
+            <p:style>
+              <a:lnRef idx="2">
+                <a:schemeClr val="accent1">
+                  <a:shade val="50000"/>
+                </a:schemeClr>
+              </a:lnRef>
+              <a:fillRef idx="1">
+                <a:schemeClr val="accent1"/>
+              </a:fillRef>
+              <a:effectRef idx="0">
+                <a:schemeClr val="accent1"/>
+              </a:effectRef>
+              <a:fontRef idx="minor">
+                <a:schemeClr val="lt1"/>
+              </a:fontRef>
+            </p:style>
+            <p:txBody>
+              <a:bodyPr rtlCol="0" anchor="ctr"/>
+              <a:lstStyle/>
+              <a:p>
+                <a:pPr algn="ctr"/>
+                <a:endParaRPr lang="ko-KR" altLang="en-US" dirty="0"/>
+              </a:p>
+            </p:txBody>
+          </p:sp>
+          <p:sp>
+            <p:nvSpPr>
+              <p:cNvPr id="82" name="곱하기 기호 81">
+                <a:extLst>
+                  <a:ext uri="{FF2B5EF4-FFF2-40B4-BE49-F238E27FC236}">
+                    <a16:creationId xmlns:a16="http://schemas.microsoft.com/office/drawing/2014/main" id="{B9718279-3854-40D4-86B8-EC3E879E1DB2}"/>
+                  </a:ext>
+                </a:extLst>
+              </p:cNvPr>
+              <p:cNvSpPr/>
+              <p:nvPr/>
+            </p:nvSpPr>
+            <p:spPr>
+              <a:xfrm>
+                <a:off x="10103442" y="609219"/>
+                <a:ext cx="275377" cy="234156"/>
+              </a:xfrm>
+              <a:prstGeom prst="mathMultiply">
+                <a:avLst/>
+              </a:prstGeom>
+              <a:noFill/>
+              <a:ln>
+                <a:solidFill>
+                  <a:schemeClr val="accent1"/>
+                </a:solidFill>
+              </a:ln>
+            </p:spPr>
+            <p:style>
+              <a:lnRef idx="2">
+                <a:schemeClr val="accent1">
+                  <a:shade val="50000"/>
+                </a:schemeClr>
+              </a:lnRef>
+              <a:fillRef idx="1">
+                <a:schemeClr val="accent1"/>
+              </a:fillRef>
+              <a:effectRef idx="0">
+                <a:schemeClr val="accent1"/>
+              </a:effectRef>
+              <a:fontRef idx="minor">
+                <a:schemeClr val="lt1"/>
+              </a:fontRef>
+            </p:style>
+            <p:txBody>
+              <a:bodyPr rtlCol="0" anchor="ctr"/>
+              <a:lstStyle/>
+              <a:p>
+                <a:pPr algn="ctr"/>
+                <a:endParaRPr lang="ko-KR" altLang="en-US"/>
+              </a:p>
+            </p:txBody>
+          </p:sp>
+          <p:sp>
+            <p:nvSpPr>
+              <p:cNvPr id="83" name="빼기 기호 82">
+                <a:extLst>
+                  <a:ext uri="{FF2B5EF4-FFF2-40B4-BE49-F238E27FC236}">
+                    <a16:creationId xmlns:a16="http://schemas.microsoft.com/office/drawing/2014/main" id="{F4C56B4B-B2FE-4679-8282-849700220FB7}"/>
+                  </a:ext>
+                </a:extLst>
+              </p:cNvPr>
+              <p:cNvSpPr/>
+              <p:nvPr/>
+            </p:nvSpPr>
+            <p:spPr>
+              <a:xfrm>
+                <a:off x="9287764" y="664150"/>
+                <a:ext cx="275377" cy="117078"/>
+              </a:xfrm>
+              <a:prstGeom prst="mathMinus">
+                <a:avLst/>
+              </a:prstGeom>
+              <a:noFill/>
+              <a:ln>
+                <a:solidFill>
+                  <a:schemeClr val="accent1"/>
+                </a:solidFill>
+              </a:ln>
+            </p:spPr>
+            <p:style>
+              <a:lnRef idx="2">
+                <a:schemeClr val="accent1">
+                  <a:shade val="50000"/>
+                </a:schemeClr>
+              </a:lnRef>
+              <a:fillRef idx="1">
+                <a:schemeClr val="accent1"/>
+              </a:fillRef>
+              <a:effectRef idx="0">
+                <a:schemeClr val="accent1"/>
+              </a:effectRef>
+              <a:fontRef idx="minor">
+                <a:schemeClr val="lt1"/>
+              </a:fontRef>
+            </p:style>
+            <p:txBody>
+              <a:bodyPr rtlCol="0" anchor="ctr"/>
+              <a:lstStyle/>
+              <a:p>
+                <a:pPr algn="ctr"/>
+                <a:endParaRPr lang="ko-KR" altLang="en-US"/>
+              </a:p>
+            </p:txBody>
+          </p:sp>
+          <p:sp>
+            <p:nvSpPr>
+              <p:cNvPr id="85" name="액자 84">
+                <a:extLst>
+                  <a:ext uri="{FF2B5EF4-FFF2-40B4-BE49-F238E27FC236}">
+                    <a16:creationId xmlns:a16="http://schemas.microsoft.com/office/drawing/2014/main" id="{161CEE37-AD81-4116-842C-67703CC49AD6}"/>
+                  </a:ext>
+                </a:extLst>
+              </p:cNvPr>
+              <p:cNvSpPr/>
+              <p:nvPr/>
+            </p:nvSpPr>
+            <p:spPr>
+              <a:xfrm>
+                <a:off x="9786234" y="653600"/>
+                <a:ext cx="146399" cy="148160"/>
+              </a:xfrm>
+              <a:prstGeom prst="frame">
+                <a:avLst/>
+              </a:prstGeom>
+              <a:noFill/>
+              <a:ln>
+                <a:solidFill>
+                  <a:schemeClr val="accent1"/>
+                </a:solidFill>
+              </a:ln>
+            </p:spPr>
+            <p:style>
+              <a:lnRef idx="2">
+                <a:schemeClr val="accent1">
+                  <a:shade val="50000"/>
+                </a:schemeClr>
+              </a:lnRef>
+              <a:fillRef idx="1">
+                <a:schemeClr val="accent1"/>
+              </a:fillRef>
+              <a:effectRef idx="0">
+                <a:schemeClr val="accent1"/>
+              </a:effectRef>
+              <a:fontRef idx="minor">
+                <a:schemeClr val="lt1"/>
+              </a:fontRef>
+            </p:style>
+            <p:txBody>
+              <a:bodyPr rtlCol="0" anchor="ctr"/>
+              <a:lstStyle/>
+              <a:p>
+                <a:pPr algn="ctr"/>
+                <a:endParaRPr lang="ko-KR" altLang="en-US">
+                  <a:solidFill>
+                    <a:schemeClr val="tx1"/>
+                  </a:solidFill>
+                </a:endParaRPr>
+              </a:p>
+            </p:txBody>
+          </p:sp>
+          <p:sp>
+            <p:nvSpPr>
+              <p:cNvPr id="87" name="이등변 삼각형 86">
+                <a:extLst>
+                  <a:ext uri="{FF2B5EF4-FFF2-40B4-BE49-F238E27FC236}">
+                    <a16:creationId xmlns:a16="http://schemas.microsoft.com/office/drawing/2014/main" id="{8F71500C-A665-423E-8163-8AF7BEA2CE95}"/>
+                  </a:ext>
+                </a:extLst>
+              </p:cNvPr>
+              <p:cNvSpPr/>
+              <p:nvPr/>
+            </p:nvSpPr>
+            <p:spPr>
+              <a:xfrm rot="5400000">
+                <a:off x="3665002" y="5366561"/>
+                <a:ext cx="541530" cy="434987"/>
+              </a:xfrm>
+              <a:prstGeom prst="triangle">
+                <a:avLst/>
+              </a:prstGeom>
+              <a:noFill/>
+              <a:ln>
+                <a:solidFill>
+                  <a:schemeClr val="accent1"/>
+                </a:solidFill>
+              </a:ln>
+            </p:spPr>
+            <p:style>
+              <a:lnRef idx="2">
+                <a:schemeClr val="accent1">
+                  <a:shade val="50000"/>
+                </a:schemeClr>
+              </a:lnRef>
+              <a:fillRef idx="1">
+                <a:schemeClr val="accent1"/>
+              </a:fillRef>
+              <a:effectRef idx="0">
+                <a:schemeClr val="accent1"/>
+              </a:effectRef>
+              <a:fontRef idx="minor">
+                <a:schemeClr val="lt1"/>
+              </a:fontRef>
+            </p:style>
+            <p:txBody>
+              <a:bodyPr rtlCol="0" anchor="ctr"/>
+              <a:lstStyle/>
+              <a:p>
+                <a:pPr algn="ctr"/>
+                <a:endParaRPr lang="ko-KR" altLang="en-US"/>
+              </a:p>
+            </p:txBody>
+          </p:sp>
+          <p:sp>
+            <p:nvSpPr>
+              <p:cNvPr id="89" name="이등변 삼각형 88">
+                <a:extLst>
+                  <a:ext uri="{FF2B5EF4-FFF2-40B4-BE49-F238E27FC236}">
+                    <a16:creationId xmlns:a16="http://schemas.microsoft.com/office/drawing/2014/main" id="{467D615B-6B49-47A1-818C-87A0956C581D}"/>
+                  </a:ext>
+                </a:extLst>
+              </p:cNvPr>
+              <p:cNvSpPr/>
+              <p:nvPr/>
+            </p:nvSpPr>
+            <p:spPr>
+              <a:xfrm rot="5400000">
+                <a:off x="5097266" y="5366562"/>
+                <a:ext cx="541530" cy="434987"/>
+              </a:xfrm>
+              <a:prstGeom prst="triangle">
+                <a:avLst/>
+              </a:prstGeom>
+              <a:noFill/>
+              <a:ln>
+                <a:solidFill>
+                  <a:schemeClr val="accent1"/>
+                </a:solidFill>
+              </a:ln>
+            </p:spPr>
+            <p:style>
+              <a:lnRef idx="2">
+                <a:schemeClr val="accent1">
+                  <a:shade val="50000"/>
+                </a:schemeClr>
+              </a:lnRef>
+              <a:fillRef idx="1">
+                <a:schemeClr val="accent1"/>
+              </a:fillRef>
+              <a:effectRef idx="0">
+                <a:schemeClr val="accent1"/>
+              </a:effectRef>
+              <a:fontRef idx="minor">
+                <a:schemeClr val="lt1"/>
+              </a:fontRef>
+            </p:style>
+            <p:txBody>
+              <a:bodyPr rtlCol="0" anchor="ctr"/>
+              <a:lstStyle/>
+              <a:p>
+                <a:pPr algn="ctr"/>
+                <a:endParaRPr lang="ko-KR" altLang="en-US"/>
+              </a:p>
+            </p:txBody>
+          </p:sp>
+          <p:sp>
+            <p:nvSpPr>
+              <p:cNvPr id="90" name="이등변 삼각형 89">
+                <a:extLst>
+                  <a:ext uri="{FF2B5EF4-FFF2-40B4-BE49-F238E27FC236}">
+                    <a16:creationId xmlns:a16="http://schemas.microsoft.com/office/drawing/2014/main" id="{6F3E8968-1AB4-4C04-B41E-5D4458775A7E}"/>
+                  </a:ext>
+                </a:extLst>
+              </p:cNvPr>
+              <p:cNvSpPr/>
+              <p:nvPr/>
+            </p:nvSpPr>
+            <p:spPr>
+              <a:xfrm rot="16200000">
+                <a:off x="2213503" y="5366563"/>
+                <a:ext cx="541530" cy="434987"/>
+              </a:xfrm>
+              <a:prstGeom prst="triangle">
+                <a:avLst/>
+              </a:prstGeom>
+              <a:noFill/>
+              <a:ln>
+                <a:solidFill>
+                  <a:schemeClr val="accent1"/>
+                </a:solidFill>
+              </a:ln>
+            </p:spPr>
+            <p:style>
+              <a:lnRef idx="2">
+                <a:schemeClr val="accent1">
+                  <a:shade val="50000"/>
+                </a:schemeClr>
+              </a:lnRef>
+              <a:fillRef idx="1">
+                <a:schemeClr val="accent1"/>
+              </a:fillRef>
+              <a:effectRef idx="0">
+                <a:schemeClr val="accent1"/>
+              </a:effectRef>
+              <a:fontRef idx="minor">
+                <a:schemeClr val="lt1"/>
+              </a:fontRef>
+            </p:style>
+            <p:txBody>
+              <a:bodyPr rtlCol="0" anchor="ctr"/>
+              <a:lstStyle/>
+              <a:p>
+                <a:pPr algn="ctr"/>
+                <a:endParaRPr lang="ko-KR" altLang="en-US"/>
+              </a:p>
+            </p:txBody>
+          </p:sp>
+          <p:cxnSp>
+            <p:nvCxnSpPr>
+              <p:cNvPr id="92" name="직선 연결선 91">
+                <a:extLst>
+                  <a:ext uri="{FF2B5EF4-FFF2-40B4-BE49-F238E27FC236}">
+                    <a16:creationId xmlns:a16="http://schemas.microsoft.com/office/drawing/2014/main" id="{78900128-8D81-4BAA-AEAD-E685AF1B018A}"/>
+                  </a:ext>
+                </a:extLst>
+              </p:cNvPr>
+              <p:cNvCxnSpPr>
+                <a:cxnSpLocks/>
+              </p:cNvCxnSpPr>
+              <p:nvPr/>
+            </p:nvCxnSpPr>
+            <p:spPr>
+              <a:xfrm>
+                <a:off x="5604751" y="5313288"/>
+                <a:ext cx="0" cy="541531"/>
+              </a:xfrm>
+              <a:prstGeom prst="line">
+                <a:avLst/>
+              </a:prstGeom>
+            </p:spPr>
+            <p:style>
+              <a:lnRef idx="1">
+                <a:schemeClr val="accent1"/>
+              </a:lnRef>
+              <a:fillRef idx="0">
+                <a:schemeClr val="accent1"/>
+              </a:fillRef>
+              <a:effectRef idx="0">
+                <a:schemeClr val="accent1"/>
+              </a:effectRef>
+              <a:fontRef idx="minor">
+                <a:schemeClr val="tx1"/>
+              </a:fontRef>
+            </p:style>
+          </p:cxnSp>
+          <p:cxnSp>
+            <p:nvCxnSpPr>
+              <p:cNvPr id="94" name="직선 연결선 93">
+                <a:extLst>
+                  <a:ext uri="{FF2B5EF4-FFF2-40B4-BE49-F238E27FC236}">
+                    <a16:creationId xmlns:a16="http://schemas.microsoft.com/office/drawing/2014/main" id="{E9FE0488-72B9-4BED-AF92-6D0165464F11}"/>
+                  </a:ext>
+                </a:extLst>
+              </p:cNvPr>
+              <p:cNvCxnSpPr>
+                <a:cxnSpLocks/>
+              </p:cNvCxnSpPr>
+              <p:nvPr/>
+            </p:nvCxnSpPr>
+            <p:spPr>
+              <a:xfrm>
+                <a:off x="2266774" y="5313288"/>
+                <a:ext cx="0" cy="541531"/>
+              </a:xfrm>
+              <a:prstGeom prst="line">
+                <a:avLst/>
+              </a:prstGeom>
+            </p:spPr>
+            <p:style>
+              <a:lnRef idx="1">
+                <a:schemeClr val="accent1"/>
+              </a:lnRef>
+              <a:fillRef idx="0">
+                <a:schemeClr val="accent1"/>
+              </a:fillRef>
+              <a:effectRef idx="0">
+                <a:schemeClr val="accent1"/>
+              </a:effectRef>
+              <a:fontRef idx="minor">
+                <a:schemeClr val="tx1"/>
+              </a:fontRef>
+            </p:style>
+          </p:cxnSp>
+          <p:sp>
+            <p:nvSpPr>
+              <p:cNvPr id="3" name="직사각형 2">
+                <a:extLst>
+                  <a:ext uri="{FF2B5EF4-FFF2-40B4-BE49-F238E27FC236}">
+                    <a16:creationId xmlns:a16="http://schemas.microsoft.com/office/drawing/2014/main" id="{791E2457-D689-444C-BE9B-26FFA9D6EF06}"/>
+                  </a:ext>
+                </a:extLst>
+              </p:cNvPr>
+              <p:cNvSpPr/>
+              <p:nvPr/>
+            </p:nvSpPr>
+            <p:spPr>
+              <a:xfrm>
+                <a:off x="6374194" y="4972608"/>
+                <a:ext cx="935097" cy="477168"/>
+              </a:xfrm>
+              <a:prstGeom prst="rect">
+                <a:avLst/>
+              </a:prstGeom>
+              <a:noFill/>
+            </p:spPr>
+            <p:style>
+              <a:lnRef idx="2">
+                <a:schemeClr val="accent1">
+                  <a:shade val="50000"/>
+                </a:schemeClr>
+              </a:lnRef>
+              <a:fillRef idx="1">
+                <a:schemeClr val="accent1"/>
+              </a:fillRef>
+              <a:effectRef idx="0">
+                <a:schemeClr val="accent1"/>
+              </a:effectRef>
+              <a:fontRef idx="minor">
+                <a:schemeClr val="lt1"/>
+              </a:fontRef>
+            </p:style>
+            <p:txBody>
+              <a:bodyPr rtlCol="0" anchor="ctr"/>
+              <a:lstStyle/>
+              <a:p>
+                <a:pPr algn="ctr"/>
+                <a:endParaRPr lang="ko-KR" altLang="en-US"/>
+              </a:p>
+            </p:txBody>
+          </p:sp>
+          <p:sp>
+            <p:nvSpPr>
+              <p:cNvPr id="4" name="TextBox 3">
+                <a:extLst>
+                  <a:ext uri="{FF2B5EF4-FFF2-40B4-BE49-F238E27FC236}">
+                    <a16:creationId xmlns:a16="http://schemas.microsoft.com/office/drawing/2014/main" id="{4A5D0BDC-81F4-49E0-9F75-4996C5A48234}"/>
+                  </a:ext>
+                </a:extLst>
+              </p:cNvPr>
+              <p:cNvSpPr txBox="1"/>
+              <p:nvPr/>
+            </p:nvSpPr>
+            <p:spPr>
+              <a:xfrm>
+                <a:off x="6587249" y="5038634"/>
+                <a:ext cx="655432" cy="380626"/>
+              </a:xfrm>
+              <a:prstGeom prst="rect">
+                <a:avLst/>
+              </a:prstGeom>
+              <a:noFill/>
+            </p:spPr>
+            <p:txBody>
+              <a:bodyPr wrap="square" rtlCol="0">
+                <a:spAutoFit/>
+              </a:bodyPr>
+              <a:lstStyle/>
+              <a:p>
+                <a:r>
+                  <a:rPr lang="en-US" altLang="ko-KR" dirty="0"/>
+                  <a:t>X 1</a:t>
+                </a:r>
+                <a:endParaRPr lang="ko-KR" altLang="en-US" dirty="0"/>
+              </a:p>
+            </p:txBody>
+          </p:sp>
+          <p:sp>
+            <p:nvSpPr>
+              <p:cNvPr id="12" name="실행 단추: 소리 11">
+                <a:hlinkClick r:id="" action="ppaction://noaction" highlightClick="1">
+                  <a:snd r:embed="rId2" name="applause.wav"/>
+                </a:hlinkClick>
+                <a:extLst>
+                  <a:ext uri="{FF2B5EF4-FFF2-40B4-BE49-F238E27FC236}">
+                    <a16:creationId xmlns:a16="http://schemas.microsoft.com/office/drawing/2014/main" id="{559FEC45-B937-4071-8452-C7B51B642233}"/>
+                  </a:ext>
+                </a:extLst>
+              </p:cNvPr>
+              <p:cNvSpPr/>
+              <p:nvPr/>
+            </p:nvSpPr>
+            <p:spPr>
+              <a:xfrm>
+                <a:off x="6235477" y="5723323"/>
+                <a:ext cx="430163" cy="458309"/>
+              </a:xfrm>
+              <a:prstGeom prst="actionButtonSound">
+                <a:avLst/>
+              </a:prstGeom>
+              <a:noFill/>
+              <a:ln>
+                <a:solidFill>
+                  <a:schemeClr val="accent1"/>
+                </a:solidFill>
+              </a:ln>
+            </p:spPr>
+            <p:style>
+              <a:lnRef idx="2">
+                <a:schemeClr val="accent1">
+                  <a:shade val="50000"/>
+                </a:schemeClr>
+              </a:lnRef>
+              <a:fillRef idx="1">
+                <a:schemeClr val="accent1"/>
+              </a:fillRef>
+              <a:effectRef idx="0">
+                <a:schemeClr val="accent1"/>
+              </a:effectRef>
+              <a:fontRef idx="minor">
+                <a:schemeClr val="lt1"/>
+              </a:fontRef>
+            </p:style>
+            <p:txBody>
+              <a:bodyPr rtlCol="0" anchor="ctr"/>
+              <a:lstStyle/>
+              <a:p>
+                <a:pPr algn="ctr"/>
+                <a:endParaRPr lang="ko-KR" altLang="en-US"/>
+              </a:p>
+            </p:txBody>
+          </p:sp>
+          <p:sp>
+            <p:nvSpPr>
+              <p:cNvPr id="14" name="직사각형 13">
+                <a:extLst>
+                  <a:ext uri="{FF2B5EF4-FFF2-40B4-BE49-F238E27FC236}">
+                    <a16:creationId xmlns:a16="http://schemas.microsoft.com/office/drawing/2014/main" id="{E935898D-3951-412A-9592-168822820478}"/>
+                  </a:ext>
+                </a:extLst>
+              </p:cNvPr>
+              <p:cNvSpPr/>
+              <p:nvPr/>
+            </p:nvSpPr>
+            <p:spPr>
+              <a:xfrm>
+                <a:off x="6665640" y="5723323"/>
+                <a:ext cx="1457418" cy="458283"/>
+              </a:xfrm>
+              <a:prstGeom prst="rect">
+                <a:avLst/>
+              </a:prstGeom>
+              <a:noFill/>
+              <a:ln>
+                <a:solidFill>
+                  <a:schemeClr val="accent1"/>
+                </a:solidFill>
+              </a:ln>
+            </p:spPr>
+            <p:style>
+              <a:lnRef idx="2">
+                <a:schemeClr val="accent1">
+                  <a:shade val="50000"/>
+                </a:schemeClr>
+              </a:lnRef>
+              <a:fillRef idx="1">
+                <a:schemeClr val="accent1"/>
+              </a:fillRef>
+              <a:effectRef idx="0">
+                <a:schemeClr val="accent1"/>
+              </a:effectRef>
+              <a:fontRef idx="minor">
+                <a:schemeClr val="lt1"/>
+              </a:fontRef>
+            </p:style>
+            <p:txBody>
+              <a:bodyPr rtlCol="0" anchor="ctr"/>
+              <a:lstStyle/>
+              <a:p>
+                <a:pPr algn="ctr"/>
+                <a:endParaRPr lang="ko-KR" altLang="en-US"/>
+              </a:p>
+            </p:txBody>
+          </p:sp>
+          <p:sp>
+            <p:nvSpPr>
+              <p:cNvPr id="15" name="직사각형 14">
+                <a:extLst>
+                  <a:ext uri="{FF2B5EF4-FFF2-40B4-BE49-F238E27FC236}">
+                    <a16:creationId xmlns:a16="http://schemas.microsoft.com/office/drawing/2014/main" id="{0666DA71-7F09-4707-B86E-128B8190AD1A}"/>
+                  </a:ext>
+                </a:extLst>
+              </p:cNvPr>
+              <p:cNvSpPr/>
+              <p:nvPr/>
+            </p:nvSpPr>
+            <p:spPr>
+              <a:xfrm>
+                <a:off x="6665640" y="5723323"/>
+                <a:ext cx="1457418" cy="458258"/>
+              </a:xfrm>
+              <a:prstGeom prst="rect">
+                <a:avLst/>
+              </a:prstGeom>
+              <a:solidFill>
+                <a:schemeClr val="accent5"/>
+              </a:solidFill>
+            </p:spPr>
+            <p:style>
+              <a:lnRef idx="2">
+                <a:schemeClr val="accent1">
+                  <a:shade val="50000"/>
+                </a:schemeClr>
+              </a:lnRef>
+              <a:fillRef idx="1">
+                <a:schemeClr val="accent1"/>
+              </a:fillRef>
+              <a:effectRef idx="0">
+                <a:schemeClr val="accent1"/>
+              </a:effectRef>
+              <a:fontRef idx="minor">
+                <a:schemeClr val="lt1"/>
+              </a:fontRef>
+            </p:style>
+            <p:txBody>
+              <a:bodyPr rtlCol="0" anchor="ctr"/>
+              <a:lstStyle/>
+              <a:p>
+                <a:pPr algn="ctr"/>
+                <a:endParaRPr lang="ko-KR" altLang="en-US"/>
+              </a:p>
+            </p:txBody>
+          </p:sp>
+          <p:sp>
+            <p:nvSpPr>
+              <p:cNvPr id="16" name="타원 15">
+                <a:extLst>
+                  <a:ext uri="{FF2B5EF4-FFF2-40B4-BE49-F238E27FC236}">
+                    <a16:creationId xmlns:a16="http://schemas.microsoft.com/office/drawing/2014/main" id="{9FCD33F1-F2A5-4312-844B-59691F73DE03}"/>
+                  </a:ext>
+                </a:extLst>
+              </p:cNvPr>
+              <p:cNvSpPr/>
+              <p:nvPr/>
+            </p:nvSpPr>
+            <p:spPr>
+              <a:xfrm>
+                <a:off x="1862092" y="595629"/>
+                <a:ext cx="275376" cy="254120"/>
+              </a:xfrm>
+              <a:prstGeom prst="ellipse">
+                <a:avLst/>
+              </a:prstGeom>
+              <a:solidFill>
+                <a:srgbClr val="FFE9D7"/>
+              </a:solidFill>
+            </p:spPr>
+            <p:style>
+              <a:lnRef idx="2">
+                <a:schemeClr val="accent1">
+                  <a:shade val="50000"/>
+                </a:schemeClr>
+              </a:lnRef>
+              <a:fillRef idx="1">
+                <a:schemeClr val="accent1"/>
+              </a:fillRef>
+              <a:effectRef idx="0">
+                <a:schemeClr val="accent1"/>
+              </a:effectRef>
+              <a:fontRef idx="minor">
+                <a:schemeClr val="lt1"/>
+              </a:fontRef>
+            </p:style>
+            <p:txBody>
+              <a:bodyPr rtlCol="0" anchor="ctr"/>
+              <a:lstStyle/>
+              <a:p>
+                <a:pPr algn="ctr"/>
+                <a:endParaRPr lang="ko-KR" altLang="en-US"/>
+              </a:p>
+            </p:txBody>
+          </p:sp>
+          <p:sp>
+            <p:nvSpPr>
+              <p:cNvPr id="17" name="TextBox 16">
+                <a:extLst>
+                  <a:ext uri="{FF2B5EF4-FFF2-40B4-BE49-F238E27FC236}">
+                    <a16:creationId xmlns:a16="http://schemas.microsoft.com/office/drawing/2014/main" id="{0E256058-64EA-47AB-B219-883DF961DE0F}"/>
+                  </a:ext>
+                </a:extLst>
+              </p:cNvPr>
+              <p:cNvSpPr txBox="1"/>
+              <p:nvPr/>
+            </p:nvSpPr>
+            <p:spPr>
+              <a:xfrm>
+                <a:off x="2137468" y="520443"/>
+                <a:ext cx="1509203" cy="369332"/>
+              </a:xfrm>
+              <a:prstGeom prst="rect">
+                <a:avLst/>
+              </a:prstGeom>
+              <a:noFill/>
+            </p:spPr>
+            <p:txBody>
+              <a:bodyPr wrap="square" rtlCol="0">
+                <a:spAutoFit/>
+              </a:bodyPr>
+              <a:lstStyle/>
+              <a:p>
+                <a:r>
+                  <a:rPr lang="en-US" altLang="ko-KR" dirty="0" err="1"/>
+                  <a:t>peachpitch</a:t>
+                </a:r>
+                <a:endParaRPr lang="ko-KR" altLang="en-US" dirty="0"/>
+              </a:p>
+            </p:txBody>
+          </p:sp>
+          <p:sp>
+            <p:nvSpPr>
+              <p:cNvPr id="19" name="직사각형 18">
+                <a:extLst>
+                  <a:ext uri="{FF2B5EF4-FFF2-40B4-BE49-F238E27FC236}">
+                    <a16:creationId xmlns:a16="http://schemas.microsoft.com/office/drawing/2014/main" id="{846DA61D-50EA-4ACF-8E8D-DCCA729FD0ED}"/>
+                  </a:ext>
+                </a:extLst>
+              </p:cNvPr>
+              <p:cNvSpPr/>
+              <p:nvPr/>
+            </p:nvSpPr>
+            <p:spPr>
+              <a:xfrm>
+                <a:off x="1768136" y="905522"/>
+                <a:ext cx="6480653" cy="3595389"/>
+              </a:xfrm>
+              <a:prstGeom prst="rect">
+                <a:avLst/>
+              </a:prstGeom>
+              <a:solidFill>
+                <a:schemeClr val="tx1"/>
+              </a:solidFill>
+            </p:spPr>
+            <p:style>
+              <a:lnRef idx="2">
+                <a:schemeClr val="accent1">
+                  <a:shade val="50000"/>
+                </a:schemeClr>
+              </a:lnRef>
+              <a:fillRef idx="1">
+                <a:schemeClr val="accent1"/>
+              </a:fillRef>
+              <a:effectRef idx="0">
+                <a:schemeClr val="accent1"/>
+              </a:effectRef>
+              <a:fontRef idx="minor">
+                <a:schemeClr val="lt1"/>
+              </a:fontRef>
+            </p:style>
+            <p:txBody>
+              <a:bodyPr rtlCol="0" anchor="ctr"/>
+              <a:lstStyle/>
+              <a:p>
+                <a:pPr algn="ctr"/>
+                <a:endParaRPr lang="ko-KR" altLang="en-US"/>
+              </a:p>
+            </p:txBody>
+          </p:sp>
+          <p:cxnSp>
+            <p:nvCxnSpPr>
+              <p:cNvPr id="21" name="직선 연결선 20">
+                <a:extLst>
+                  <a:ext uri="{FF2B5EF4-FFF2-40B4-BE49-F238E27FC236}">
+                    <a16:creationId xmlns:a16="http://schemas.microsoft.com/office/drawing/2014/main" id="{7CFD0312-FA15-4C2D-9751-E06851C3A04B}"/>
+                  </a:ext>
+                </a:extLst>
+              </p:cNvPr>
+              <p:cNvCxnSpPr/>
+              <p:nvPr/>
+            </p:nvCxnSpPr>
+            <p:spPr>
+              <a:xfrm>
+                <a:off x="9694416" y="5584054"/>
+                <a:ext cx="0" cy="719092"/>
+              </a:xfrm>
+              <a:prstGeom prst="line">
+                <a:avLst/>
+              </a:prstGeom>
+            </p:spPr>
+            <p:style>
+              <a:lnRef idx="1">
+                <a:schemeClr val="accent1"/>
+              </a:lnRef>
+              <a:fillRef idx="0">
+                <a:schemeClr val="accent1"/>
+              </a:fillRef>
+              <a:effectRef idx="0">
+                <a:schemeClr val="accent1"/>
+              </a:effectRef>
+              <a:fontRef idx="minor">
+                <a:schemeClr val="tx1"/>
+              </a:fontRef>
+            </p:style>
+          </p:cxnSp>
+          <p:cxnSp>
+            <p:nvCxnSpPr>
+              <p:cNvPr id="23" name="직선 연결선 22">
+                <a:extLst>
+                  <a:ext uri="{FF2B5EF4-FFF2-40B4-BE49-F238E27FC236}">
+                    <a16:creationId xmlns:a16="http://schemas.microsoft.com/office/drawing/2014/main" id="{361921A0-73E7-4E66-96D6-0F9DF6BAC6FC}"/>
+                  </a:ext>
+                </a:extLst>
+              </p:cNvPr>
+              <p:cNvCxnSpPr>
+                <a:cxnSpLocks/>
+              </p:cNvCxnSpPr>
+              <p:nvPr/>
+            </p:nvCxnSpPr>
+            <p:spPr>
+              <a:xfrm>
+                <a:off x="9820224" y="5723323"/>
+                <a:ext cx="476352" cy="0"/>
+              </a:xfrm>
+              <a:prstGeom prst="line">
+                <a:avLst/>
+              </a:prstGeom>
+            </p:spPr>
+            <p:style>
+              <a:lnRef idx="1">
+                <a:schemeClr val="accent1"/>
+              </a:lnRef>
+              <a:fillRef idx="0">
+                <a:schemeClr val="accent1"/>
+              </a:fillRef>
+              <a:effectRef idx="0">
+                <a:schemeClr val="accent1"/>
+              </a:effectRef>
+              <a:fontRef idx="minor">
+                <a:schemeClr val="tx1"/>
+              </a:fontRef>
+            </p:style>
+          </p:cxnSp>
+          <p:cxnSp>
+            <p:nvCxnSpPr>
+              <p:cNvPr id="54" name="직선 연결선 53">
+                <a:extLst>
+                  <a:ext uri="{FF2B5EF4-FFF2-40B4-BE49-F238E27FC236}">
+                    <a16:creationId xmlns:a16="http://schemas.microsoft.com/office/drawing/2014/main" id="{8816AE0E-97A2-4534-8C7F-238627C43978}"/>
+                  </a:ext>
+                </a:extLst>
+              </p:cNvPr>
+              <p:cNvCxnSpPr>
+                <a:cxnSpLocks/>
+              </p:cNvCxnSpPr>
+              <p:nvPr/>
+            </p:nvCxnSpPr>
+            <p:spPr>
+              <a:xfrm>
+                <a:off x="9820224" y="5954143"/>
+                <a:ext cx="476352" cy="0"/>
+              </a:xfrm>
+              <a:prstGeom prst="line">
+                <a:avLst/>
+              </a:prstGeom>
+            </p:spPr>
+            <p:style>
+              <a:lnRef idx="1">
+                <a:schemeClr val="accent1"/>
+              </a:lnRef>
+              <a:fillRef idx="0">
+                <a:schemeClr val="accent1"/>
+              </a:fillRef>
+              <a:effectRef idx="0">
+                <a:schemeClr val="accent1"/>
+              </a:effectRef>
+              <a:fontRef idx="minor">
+                <a:schemeClr val="tx1"/>
+              </a:fontRef>
+            </p:style>
+          </p:cxnSp>
+          <p:cxnSp>
+            <p:nvCxnSpPr>
+              <p:cNvPr id="56" name="직선 연결선 55">
+                <a:extLst>
+                  <a:ext uri="{FF2B5EF4-FFF2-40B4-BE49-F238E27FC236}">
+                    <a16:creationId xmlns:a16="http://schemas.microsoft.com/office/drawing/2014/main" id="{1C6C7DC8-5303-41B9-8895-CE0BBB32B472}"/>
+                  </a:ext>
+                </a:extLst>
+              </p:cNvPr>
+              <p:cNvCxnSpPr>
+                <a:cxnSpLocks/>
+              </p:cNvCxnSpPr>
+              <p:nvPr/>
+            </p:nvCxnSpPr>
+            <p:spPr>
+              <a:xfrm>
+                <a:off x="9820224" y="6181581"/>
+                <a:ext cx="476352" cy="0"/>
+              </a:xfrm>
+              <a:prstGeom prst="line">
+                <a:avLst/>
+              </a:prstGeom>
+            </p:spPr>
+            <p:style>
+              <a:lnRef idx="1">
+                <a:schemeClr val="accent1"/>
+              </a:lnRef>
+              <a:fillRef idx="0">
+                <a:schemeClr val="accent1"/>
+              </a:fillRef>
+              <a:effectRef idx="0">
+                <a:schemeClr val="accent1"/>
+              </a:effectRef>
+              <a:fontRef idx="minor">
+                <a:schemeClr val="tx1"/>
+              </a:fontRef>
+            </p:style>
+          </p:cxnSp>
+          <p:pic>
+            <p:nvPicPr>
+              <p:cNvPr id="8" name="그림 7">
+                <a:extLst>
+                  <a:ext uri="{FF2B5EF4-FFF2-40B4-BE49-F238E27FC236}">
+                    <a16:creationId xmlns:a16="http://schemas.microsoft.com/office/drawing/2014/main" id="{B7F9A14C-B17B-49CE-9B21-06A1108EF448}"/>
+                  </a:ext>
+                </a:extLst>
+              </p:cNvPr>
+              <p:cNvPicPr>
+                <a:picLocks noChangeAspect="1"/>
+              </p:cNvPicPr>
+              <p:nvPr/>
+            </p:nvPicPr>
+            <p:blipFill>
+              <a:blip r:embed="rId3">
+                <a:extLst>
+                  <a:ext uri="{28A0092B-C50C-407E-A947-70E740481C1C}">
+                    <a14:useLocalDpi xmlns:a14="http://schemas.microsoft.com/office/drawing/2010/main" val="0"/>
+                  </a:ext>
+                </a:extLst>
+              </a:blip>
+              <a:stretch>
+                <a:fillRect/>
+              </a:stretch>
+            </p:blipFill>
+            <p:spPr>
+              <a:xfrm>
+                <a:off x="7559352" y="4991557"/>
+                <a:ext cx="456887" cy="456887"/>
+              </a:xfrm>
+              <a:prstGeom prst="rect">
+                <a:avLst/>
+              </a:prstGeom>
+            </p:spPr>
+          </p:pic>
+        </p:grpSp>
+        <p:grpSp>
+          <p:nvGrpSpPr>
+            <p:cNvPr id="76" name="그룹 75">
+              <a:extLst>
+                <a:ext uri="{FF2B5EF4-FFF2-40B4-BE49-F238E27FC236}">
+                  <a16:creationId xmlns:a16="http://schemas.microsoft.com/office/drawing/2014/main" id="{EFB58E5C-C180-4F72-88B0-1ED1C1A64857}"/>
+                </a:ext>
+              </a:extLst>
+            </p:cNvPr>
+            <p:cNvGrpSpPr/>
+            <p:nvPr/>
+          </p:nvGrpSpPr>
+          <p:grpSpPr>
+            <a:xfrm>
+              <a:off x="8269392" y="265451"/>
+              <a:ext cx="4323426" cy="5752730"/>
+              <a:chOff x="1065320" y="541538"/>
+              <a:chExt cx="4323426" cy="5752730"/>
+            </a:xfrm>
+          </p:grpSpPr>
+          <p:sp>
+            <p:nvSpPr>
+              <p:cNvPr id="79" name="직사각형 78">
+                <a:extLst>
+                  <a:ext uri="{FF2B5EF4-FFF2-40B4-BE49-F238E27FC236}">
+                    <a16:creationId xmlns:a16="http://schemas.microsoft.com/office/drawing/2014/main" id="{09358634-2621-4B42-8FE1-92639276122E}"/>
+                  </a:ext>
+                </a:extLst>
+              </p:cNvPr>
+              <p:cNvSpPr/>
+              <p:nvPr/>
+            </p:nvSpPr>
+            <p:spPr>
+              <a:xfrm>
+                <a:off x="1065320" y="541538"/>
+                <a:ext cx="4323426" cy="5752730"/>
+              </a:xfrm>
+              <a:prstGeom prst="rect">
+                <a:avLst/>
+              </a:prstGeom>
+              <a:noFill/>
+              <a:ln>
+                <a:solidFill>
+                  <a:schemeClr val="accent1"/>
+                </a:solidFill>
+              </a:ln>
+            </p:spPr>
+            <p:style>
+              <a:lnRef idx="2">
+                <a:schemeClr val="accent1">
+                  <a:shade val="50000"/>
+                </a:schemeClr>
+              </a:lnRef>
+              <a:fillRef idx="1">
+                <a:schemeClr val="accent1"/>
+              </a:fillRef>
+              <a:effectRef idx="0">
+                <a:schemeClr val="accent1"/>
+              </a:effectRef>
+              <a:fontRef idx="minor">
+                <a:schemeClr val="lt1"/>
+              </a:fontRef>
+            </p:style>
+            <p:txBody>
+              <a:bodyPr rtlCol="0" anchor="ctr"/>
+              <a:lstStyle/>
+              <a:p>
+                <a:pPr algn="ctr"/>
+                <a:endParaRPr lang="ko-KR" altLang="en-US"/>
+              </a:p>
+            </p:txBody>
+          </p:sp>
+          <p:cxnSp>
+            <p:nvCxnSpPr>
+              <p:cNvPr id="81" name="직선 연결선 80">
+                <a:extLst>
+                  <a:ext uri="{FF2B5EF4-FFF2-40B4-BE49-F238E27FC236}">
+                    <a16:creationId xmlns:a16="http://schemas.microsoft.com/office/drawing/2014/main" id="{B78D1FBB-55F3-4E99-972D-CD4ABD09A782}"/>
+                  </a:ext>
+                </a:extLst>
+              </p:cNvPr>
+              <p:cNvCxnSpPr/>
+              <p:nvPr/>
+            </p:nvCxnSpPr>
+            <p:spPr>
+              <a:xfrm>
+                <a:off x="1065320" y="1278384"/>
+                <a:ext cx="4323426" cy="0"/>
+              </a:xfrm>
+              <a:prstGeom prst="line">
+                <a:avLst/>
+              </a:prstGeom>
+            </p:spPr>
+            <p:style>
+              <a:lnRef idx="1">
+                <a:schemeClr val="accent1"/>
+              </a:lnRef>
+              <a:fillRef idx="0">
+                <a:schemeClr val="accent1"/>
+              </a:fillRef>
+              <a:effectRef idx="0">
+                <a:schemeClr val="accent1"/>
+              </a:effectRef>
+              <a:fontRef idx="minor">
+                <a:schemeClr val="tx1"/>
+              </a:fontRef>
+            </p:style>
+          </p:cxnSp>
+          <p:cxnSp>
+            <p:nvCxnSpPr>
+              <p:cNvPr id="84" name="직선 연결선 83">
+                <a:extLst>
+                  <a:ext uri="{FF2B5EF4-FFF2-40B4-BE49-F238E27FC236}">
+                    <a16:creationId xmlns:a16="http://schemas.microsoft.com/office/drawing/2014/main" id="{DBD838F1-A1F8-418A-ADB1-0C6B3FD8EF03}"/>
+                  </a:ext>
+                </a:extLst>
+              </p:cNvPr>
+              <p:cNvCxnSpPr>
+                <a:cxnSpLocks/>
+              </p:cNvCxnSpPr>
+              <p:nvPr/>
+            </p:nvCxnSpPr>
+            <p:spPr>
+              <a:xfrm>
+                <a:off x="2503503" y="1988598"/>
+                <a:ext cx="2885243" cy="0"/>
+              </a:xfrm>
+              <a:prstGeom prst="line">
+                <a:avLst/>
+              </a:prstGeom>
+            </p:spPr>
+            <p:style>
+              <a:lnRef idx="1">
+                <a:schemeClr val="accent1"/>
+              </a:lnRef>
+              <a:fillRef idx="0">
+                <a:schemeClr val="accent1"/>
+              </a:fillRef>
+              <a:effectRef idx="0">
+                <a:schemeClr val="accent1"/>
+              </a:effectRef>
+              <a:fontRef idx="minor">
+                <a:schemeClr val="tx1"/>
+              </a:fontRef>
+            </p:style>
+          </p:cxnSp>
+          <p:cxnSp>
+            <p:nvCxnSpPr>
+              <p:cNvPr id="93" name="직선 연결선 92">
+                <a:extLst>
+                  <a:ext uri="{FF2B5EF4-FFF2-40B4-BE49-F238E27FC236}">
+                    <a16:creationId xmlns:a16="http://schemas.microsoft.com/office/drawing/2014/main" id="{B1B78D75-9836-4F69-ADD8-F9F0598EF61B}"/>
+                  </a:ext>
+                </a:extLst>
+              </p:cNvPr>
+              <p:cNvCxnSpPr/>
+              <p:nvPr/>
+            </p:nvCxnSpPr>
+            <p:spPr>
+              <a:xfrm>
+                <a:off x="2503503" y="1278384"/>
+                <a:ext cx="0" cy="710214"/>
+              </a:xfrm>
+              <a:prstGeom prst="line">
+                <a:avLst/>
+              </a:prstGeom>
+            </p:spPr>
+            <p:style>
+              <a:lnRef idx="1">
+                <a:schemeClr val="accent1"/>
+              </a:lnRef>
+              <a:fillRef idx="0">
+                <a:schemeClr val="accent1"/>
+              </a:fillRef>
+              <a:effectRef idx="0">
+                <a:schemeClr val="accent1"/>
+              </a:effectRef>
+              <a:fontRef idx="minor">
+                <a:schemeClr val="tx1"/>
+              </a:fontRef>
+            </p:style>
+          </p:cxnSp>
+          <p:sp>
+            <p:nvSpPr>
+              <p:cNvPr id="96" name="직사각형 95">
+                <a:extLst>
+                  <a:ext uri="{FF2B5EF4-FFF2-40B4-BE49-F238E27FC236}">
+                    <a16:creationId xmlns:a16="http://schemas.microsoft.com/office/drawing/2014/main" id="{603F2876-32EE-4194-8AA7-9BB4A36BCBA6}"/>
+                  </a:ext>
+                </a:extLst>
+              </p:cNvPr>
+              <p:cNvSpPr/>
+              <p:nvPr/>
+            </p:nvSpPr>
+            <p:spPr>
+              <a:xfrm>
+                <a:off x="1402672" y="781235"/>
+                <a:ext cx="3240349" cy="266302"/>
+              </a:xfrm>
+              <a:prstGeom prst="rect">
+                <a:avLst/>
+              </a:prstGeom>
+              <a:noFill/>
+              <a:ln>
+                <a:solidFill>
+                  <a:schemeClr val="accent1"/>
+                </a:solidFill>
+              </a:ln>
+            </p:spPr>
+            <p:style>
+              <a:lnRef idx="2">
+                <a:schemeClr val="accent1">
+                  <a:shade val="50000"/>
+                </a:schemeClr>
+              </a:lnRef>
+              <a:fillRef idx="1">
+                <a:schemeClr val="accent1"/>
+              </a:fillRef>
+              <a:effectRef idx="0">
+                <a:schemeClr val="accent1"/>
+              </a:effectRef>
+              <a:fontRef idx="minor">
+                <a:schemeClr val="lt1"/>
+              </a:fontRef>
+            </p:style>
+            <p:txBody>
+              <a:bodyPr rtlCol="0" anchor="ctr"/>
+              <a:lstStyle/>
+              <a:p>
+                <a:pPr algn="ctr"/>
+                <a:endParaRPr lang="ko-KR" altLang="en-US"/>
+              </a:p>
+            </p:txBody>
+          </p:sp>
+          <p:sp>
+            <p:nvSpPr>
+              <p:cNvPr id="97" name="직사각형 96">
+                <a:extLst>
+                  <a:ext uri="{FF2B5EF4-FFF2-40B4-BE49-F238E27FC236}">
+                    <a16:creationId xmlns:a16="http://schemas.microsoft.com/office/drawing/2014/main" id="{FC9140D1-825E-4791-804D-A1F98AE3E9BE}"/>
+                  </a:ext>
+                </a:extLst>
+              </p:cNvPr>
+              <p:cNvSpPr/>
+              <p:nvPr/>
+            </p:nvSpPr>
+            <p:spPr>
+              <a:xfrm>
+                <a:off x="4643021" y="781235"/>
+                <a:ext cx="337352" cy="266271"/>
+              </a:xfrm>
+              <a:prstGeom prst="rect">
+                <a:avLst/>
+              </a:prstGeom>
+              <a:noFill/>
+            </p:spPr>
+            <p:style>
+              <a:lnRef idx="2">
+                <a:schemeClr val="accent1">
+                  <a:shade val="50000"/>
+                </a:schemeClr>
+              </a:lnRef>
+              <a:fillRef idx="1">
+                <a:schemeClr val="accent1"/>
+              </a:fillRef>
+              <a:effectRef idx="0">
+                <a:schemeClr val="accent1"/>
+              </a:effectRef>
+              <a:fontRef idx="minor">
+                <a:schemeClr val="lt1"/>
+              </a:fontRef>
+            </p:style>
+            <p:txBody>
+              <a:bodyPr rtlCol="0" anchor="ctr"/>
+              <a:lstStyle/>
+              <a:p>
+                <a:pPr algn="ctr"/>
+                <a:endParaRPr lang="ko-KR" altLang="en-US"/>
+              </a:p>
+            </p:txBody>
+          </p:sp>
+          <p:sp>
+            <p:nvSpPr>
+              <p:cNvPr id="100" name="원형: 비어 있음 99">
+                <a:extLst>
+                  <a:ext uri="{FF2B5EF4-FFF2-40B4-BE49-F238E27FC236}">
+                    <a16:creationId xmlns:a16="http://schemas.microsoft.com/office/drawing/2014/main" id="{8C7D3A60-5E22-4911-B296-C91082218C75}"/>
+                  </a:ext>
+                </a:extLst>
+              </p:cNvPr>
+              <p:cNvSpPr/>
+              <p:nvPr/>
+            </p:nvSpPr>
+            <p:spPr>
+              <a:xfrm>
+                <a:off x="4660777" y="781204"/>
+                <a:ext cx="186431" cy="177553"/>
+              </a:xfrm>
+              <a:prstGeom prst="donut">
+                <a:avLst/>
+              </a:prstGeom>
+              <a:noFill/>
+              <a:ln>
+                <a:solidFill>
+                  <a:schemeClr val="accent1"/>
+                </a:solidFill>
+              </a:ln>
+            </p:spPr>
+            <p:style>
+              <a:lnRef idx="2">
+                <a:schemeClr val="accent1">
+                  <a:shade val="50000"/>
+                </a:schemeClr>
+              </a:lnRef>
+              <a:fillRef idx="1">
+                <a:schemeClr val="accent1"/>
+              </a:fillRef>
+              <a:effectRef idx="0">
+                <a:schemeClr val="accent1"/>
+              </a:effectRef>
+              <a:fontRef idx="minor">
+                <a:schemeClr val="lt1"/>
+              </a:fontRef>
+            </p:style>
+            <p:txBody>
+              <a:bodyPr rtlCol="0" anchor="ctr"/>
+              <a:lstStyle/>
+              <a:p>
+                <a:pPr algn="ctr"/>
+                <a:endParaRPr lang="ko-KR" altLang="en-US">
+                  <a:solidFill>
+                    <a:schemeClr val="tx1"/>
+                  </a:solidFill>
+                </a:endParaRPr>
+              </a:p>
+            </p:txBody>
+          </p:sp>
+          <p:sp>
+            <p:nvSpPr>
+              <p:cNvPr id="104" name="직사각형 103">
+                <a:extLst>
+                  <a:ext uri="{FF2B5EF4-FFF2-40B4-BE49-F238E27FC236}">
+                    <a16:creationId xmlns:a16="http://schemas.microsoft.com/office/drawing/2014/main" id="{B1F7744D-8E57-4FE9-86F3-ABDBC3F1A8A0}"/>
+                  </a:ext>
+                </a:extLst>
+              </p:cNvPr>
+              <p:cNvSpPr/>
+              <p:nvPr/>
+            </p:nvSpPr>
+            <p:spPr>
+              <a:xfrm rot="18784169">
+                <a:off x="4861836" y="906157"/>
+                <a:ext cx="45719" cy="157111"/>
+              </a:xfrm>
+              <a:prstGeom prst="rect">
+                <a:avLst/>
+              </a:prstGeom>
+              <a:noFill/>
+              <a:ln w="6350">
+                <a:solidFill>
+                  <a:schemeClr val="accent1"/>
+                </a:solidFill>
+              </a:ln>
+            </p:spPr>
+            <p:style>
+              <a:lnRef idx="2">
+                <a:schemeClr val="accent1">
+                  <a:shade val="50000"/>
+                </a:schemeClr>
+              </a:lnRef>
+              <a:fillRef idx="1">
+                <a:schemeClr val="accent1"/>
+              </a:fillRef>
+              <a:effectRef idx="0">
+                <a:schemeClr val="accent1"/>
+              </a:effectRef>
+              <a:fontRef idx="minor">
+                <a:schemeClr val="lt1"/>
+              </a:fontRef>
+            </p:style>
+            <p:txBody>
+              <a:bodyPr rtlCol="0" anchor="ctr"/>
+              <a:lstStyle/>
+              <a:p>
+                <a:pPr algn="ctr"/>
+                <a:endParaRPr lang="ko-KR" altLang="en-US"/>
+              </a:p>
+            </p:txBody>
+          </p:sp>
+          <p:sp>
+            <p:nvSpPr>
+              <p:cNvPr id="106" name="TextBox 105">
+                <a:extLst>
+                  <a:ext uri="{FF2B5EF4-FFF2-40B4-BE49-F238E27FC236}">
+                    <a16:creationId xmlns:a16="http://schemas.microsoft.com/office/drawing/2014/main" id="{67193DB2-7461-4A66-A6F9-9C3101B29A01}"/>
+                  </a:ext>
+                </a:extLst>
+              </p:cNvPr>
+              <p:cNvSpPr txBox="1"/>
+              <p:nvPr/>
+            </p:nvSpPr>
+            <p:spPr>
+              <a:xfrm>
+                <a:off x="1185171" y="1448826"/>
+                <a:ext cx="1219197" cy="369332"/>
+              </a:xfrm>
+              <a:prstGeom prst="rect">
+                <a:avLst/>
+              </a:prstGeom>
+              <a:noFill/>
+            </p:spPr>
+            <p:txBody>
+              <a:bodyPr wrap="square" rtlCol="0">
+                <a:spAutoFit/>
+              </a:bodyPr>
+              <a:lstStyle/>
+              <a:p>
+                <a:r>
+                  <a:rPr lang="ko-KR" altLang="en-US" dirty="0"/>
+                  <a:t>재생 목록</a:t>
+                </a:r>
+              </a:p>
+            </p:txBody>
+          </p:sp>
+          <p:cxnSp>
+            <p:nvCxnSpPr>
+              <p:cNvPr id="107" name="직선 연결선 106">
+                <a:extLst>
+                  <a:ext uri="{FF2B5EF4-FFF2-40B4-BE49-F238E27FC236}">
+                    <a16:creationId xmlns:a16="http://schemas.microsoft.com/office/drawing/2014/main" id="{53285C1B-858C-4B3D-83E4-9C99D2CB1314}"/>
+                  </a:ext>
+                </a:extLst>
+              </p:cNvPr>
+              <p:cNvCxnSpPr/>
+              <p:nvPr/>
+            </p:nvCxnSpPr>
+            <p:spPr>
+              <a:xfrm>
+                <a:off x="3946124" y="1278384"/>
+                <a:ext cx="0" cy="710214"/>
+              </a:xfrm>
+              <a:prstGeom prst="line">
+                <a:avLst/>
+              </a:prstGeom>
+            </p:spPr>
+            <p:style>
+              <a:lnRef idx="1">
+                <a:schemeClr val="accent1"/>
+              </a:lnRef>
+              <a:fillRef idx="0">
+                <a:schemeClr val="accent1"/>
+              </a:fillRef>
+              <a:effectRef idx="0">
+                <a:schemeClr val="accent1"/>
+              </a:effectRef>
+              <a:fontRef idx="minor">
+                <a:schemeClr val="tx1"/>
+              </a:fontRef>
+            </p:style>
+          </p:cxnSp>
+          <p:sp>
+            <p:nvSpPr>
+              <p:cNvPr id="109" name="TextBox 108">
+                <a:extLst>
+                  <a:ext uri="{FF2B5EF4-FFF2-40B4-BE49-F238E27FC236}">
+                    <a16:creationId xmlns:a16="http://schemas.microsoft.com/office/drawing/2014/main" id="{91CCF602-DB86-4F74-98EB-21633AC78235}"/>
+                  </a:ext>
+                </a:extLst>
+              </p:cNvPr>
+              <p:cNvSpPr txBox="1"/>
+              <p:nvPr/>
+            </p:nvSpPr>
+            <p:spPr>
+              <a:xfrm>
+                <a:off x="2911874" y="1452326"/>
+                <a:ext cx="985407" cy="369332"/>
+              </a:xfrm>
+              <a:prstGeom prst="rect">
+                <a:avLst/>
+              </a:prstGeom>
+              <a:noFill/>
+            </p:spPr>
+            <p:txBody>
+              <a:bodyPr wrap="square" rtlCol="0">
+                <a:spAutoFit/>
+              </a:bodyPr>
+              <a:lstStyle/>
+              <a:p>
+                <a:r>
+                  <a:rPr lang="ko-KR" altLang="en-US" dirty="0"/>
+                  <a:t>랭킹</a:t>
+                </a:r>
+              </a:p>
+            </p:txBody>
+          </p:sp>
+          <p:sp>
+            <p:nvSpPr>
+              <p:cNvPr id="111" name="TextBox 110">
+                <a:extLst>
+                  <a:ext uri="{FF2B5EF4-FFF2-40B4-BE49-F238E27FC236}">
+                    <a16:creationId xmlns:a16="http://schemas.microsoft.com/office/drawing/2014/main" id="{FFD8CF7C-F71B-464E-9B6D-DAFEE0E22F66}"/>
+                  </a:ext>
+                </a:extLst>
+              </p:cNvPr>
+              <p:cNvSpPr txBox="1"/>
+              <p:nvPr/>
+            </p:nvSpPr>
+            <p:spPr>
+              <a:xfrm>
+                <a:off x="4191269" y="1448825"/>
+                <a:ext cx="1053467" cy="369332"/>
+              </a:xfrm>
+              <a:prstGeom prst="rect">
+                <a:avLst/>
+              </a:prstGeom>
+              <a:noFill/>
+            </p:spPr>
+            <p:txBody>
+              <a:bodyPr wrap="square" rtlCol="0">
+                <a:spAutoFit/>
+              </a:bodyPr>
+              <a:lstStyle/>
+              <a:p>
+                <a:r>
+                  <a:rPr lang="ko-KR" altLang="en-US" dirty="0"/>
+                  <a:t>내 파일</a:t>
+                </a:r>
+              </a:p>
+            </p:txBody>
+          </p:sp>
+          <p:cxnSp>
+            <p:nvCxnSpPr>
+              <p:cNvPr id="114" name="직선 연결선 113">
+                <a:extLst>
+                  <a:ext uri="{FF2B5EF4-FFF2-40B4-BE49-F238E27FC236}">
+                    <a16:creationId xmlns:a16="http://schemas.microsoft.com/office/drawing/2014/main" id="{ECD27FE4-DBE3-40FC-9B14-99ADDE666102}"/>
+                  </a:ext>
+                </a:extLst>
+              </p:cNvPr>
+              <p:cNvCxnSpPr/>
+              <p:nvPr/>
+            </p:nvCxnSpPr>
+            <p:spPr>
+              <a:xfrm>
+                <a:off x="5042517" y="1988598"/>
+                <a:ext cx="0" cy="4305670"/>
+              </a:xfrm>
+              <a:prstGeom prst="line">
+                <a:avLst/>
+              </a:prstGeom>
+            </p:spPr>
+            <p:style>
+              <a:lnRef idx="1">
+                <a:schemeClr val="accent1"/>
+              </a:lnRef>
+              <a:fillRef idx="0">
+                <a:schemeClr val="accent1"/>
+              </a:fillRef>
+              <a:effectRef idx="0">
+                <a:schemeClr val="accent1"/>
+              </a:effectRef>
+              <a:fontRef idx="minor">
+                <a:schemeClr val="tx1"/>
+              </a:fontRef>
+            </p:style>
+          </p:cxnSp>
+          <p:cxnSp>
+            <p:nvCxnSpPr>
+              <p:cNvPr id="115" name="직선 연결선 114">
+                <a:extLst>
+                  <a:ext uri="{FF2B5EF4-FFF2-40B4-BE49-F238E27FC236}">
+                    <a16:creationId xmlns:a16="http://schemas.microsoft.com/office/drawing/2014/main" id="{4D7502D1-785D-44A1-B163-3466F657A415}"/>
+                  </a:ext>
+                </a:extLst>
+              </p:cNvPr>
+              <p:cNvCxnSpPr/>
+              <p:nvPr/>
+            </p:nvCxnSpPr>
+            <p:spPr>
+              <a:xfrm>
+                <a:off x="5042517" y="2317072"/>
+                <a:ext cx="346229" cy="0"/>
+              </a:xfrm>
+              <a:prstGeom prst="line">
+                <a:avLst/>
+              </a:prstGeom>
+            </p:spPr>
+            <p:style>
+              <a:lnRef idx="1">
+                <a:schemeClr val="accent1"/>
+              </a:lnRef>
+              <a:fillRef idx="0">
+                <a:schemeClr val="accent1"/>
+              </a:fillRef>
+              <a:effectRef idx="0">
+                <a:schemeClr val="accent1"/>
+              </a:effectRef>
+              <a:fontRef idx="minor">
+                <a:schemeClr val="tx1"/>
+              </a:fontRef>
+            </p:style>
+          </p:cxnSp>
+          <p:cxnSp>
+            <p:nvCxnSpPr>
+              <p:cNvPr id="116" name="직선 연결선 115">
+                <a:extLst>
+                  <a:ext uri="{FF2B5EF4-FFF2-40B4-BE49-F238E27FC236}">
+                    <a16:creationId xmlns:a16="http://schemas.microsoft.com/office/drawing/2014/main" id="{81FBE08F-68D1-46E4-857E-DE2A67BCEC7A}"/>
+                  </a:ext>
+                </a:extLst>
+              </p:cNvPr>
+              <p:cNvCxnSpPr/>
+              <p:nvPr/>
+            </p:nvCxnSpPr>
+            <p:spPr>
+              <a:xfrm>
+                <a:off x="5042517" y="5974672"/>
+                <a:ext cx="346229" cy="0"/>
+              </a:xfrm>
+              <a:prstGeom prst="line">
+                <a:avLst/>
+              </a:prstGeom>
+            </p:spPr>
+            <p:style>
+              <a:lnRef idx="1">
+                <a:schemeClr val="accent1"/>
+              </a:lnRef>
+              <a:fillRef idx="0">
+                <a:schemeClr val="accent1"/>
+              </a:fillRef>
+              <a:effectRef idx="0">
+                <a:schemeClr val="accent1"/>
+              </a:effectRef>
+              <a:fontRef idx="minor">
+                <a:schemeClr val="tx1"/>
+              </a:fontRef>
+            </p:style>
+          </p:cxnSp>
+          <p:sp>
+            <p:nvSpPr>
+              <p:cNvPr id="117" name="이등변 삼각형 116">
+                <a:extLst>
+                  <a:ext uri="{FF2B5EF4-FFF2-40B4-BE49-F238E27FC236}">
+                    <a16:creationId xmlns:a16="http://schemas.microsoft.com/office/drawing/2014/main" id="{99D19D2B-D3C1-49F0-A5A8-8444A7E595C0}"/>
+                  </a:ext>
+                </a:extLst>
+              </p:cNvPr>
+              <p:cNvSpPr/>
+              <p:nvPr/>
+            </p:nvSpPr>
+            <p:spPr>
+              <a:xfrm>
+                <a:off x="5122986" y="2093403"/>
+                <a:ext cx="185291" cy="124272"/>
+              </a:xfrm>
+              <a:prstGeom prst="triangle">
+                <a:avLst/>
+              </a:prstGeom>
+              <a:noFill/>
+              <a:ln>
+                <a:solidFill>
+                  <a:schemeClr val="accent1"/>
+                </a:solidFill>
+              </a:ln>
+            </p:spPr>
+            <p:style>
+              <a:lnRef idx="2">
+                <a:schemeClr val="accent1">
+                  <a:shade val="50000"/>
+                </a:schemeClr>
+              </a:lnRef>
+              <a:fillRef idx="1">
+                <a:schemeClr val="accent1"/>
+              </a:fillRef>
+              <a:effectRef idx="0">
+                <a:schemeClr val="accent1"/>
+              </a:effectRef>
+              <a:fontRef idx="minor">
+                <a:schemeClr val="lt1"/>
+              </a:fontRef>
+            </p:style>
+            <p:txBody>
+              <a:bodyPr rtlCol="0" anchor="ctr"/>
+              <a:lstStyle/>
+              <a:p>
+                <a:pPr algn="ctr"/>
+                <a:endParaRPr lang="ko-KR" altLang="en-US"/>
+              </a:p>
+            </p:txBody>
+          </p:sp>
+          <p:sp>
+            <p:nvSpPr>
+              <p:cNvPr id="118" name="이등변 삼각형 117">
+                <a:extLst>
+                  <a:ext uri="{FF2B5EF4-FFF2-40B4-BE49-F238E27FC236}">
+                    <a16:creationId xmlns:a16="http://schemas.microsoft.com/office/drawing/2014/main" id="{C5AB54C4-0652-462B-B8A4-58A2CF1B4EE3}"/>
+                  </a:ext>
+                </a:extLst>
+              </p:cNvPr>
+              <p:cNvSpPr/>
+              <p:nvPr/>
+            </p:nvSpPr>
+            <p:spPr>
+              <a:xfrm rot="10800000">
+                <a:off x="5122986" y="6075008"/>
+                <a:ext cx="185291" cy="124272"/>
+              </a:xfrm>
+              <a:prstGeom prst="triangle">
+                <a:avLst/>
+              </a:prstGeom>
+              <a:noFill/>
+              <a:ln>
+                <a:solidFill>
+                  <a:schemeClr val="accent1"/>
+                </a:solidFill>
+              </a:ln>
+            </p:spPr>
+            <p:style>
+              <a:lnRef idx="2">
+                <a:schemeClr val="accent1">
+                  <a:shade val="50000"/>
+                </a:schemeClr>
+              </a:lnRef>
+              <a:fillRef idx="1">
+                <a:schemeClr val="accent1"/>
+              </a:fillRef>
+              <a:effectRef idx="0">
+                <a:schemeClr val="accent1"/>
+              </a:effectRef>
+              <a:fontRef idx="minor">
+                <a:schemeClr val="lt1"/>
+              </a:fontRef>
+            </p:style>
+            <p:txBody>
+              <a:bodyPr rtlCol="0" anchor="ctr"/>
+              <a:lstStyle/>
+              <a:p>
+                <a:pPr algn="ctr"/>
+                <a:endParaRPr lang="ko-KR" altLang="en-US"/>
+              </a:p>
+            </p:txBody>
+          </p:sp>
+          <p:sp>
+            <p:nvSpPr>
+              <p:cNvPr id="119" name="사각형: 둥근 모서리 118">
+                <a:extLst>
+                  <a:ext uri="{FF2B5EF4-FFF2-40B4-BE49-F238E27FC236}">
+                    <a16:creationId xmlns:a16="http://schemas.microsoft.com/office/drawing/2014/main" id="{B9C352D5-74D6-4F9C-AF3C-44A3E7CB6E27}"/>
+                  </a:ext>
+                </a:extLst>
+              </p:cNvPr>
+              <p:cNvSpPr/>
+              <p:nvPr/>
+            </p:nvSpPr>
+            <p:spPr>
+              <a:xfrm>
+                <a:off x="5042516" y="2317071"/>
+                <a:ext cx="333404" cy="727963"/>
+              </a:xfrm>
+              <a:prstGeom prst="roundRect">
+                <a:avLst/>
+              </a:prstGeom>
+              <a:solidFill>
+                <a:schemeClr val="accent5"/>
+              </a:solidFill>
+            </p:spPr>
+            <p:style>
+              <a:lnRef idx="2">
+                <a:schemeClr val="accent1">
+                  <a:shade val="50000"/>
+                </a:schemeClr>
+              </a:lnRef>
+              <a:fillRef idx="1">
+                <a:schemeClr val="accent1"/>
+              </a:fillRef>
+              <a:effectRef idx="0">
+                <a:schemeClr val="accent1"/>
+              </a:effectRef>
+              <a:fontRef idx="minor">
+                <a:schemeClr val="lt1"/>
+              </a:fontRef>
+            </p:style>
+            <p:txBody>
+              <a:bodyPr rtlCol="0" anchor="ctr"/>
+              <a:lstStyle/>
+              <a:p>
+                <a:pPr algn="ctr"/>
+                <a:endParaRPr lang="ko-KR" altLang="en-US"/>
+              </a:p>
+            </p:txBody>
+          </p:sp>
+          <p:cxnSp>
+            <p:nvCxnSpPr>
+              <p:cNvPr id="120" name="직선 연결선 119">
+                <a:extLst>
+                  <a:ext uri="{FF2B5EF4-FFF2-40B4-BE49-F238E27FC236}">
+                    <a16:creationId xmlns:a16="http://schemas.microsoft.com/office/drawing/2014/main" id="{90B12382-F214-4BAE-829A-F5008CEA015E}"/>
+                  </a:ext>
+                </a:extLst>
+              </p:cNvPr>
+              <p:cNvCxnSpPr/>
+              <p:nvPr/>
+            </p:nvCxnSpPr>
+            <p:spPr>
+              <a:xfrm>
+                <a:off x="1081300" y="3429000"/>
+                <a:ext cx="3977197" cy="0"/>
+              </a:xfrm>
+              <a:prstGeom prst="line">
+                <a:avLst/>
+              </a:prstGeom>
+            </p:spPr>
+            <p:style>
+              <a:lnRef idx="1">
+                <a:schemeClr val="accent1"/>
+              </a:lnRef>
+              <a:fillRef idx="0">
+                <a:schemeClr val="accent1"/>
+              </a:fillRef>
+              <a:effectRef idx="0">
+                <a:schemeClr val="accent1"/>
+              </a:effectRef>
+              <a:fontRef idx="minor">
+                <a:schemeClr val="tx1"/>
+              </a:fontRef>
+            </p:style>
+          </p:cxnSp>
+          <p:cxnSp>
+            <p:nvCxnSpPr>
+              <p:cNvPr id="121" name="직선 연결선 120">
+                <a:extLst>
+                  <a:ext uri="{FF2B5EF4-FFF2-40B4-BE49-F238E27FC236}">
+                    <a16:creationId xmlns:a16="http://schemas.microsoft.com/office/drawing/2014/main" id="{616AF362-C88C-4622-ADBA-68D2B7B766C5}"/>
+                  </a:ext>
+                </a:extLst>
+              </p:cNvPr>
+              <p:cNvCxnSpPr/>
+              <p:nvPr/>
+            </p:nvCxnSpPr>
+            <p:spPr>
+              <a:xfrm>
+                <a:off x="1083059" y="4864963"/>
+                <a:ext cx="3977197" cy="0"/>
+              </a:xfrm>
+              <a:prstGeom prst="line">
+                <a:avLst/>
+              </a:prstGeom>
+            </p:spPr>
+            <p:style>
+              <a:lnRef idx="1">
+                <a:schemeClr val="accent1"/>
+              </a:lnRef>
+              <a:fillRef idx="0">
+                <a:schemeClr val="accent1"/>
+              </a:fillRef>
+              <a:effectRef idx="0">
+                <a:schemeClr val="accent1"/>
+              </a:effectRef>
+              <a:fontRef idx="minor">
+                <a:schemeClr val="tx1"/>
+              </a:fontRef>
+            </p:style>
+          </p:cxnSp>
+          <p:sp>
+            <p:nvSpPr>
+              <p:cNvPr id="122" name="곱하기 기호 121">
+                <a:extLst>
+                  <a:ext uri="{FF2B5EF4-FFF2-40B4-BE49-F238E27FC236}">
+                    <a16:creationId xmlns:a16="http://schemas.microsoft.com/office/drawing/2014/main" id="{8BF74584-A0E9-4CD5-8510-A8420660FC3D}"/>
+                  </a:ext>
+                </a:extLst>
+              </p:cNvPr>
+              <p:cNvSpPr/>
+              <p:nvPr/>
+            </p:nvSpPr>
+            <p:spPr>
+              <a:xfrm>
+                <a:off x="5058497" y="585895"/>
+                <a:ext cx="275377" cy="234156"/>
+              </a:xfrm>
+              <a:prstGeom prst="mathMultiply">
+                <a:avLst/>
+              </a:prstGeom>
+              <a:noFill/>
+              <a:ln>
+                <a:solidFill>
+                  <a:schemeClr val="accent1"/>
+                </a:solidFill>
+              </a:ln>
+            </p:spPr>
+            <p:style>
+              <a:lnRef idx="2">
+                <a:schemeClr val="accent1">
+                  <a:shade val="50000"/>
+                </a:schemeClr>
+              </a:lnRef>
+              <a:fillRef idx="1">
+                <a:schemeClr val="accent1"/>
+              </a:fillRef>
+              <a:effectRef idx="0">
+                <a:schemeClr val="accent1"/>
+              </a:effectRef>
+              <a:fontRef idx="minor">
+                <a:schemeClr val="lt1"/>
+              </a:fontRef>
+            </p:style>
+            <p:txBody>
+              <a:bodyPr rtlCol="0" anchor="ctr"/>
+              <a:lstStyle/>
+              <a:p>
+                <a:pPr algn="ctr"/>
+                <a:endParaRPr lang="ko-KR" altLang="en-US"/>
+              </a:p>
+            </p:txBody>
+          </p:sp>
+          <p:sp>
+            <p:nvSpPr>
+              <p:cNvPr id="123" name="액자 122">
+                <a:extLst>
+                  <a:ext uri="{FF2B5EF4-FFF2-40B4-BE49-F238E27FC236}">
+                    <a16:creationId xmlns:a16="http://schemas.microsoft.com/office/drawing/2014/main" id="{A7E87663-AA17-47D6-AB1B-F3E7A923791C}"/>
+                  </a:ext>
+                </a:extLst>
+              </p:cNvPr>
+              <p:cNvSpPr/>
+              <p:nvPr/>
+            </p:nvSpPr>
+            <p:spPr>
+              <a:xfrm>
+                <a:off x="4850334" y="582836"/>
+                <a:ext cx="146399" cy="148160"/>
+              </a:xfrm>
+              <a:prstGeom prst="frame">
+                <a:avLst/>
+              </a:prstGeom>
+              <a:noFill/>
+              <a:ln>
+                <a:solidFill>
+                  <a:schemeClr val="accent1"/>
+                </a:solidFill>
+              </a:ln>
+            </p:spPr>
+            <p:style>
+              <a:lnRef idx="2">
+                <a:schemeClr val="accent1">
+                  <a:shade val="50000"/>
+                </a:schemeClr>
+              </a:lnRef>
+              <a:fillRef idx="1">
+                <a:schemeClr val="accent1"/>
+              </a:fillRef>
+              <a:effectRef idx="0">
+                <a:schemeClr val="accent1"/>
+              </a:effectRef>
+              <a:fontRef idx="minor">
+                <a:schemeClr val="lt1"/>
+              </a:fontRef>
+            </p:style>
+            <p:txBody>
+              <a:bodyPr rtlCol="0" anchor="ctr"/>
+              <a:lstStyle/>
+              <a:p>
+                <a:pPr algn="ctr"/>
+                <a:endParaRPr lang="ko-KR" altLang="en-US">
+                  <a:solidFill>
+                    <a:schemeClr val="tx1"/>
+                  </a:solidFill>
+                </a:endParaRPr>
+              </a:p>
+            </p:txBody>
+          </p:sp>
+          <p:sp>
+            <p:nvSpPr>
+              <p:cNvPr id="124" name="빼기 기호 123">
+                <a:extLst>
+                  <a:ext uri="{FF2B5EF4-FFF2-40B4-BE49-F238E27FC236}">
+                    <a16:creationId xmlns:a16="http://schemas.microsoft.com/office/drawing/2014/main" id="{D5156BBF-D1E6-48EA-9565-A135AF21B606}"/>
+                  </a:ext>
+                </a:extLst>
+              </p:cNvPr>
+              <p:cNvSpPr/>
+              <p:nvPr/>
+            </p:nvSpPr>
+            <p:spPr>
+              <a:xfrm>
+                <a:off x="4453905" y="596836"/>
+                <a:ext cx="275377" cy="117078"/>
+              </a:xfrm>
+              <a:prstGeom prst="mathMinus">
+                <a:avLst/>
+              </a:prstGeom>
+              <a:noFill/>
+              <a:ln>
+                <a:solidFill>
+                  <a:schemeClr val="accent1"/>
+                </a:solidFill>
+              </a:ln>
+            </p:spPr>
+            <p:style>
+              <a:lnRef idx="2">
+                <a:schemeClr val="accent1">
+                  <a:shade val="50000"/>
+                </a:schemeClr>
+              </a:lnRef>
+              <a:fillRef idx="1">
+                <a:schemeClr val="accent1"/>
+              </a:fillRef>
+              <a:effectRef idx="0">
+                <a:schemeClr val="accent1"/>
+              </a:effectRef>
+              <a:fontRef idx="minor">
+                <a:schemeClr val="lt1"/>
+              </a:fontRef>
+            </p:style>
+            <p:txBody>
+              <a:bodyPr rtlCol="0" anchor="ctr"/>
+              <a:lstStyle/>
+              <a:p>
+                <a:pPr algn="ctr"/>
+                <a:endParaRPr lang="ko-KR" altLang="en-US"/>
+              </a:p>
+            </p:txBody>
+          </p:sp>
+        </p:grpSp>
+      </p:grpSp>
+    </p:spTree>
+    <p:extLst>
+      <p:ext uri="{BB962C8B-B14F-4D97-AF65-F5344CB8AC3E}">
+        <p14:creationId xmlns:p14="http://schemas.microsoft.com/office/powerpoint/2010/main" val="1650814436"/>
       </p:ext>
     </p:extLst>
   </p:cSld>
